--- a/Azure Data Explorer.pptx
+++ b/Azure Data Explorer.pptx
@@ -5,7 +5,7 @@
     <p:sldMasterId id="2147483748" r:id="rId4"/>
   </p:sldMasterIdLst>
   <p:notesMasterIdLst>
-    <p:notesMasterId r:id="rId15"/>
+    <p:notesMasterId r:id="rId26"/>
   </p:notesMasterIdLst>
   <p:sldIdLst>
     <p:sldId id="522" r:id="rId5"/>
@@ -18,6 +18,17 @@
     <p:sldId id="529" r:id="rId12"/>
     <p:sldId id="530" r:id="rId13"/>
     <p:sldId id="531" r:id="rId14"/>
+    <p:sldId id="532" r:id="rId15"/>
+    <p:sldId id="533" r:id="rId16"/>
+    <p:sldId id="534" r:id="rId17"/>
+    <p:sldId id="535" r:id="rId18"/>
+    <p:sldId id="536" r:id="rId19"/>
+    <p:sldId id="537" r:id="rId20"/>
+    <p:sldId id="538" r:id="rId21"/>
+    <p:sldId id="539" r:id="rId22"/>
+    <p:sldId id="540" r:id="rId23"/>
+    <p:sldId id="541" r:id="rId24"/>
+    <p:sldId id="542" r:id="rId25"/>
   </p:sldIdLst>
   <p:sldSz cx="12192000" cy="6858000"/>
   <p:notesSz cx="6858000" cy="9144000"/>
@@ -135,6 +146,17 @@
             <p14:sldId id="529"/>
             <p14:sldId id="530"/>
             <p14:sldId id="531"/>
+            <p14:sldId id="532"/>
+            <p14:sldId id="533"/>
+            <p14:sldId id="534"/>
+            <p14:sldId id="535"/>
+            <p14:sldId id="536"/>
+            <p14:sldId id="537"/>
+            <p14:sldId id="538"/>
+            <p14:sldId id="539"/>
+            <p14:sldId id="540"/>
+            <p14:sldId id="541"/>
+            <p14:sldId id="542"/>
           </p14:sldIdLst>
         </p14:section>
       </p14:sectionLst>
@@ -234,7 +256,7 @@
           <a:p>
             <a:fld id="{31033B72-FD55-4593-84F8-30DA33844F22}" type="datetimeFigureOut">
               <a:rPr lang="en-US" smtClean="0"/>
-              <a:t>7/12/2022</a:t>
+              <a:t>8/3/2022</a:t>
             </a:fld>
             <a:endParaRPr lang="en-US"/>
           </a:p>
@@ -3295,7 +3317,7 @@
 </p:sld>
 </file>
 
-<file path=ppt/slides/slide2.xml><?xml version="1.0" encoding="utf-8"?>
+<file path=ppt/slides/slide11.xml><?xml version="1.0" encoding="utf-8"?>
 <p:sld xmlns:a="http://schemas.openxmlformats.org/drawingml/2006/main" xmlns:r="http://schemas.openxmlformats.org/officeDocument/2006/relationships" xmlns:p="http://schemas.openxmlformats.org/presentationml/2006/main">
   <p:cSld>
     <p:spTree>
@@ -3398,6 +3420,2001 @@
       </p:sp>
       <p:sp>
         <p:nvSpPr>
+          <p:cNvPr id="4" name="TextBox 3">
+            <a:extLst>
+              <a:ext uri="{FF2B5EF4-FFF2-40B4-BE49-F238E27FC236}">
+                <a16:creationId xmlns:a16="http://schemas.microsoft.com/office/drawing/2014/main" id="{FC925FC0-2C98-4A8B-BAC2-23F81A2A97C0}"/>
+              </a:ext>
+            </a:extLst>
+          </p:cNvPr>
+          <p:cNvSpPr txBox="1"/>
+          <p:nvPr/>
+        </p:nvSpPr>
+        <p:spPr>
+          <a:xfrm>
+            <a:off x="930194" y="1391826"/>
+            <a:ext cx="10587209" cy="369332"/>
+          </a:xfrm>
+          <a:prstGeom prst="rect">
+            <a:avLst/>
+          </a:prstGeom>
+          <a:noFill/>
+        </p:spPr>
+        <p:txBody>
+          <a:bodyPr wrap="square" rtlCol="0">
+            <a:spAutoFit/>
+          </a:bodyPr>
+          <a:lstStyle/>
+          <a:p>
+            <a:pPr algn="l"/>
+            <a:r>
+              <a:rPr lang="en-US" b="1" i="0" dirty="0">
+                <a:solidFill>
+                  <a:srgbClr val="171717"/>
+                </a:solidFill>
+                <a:effectLst/>
+                <a:latin typeface="Segoe UI" panose="020B0502040204020203" pitchFamily="34" charset="0"/>
+              </a:rPr>
+              <a:t>Azure Data Explorer connector for Microsoft Power Automate</a:t>
+            </a:r>
+          </a:p>
+        </p:txBody>
+      </p:sp>
+      <p:sp>
+        <p:nvSpPr>
+          <p:cNvPr id="2" name="TextBox 1">
+            <a:extLst>
+              <a:ext uri="{FF2B5EF4-FFF2-40B4-BE49-F238E27FC236}">
+                <a16:creationId xmlns:a16="http://schemas.microsoft.com/office/drawing/2014/main" id="{262302B0-DF69-4661-A3D0-C4D9781C101A}"/>
+              </a:ext>
+            </a:extLst>
+          </p:cNvPr>
+          <p:cNvSpPr txBox="1"/>
+          <p:nvPr/>
+        </p:nvSpPr>
+        <p:spPr>
+          <a:xfrm>
+            <a:off x="930194" y="2126255"/>
+            <a:ext cx="10587209" cy="2031325"/>
+          </a:xfrm>
+          <a:prstGeom prst="rect">
+            <a:avLst/>
+          </a:prstGeom>
+          <a:noFill/>
+        </p:spPr>
+        <p:txBody>
+          <a:bodyPr wrap="square" rtlCol="0">
+            <a:spAutoFit/>
+          </a:bodyPr>
+          <a:lstStyle/>
+          <a:p>
+            <a:r>
+              <a:rPr lang="en-US" b="0" i="0" dirty="0">
+                <a:solidFill>
+                  <a:srgbClr val="171717"/>
+                </a:solidFill>
+                <a:effectLst/>
+                <a:latin typeface="Segoe UI" panose="020B0502040204020203" pitchFamily="34" charset="0"/>
+              </a:rPr>
+              <a:t>The Azure Data Explorer connector for Power Automate (previously Microsoft Flow) enables you to orchestrate and schedule flows, send notifications, and alerts, as part of a scheduled or triggered task.</a:t>
+            </a:r>
+          </a:p>
+          <a:p>
+            <a:endParaRPr lang="en-US" dirty="0">
+              <a:solidFill>
+                <a:srgbClr val="171717"/>
+              </a:solidFill>
+              <a:latin typeface="Segoe UI" panose="020B0502040204020203" pitchFamily="34" charset="0"/>
+            </a:endParaRPr>
+          </a:p>
+          <a:p>
+            <a:pPr marL="285750" indent="-285750">
+              <a:buFont typeface="Arial" panose="020B0604020202020204" pitchFamily="34" charset="0"/>
+              <a:buChar char="•"/>
+            </a:pPr>
+            <a:r>
+              <a:rPr lang="en-US" b="0" i="0" dirty="0">
+                <a:solidFill>
+                  <a:srgbClr val="171717"/>
+                </a:solidFill>
+                <a:effectLst/>
+                <a:latin typeface="Segoe UI" panose="020B0502040204020203" pitchFamily="34" charset="0"/>
+              </a:rPr>
+              <a:t>Send notifications and alerts based on query results, such as when thresholds exceed certain limits.</a:t>
+            </a:r>
+          </a:p>
+          <a:p>
+            <a:pPr marL="285750" indent="-285750">
+              <a:buFont typeface="Arial" panose="020B0604020202020204" pitchFamily="34" charset="0"/>
+              <a:buChar char="•"/>
+            </a:pPr>
+            <a:r>
+              <a:rPr lang="en-US" b="0" i="0" dirty="0">
+                <a:solidFill>
+                  <a:srgbClr val="171717"/>
+                </a:solidFill>
+                <a:effectLst/>
+                <a:latin typeface="Segoe UI" panose="020B0502040204020203" pitchFamily="34" charset="0"/>
+              </a:rPr>
+              <a:t>Send regular, such as daily or weekly, reports containing tables and charts.</a:t>
+            </a:r>
+          </a:p>
+          <a:p>
+            <a:pPr marL="285750" indent="-285750">
+              <a:buFont typeface="Arial" panose="020B0604020202020204" pitchFamily="34" charset="0"/>
+              <a:buChar char="•"/>
+            </a:pPr>
+            <a:r>
+              <a:rPr lang="en-US" dirty="0"/>
+              <a:t>Schedule regular jobs using control commands on cluster.</a:t>
+            </a:r>
+          </a:p>
+          <a:p>
+            <a:pPr marL="285750" indent="-285750">
+              <a:buFont typeface="Arial" panose="020B0604020202020204" pitchFamily="34" charset="0"/>
+              <a:buChar char="•"/>
+            </a:pPr>
+            <a:r>
+              <a:rPr lang="en-US" dirty="0"/>
+              <a:t>Export and Import data between Azure Data Explorer and other databases.</a:t>
+            </a:r>
+          </a:p>
+        </p:txBody>
+      </p:sp>
+    </p:spTree>
+    <p:extLst>
+      <p:ext uri="{BB962C8B-B14F-4D97-AF65-F5344CB8AC3E}">
+        <p14:creationId xmlns:p14="http://schemas.microsoft.com/office/powerpoint/2010/main" val="2901724759"/>
+      </p:ext>
+    </p:extLst>
+  </p:cSld>
+  <p:clrMapOvr>
+    <a:masterClrMapping/>
+  </p:clrMapOvr>
+  <p:transition/>
+</p:sld>
+</file>
+
+<file path=ppt/slides/slide12.xml><?xml version="1.0" encoding="utf-8"?>
+<p:sld xmlns:a="http://schemas.openxmlformats.org/drawingml/2006/main" xmlns:r="http://schemas.openxmlformats.org/officeDocument/2006/relationships" xmlns:p="http://schemas.openxmlformats.org/presentationml/2006/main">
+  <p:cSld>
+    <p:spTree>
+      <p:nvGrpSpPr>
+        <p:cNvPr id="1" name=""/>
+        <p:cNvGrpSpPr/>
+        <p:nvPr/>
+      </p:nvGrpSpPr>
+      <p:grpSpPr>
+        <a:xfrm>
+          <a:off x="0" y="0"/>
+          <a:ext cx="0" cy="0"/>
+          <a:chOff x="0" y="0"/>
+          <a:chExt cx="0" cy="0"/>
+        </a:xfrm>
+      </p:grpSpPr>
+      <p:sp>
+        <p:nvSpPr>
+          <p:cNvPr id="7" name="Oval 6">
+            <a:extLst>
+              <a:ext uri="{FF2B5EF4-FFF2-40B4-BE49-F238E27FC236}">
+                <a16:creationId xmlns:a16="http://schemas.microsoft.com/office/drawing/2014/main" id="{9E5FC835-1E44-474A-A10A-E55C664CBB53}"/>
+              </a:ext>
+            </a:extLst>
+          </p:cNvPr>
+          <p:cNvSpPr/>
+          <p:nvPr/>
+        </p:nvSpPr>
+        <p:spPr>
+          <a:xfrm rot="20292410">
+            <a:off x="5608976" y="2568316"/>
+            <a:ext cx="6616896" cy="1449422"/>
+          </a:xfrm>
+          <a:prstGeom prst="ellipse">
+            <a:avLst/>
+          </a:prstGeom>
+          <a:noFill/>
+          <a:ln>
+            <a:solidFill>
+              <a:schemeClr val="accent1">
+                <a:alpha val="32000"/>
+              </a:schemeClr>
+            </a:solidFill>
+            <a:prstDash val="dash"/>
+          </a:ln>
+        </p:spPr>
+        <p:style>
+          <a:lnRef idx="2">
+            <a:schemeClr val="accent1">
+              <a:shade val="50000"/>
+            </a:schemeClr>
+          </a:lnRef>
+          <a:fillRef idx="1">
+            <a:schemeClr val="accent1"/>
+          </a:fillRef>
+          <a:effectRef idx="0">
+            <a:schemeClr val="accent1"/>
+          </a:effectRef>
+          <a:fontRef idx="minor">
+            <a:schemeClr val="lt1"/>
+          </a:fontRef>
+        </p:style>
+        <p:txBody>
+          <a:bodyPr rtlCol="0" anchor="ctr"/>
+          <a:lstStyle/>
+          <a:p>
+            <a:pPr marL="0" marR="0" lvl="0" indent="0" algn="ctr" defTabSz="914400" rtl="0" eaLnBrk="1" fontAlgn="auto" latinLnBrk="0" hangingPunct="1">
+              <a:lnSpc>
+                <a:spcPct val="100000"/>
+              </a:lnSpc>
+              <a:spcBef>
+                <a:spcPts val="0"/>
+              </a:spcBef>
+              <a:spcAft>
+                <a:spcPts val="0"/>
+              </a:spcAft>
+              <a:buClrTx/>
+              <a:buSzTx/>
+              <a:buFontTx/>
+              <a:buNone/>
+              <a:tabLst/>
+              <a:defRPr/>
+            </a:pPr>
+            <a:endParaRPr kumimoji="0" lang="en-US" sz="1800" b="0" i="0" u="none" strike="noStrike" kern="1200" cap="none" spc="0" normalizeH="0" baseline="0" noProof="0" dirty="0">
+              <a:ln>
+                <a:noFill/>
+              </a:ln>
+              <a:solidFill>
+                <a:srgbClr val="FFFFFF"/>
+              </a:solidFill>
+              <a:effectLst/>
+              <a:uLnTx/>
+              <a:uFillTx/>
+              <a:latin typeface="Open Sans"/>
+              <a:ea typeface="+mn-ea"/>
+              <a:cs typeface="+mn-cs"/>
+            </a:endParaRPr>
+          </a:p>
+        </p:txBody>
+      </p:sp>
+      <p:sp>
+        <p:nvSpPr>
+          <p:cNvPr id="4" name="TextBox 3">
+            <a:extLst>
+              <a:ext uri="{FF2B5EF4-FFF2-40B4-BE49-F238E27FC236}">
+                <a16:creationId xmlns:a16="http://schemas.microsoft.com/office/drawing/2014/main" id="{FC925FC0-2C98-4A8B-BAC2-23F81A2A97C0}"/>
+              </a:ext>
+            </a:extLst>
+          </p:cNvPr>
+          <p:cNvSpPr txBox="1"/>
+          <p:nvPr/>
+        </p:nvSpPr>
+        <p:spPr>
+          <a:xfrm>
+            <a:off x="930194" y="1391826"/>
+            <a:ext cx="10587209" cy="461665"/>
+          </a:xfrm>
+          <a:prstGeom prst="rect">
+            <a:avLst/>
+          </a:prstGeom>
+          <a:noFill/>
+        </p:spPr>
+        <p:txBody>
+          <a:bodyPr wrap="square" rtlCol="0">
+            <a:spAutoFit/>
+          </a:bodyPr>
+          <a:lstStyle/>
+          <a:p>
+            <a:pPr algn="l"/>
+            <a:r>
+              <a:rPr lang="en-US" sz="2400" b="1" i="0" dirty="0">
+                <a:solidFill>
+                  <a:srgbClr val="171717"/>
+                </a:solidFill>
+                <a:effectLst/>
+                <a:latin typeface="Segoe UI" panose="020B0502040204020203" pitchFamily="34" charset="0"/>
+              </a:rPr>
+              <a:t>Create a new flow using the Azure Data Explorer connector</a:t>
+            </a:r>
+          </a:p>
+        </p:txBody>
+      </p:sp>
+      <p:sp>
+        <p:nvSpPr>
+          <p:cNvPr id="3" name="TextBox 2">
+            <a:extLst>
+              <a:ext uri="{FF2B5EF4-FFF2-40B4-BE49-F238E27FC236}">
+                <a16:creationId xmlns:a16="http://schemas.microsoft.com/office/drawing/2014/main" id="{FD964C3B-F343-49A5-91C6-9A8E53992FB4}"/>
+              </a:ext>
+            </a:extLst>
+          </p:cNvPr>
+          <p:cNvSpPr txBox="1"/>
+          <p:nvPr/>
+        </p:nvSpPr>
+        <p:spPr>
+          <a:xfrm>
+            <a:off x="543498" y="1988657"/>
+            <a:ext cx="11105003" cy="1200329"/>
+          </a:xfrm>
+          <a:prstGeom prst="rect">
+            <a:avLst/>
+          </a:prstGeom>
+          <a:noFill/>
+        </p:spPr>
+        <p:txBody>
+          <a:bodyPr wrap="square" rtlCol="0">
+            <a:spAutoFit/>
+          </a:bodyPr>
+          <a:lstStyle/>
+          <a:p>
+            <a:r>
+              <a:rPr lang="en-US" b="0" i="0" dirty="0">
+                <a:solidFill>
+                  <a:srgbClr val="171717"/>
+                </a:solidFill>
+                <a:effectLst/>
+                <a:latin typeface="Segoe UI" panose="020B0502040204020203" pitchFamily="34" charset="0"/>
+              </a:rPr>
+              <a:t>1.Sign in to </a:t>
+            </a:r>
+            <a:r>
+              <a:rPr lang="en-US" b="0" i="0" u="none" strike="noStrike" dirty="0">
+                <a:solidFill>
+                  <a:srgbClr val="171717"/>
+                </a:solidFill>
+                <a:effectLst/>
+                <a:latin typeface="Segoe UI" panose="020B0502040204020203" pitchFamily="34" charset="0"/>
+                <a:hlinkClick r:id="rId2"/>
+              </a:rPr>
+              <a:t>Power Automate</a:t>
+            </a:r>
+            <a:r>
+              <a:rPr lang="en-US" b="0" i="0" dirty="0">
+                <a:solidFill>
+                  <a:srgbClr val="171717"/>
+                </a:solidFill>
+                <a:effectLst/>
+                <a:latin typeface="Segoe UI" panose="020B0502040204020203" pitchFamily="34" charset="0"/>
+              </a:rPr>
+              <a:t>.</a:t>
+            </a:r>
+          </a:p>
+          <a:p>
+            <a:endParaRPr lang="en-US" b="0" i="0" dirty="0">
+              <a:solidFill>
+                <a:srgbClr val="171717"/>
+              </a:solidFill>
+              <a:effectLst/>
+              <a:latin typeface="Segoe UI" panose="020B0502040204020203" pitchFamily="34" charset="0"/>
+            </a:endParaRPr>
+          </a:p>
+          <a:p>
+            <a:r>
+              <a:rPr lang="en-US" b="0" i="0" u="sng" dirty="0">
+                <a:effectLst/>
+                <a:latin typeface="Segoe UI" panose="020B0502040204020203" pitchFamily="34" charset="0"/>
+                <a:hlinkClick r:id="rId3"/>
+              </a:rPr>
+              <a:t>2.Create a new flow</a:t>
+            </a:r>
+            <a:r>
+              <a:rPr lang="en-US" b="0" i="0" dirty="0">
+                <a:solidFill>
+                  <a:srgbClr val="171717"/>
+                </a:solidFill>
+                <a:effectLst/>
+                <a:latin typeface="Segoe UI" panose="020B0502040204020203" pitchFamily="34" charset="0"/>
+              </a:rPr>
+              <a:t>, or, from the Power Automate home page, select the </a:t>
+            </a:r>
+            <a:r>
+              <a:rPr lang="en-US" b="1" i="0" dirty="0">
+                <a:solidFill>
+                  <a:srgbClr val="171717"/>
+                </a:solidFill>
+                <a:effectLst/>
+                <a:latin typeface="Segoe UI" panose="020B0502040204020203" pitchFamily="34" charset="0"/>
+              </a:rPr>
+              <a:t>My flows</a:t>
+            </a:r>
+            <a:r>
+              <a:rPr lang="en-US" b="0" i="0" dirty="0">
+                <a:solidFill>
+                  <a:srgbClr val="171717"/>
+                </a:solidFill>
+                <a:effectLst/>
+                <a:latin typeface="Segoe UI" panose="020B0502040204020203" pitchFamily="34" charset="0"/>
+              </a:rPr>
+              <a:t> &gt; </a:t>
+            </a:r>
+            <a:r>
+              <a:rPr lang="en-US" b="1" i="0" dirty="0">
+                <a:solidFill>
+                  <a:srgbClr val="171717"/>
+                </a:solidFill>
+                <a:effectLst/>
+                <a:latin typeface="Segoe UI" panose="020B0502040204020203" pitchFamily="34" charset="0"/>
+              </a:rPr>
+              <a:t>+ New flow</a:t>
+            </a:r>
+            <a:r>
+              <a:rPr lang="en-US" b="0" i="0" dirty="0">
+                <a:solidFill>
+                  <a:srgbClr val="171717"/>
+                </a:solidFill>
+                <a:effectLst/>
+                <a:latin typeface="Segoe UI" panose="020B0502040204020203" pitchFamily="34" charset="0"/>
+              </a:rPr>
+              <a:t>.</a:t>
+            </a:r>
+          </a:p>
+          <a:p>
+            <a:endParaRPr lang="en-US" dirty="0"/>
+          </a:p>
+        </p:txBody>
+      </p:sp>
+      <p:pic>
+        <p:nvPicPr>
+          <p:cNvPr id="6" name="Picture 5">
+            <a:extLst>
+              <a:ext uri="{FF2B5EF4-FFF2-40B4-BE49-F238E27FC236}">
+                <a16:creationId xmlns:a16="http://schemas.microsoft.com/office/drawing/2014/main" id="{141F778C-F1FD-4BCB-8C94-7C6C9C768EB7}"/>
+              </a:ext>
+            </a:extLst>
+          </p:cNvPr>
+          <p:cNvPicPr>
+            <a:picLocks noChangeAspect="1"/>
+          </p:cNvPicPr>
+          <p:nvPr/>
+        </p:nvPicPr>
+        <p:blipFill>
+          <a:blip r:embed="rId4"/>
+          <a:stretch>
+            <a:fillRect/>
+          </a:stretch>
+        </p:blipFill>
+        <p:spPr>
+          <a:xfrm>
+            <a:off x="543498" y="3012137"/>
+            <a:ext cx="10142863" cy="3609975"/>
+          </a:xfrm>
+          <a:prstGeom prst="rect">
+            <a:avLst/>
+          </a:prstGeom>
+        </p:spPr>
+      </p:pic>
+    </p:spTree>
+    <p:extLst>
+      <p:ext uri="{BB962C8B-B14F-4D97-AF65-F5344CB8AC3E}">
+        <p14:creationId xmlns:p14="http://schemas.microsoft.com/office/powerpoint/2010/main" val="2779102596"/>
+      </p:ext>
+    </p:extLst>
+  </p:cSld>
+  <p:clrMapOvr>
+    <a:masterClrMapping/>
+  </p:clrMapOvr>
+  <p:transition/>
+</p:sld>
+</file>
+
+<file path=ppt/slides/slide13.xml><?xml version="1.0" encoding="utf-8"?>
+<p:sld xmlns:a="http://schemas.openxmlformats.org/drawingml/2006/main" xmlns:r="http://schemas.openxmlformats.org/officeDocument/2006/relationships" xmlns:p="http://schemas.openxmlformats.org/presentationml/2006/main">
+  <p:cSld>
+    <p:spTree>
+      <p:nvGrpSpPr>
+        <p:cNvPr id="1" name=""/>
+        <p:cNvGrpSpPr/>
+        <p:nvPr/>
+      </p:nvGrpSpPr>
+      <p:grpSpPr>
+        <a:xfrm>
+          <a:off x="0" y="0"/>
+          <a:ext cx="0" cy="0"/>
+          <a:chOff x="0" y="0"/>
+          <a:chExt cx="0" cy="0"/>
+        </a:xfrm>
+      </p:grpSpPr>
+      <p:sp>
+        <p:nvSpPr>
+          <p:cNvPr id="7" name="Oval 6">
+            <a:extLst>
+              <a:ext uri="{FF2B5EF4-FFF2-40B4-BE49-F238E27FC236}">
+                <a16:creationId xmlns:a16="http://schemas.microsoft.com/office/drawing/2014/main" id="{9E5FC835-1E44-474A-A10A-E55C664CBB53}"/>
+              </a:ext>
+            </a:extLst>
+          </p:cNvPr>
+          <p:cNvSpPr/>
+          <p:nvPr/>
+        </p:nvSpPr>
+        <p:spPr>
+          <a:xfrm rot="20292410">
+            <a:off x="5608976" y="2568316"/>
+            <a:ext cx="6616896" cy="1449422"/>
+          </a:xfrm>
+          <a:prstGeom prst="ellipse">
+            <a:avLst/>
+          </a:prstGeom>
+          <a:noFill/>
+          <a:ln>
+            <a:solidFill>
+              <a:schemeClr val="accent1">
+                <a:alpha val="32000"/>
+              </a:schemeClr>
+            </a:solidFill>
+            <a:prstDash val="dash"/>
+          </a:ln>
+        </p:spPr>
+        <p:style>
+          <a:lnRef idx="2">
+            <a:schemeClr val="accent1">
+              <a:shade val="50000"/>
+            </a:schemeClr>
+          </a:lnRef>
+          <a:fillRef idx="1">
+            <a:schemeClr val="accent1"/>
+          </a:fillRef>
+          <a:effectRef idx="0">
+            <a:schemeClr val="accent1"/>
+          </a:effectRef>
+          <a:fontRef idx="minor">
+            <a:schemeClr val="lt1"/>
+          </a:fontRef>
+        </p:style>
+        <p:txBody>
+          <a:bodyPr rtlCol="0" anchor="ctr"/>
+          <a:lstStyle/>
+          <a:p>
+            <a:pPr marL="0" marR="0" lvl="0" indent="0" algn="ctr" defTabSz="914400" rtl="0" eaLnBrk="1" fontAlgn="auto" latinLnBrk="0" hangingPunct="1">
+              <a:lnSpc>
+                <a:spcPct val="100000"/>
+              </a:lnSpc>
+              <a:spcBef>
+                <a:spcPts val="0"/>
+              </a:spcBef>
+              <a:spcAft>
+                <a:spcPts val="0"/>
+              </a:spcAft>
+              <a:buClrTx/>
+              <a:buSzTx/>
+              <a:buFontTx/>
+              <a:buNone/>
+              <a:tabLst/>
+              <a:defRPr/>
+            </a:pPr>
+            <a:endParaRPr kumimoji="0" lang="en-US" sz="1800" b="0" i="0" u="none" strike="noStrike" kern="1200" cap="none" spc="0" normalizeH="0" baseline="0" noProof="0" dirty="0">
+              <a:ln>
+                <a:noFill/>
+              </a:ln>
+              <a:solidFill>
+                <a:srgbClr val="FFFFFF"/>
+              </a:solidFill>
+              <a:effectLst/>
+              <a:uLnTx/>
+              <a:uFillTx/>
+              <a:latin typeface="Open Sans"/>
+              <a:ea typeface="+mn-ea"/>
+              <a:cs typeface="+mn-cs"/>
+            </a:endParaRPr>
+          </a:p>
+        </p:txBody>
+      </p:sp>
+      <p:sp>
+        <p:nvSpPr>
+          <p:cNvPr id="4" name="TextBox 3">
+            <a:extLst>
+              <a:ext uri="{FF2B5EF4-FFF2-40B4-BE49-F238E27FC236}">
+                <a16:creationId xmlns:a16="http://schemas.microsoft.com/office/drawing/2014/main" id="{FC925FC0-2C98-4A8B-BAC2-23F81A2A97C0}"/>
+              </a:ext>
+            </a:extLst>
+          </p:cNvPr>
+          <p:cNvSpPr txBox="1"/>
+          <p:nvPr/>
+        </p:nvSpPr>
+        <p:spPr>
+          <a:xfrm>
+            <a:off x="930194" y="1391826"/>
+            <a:ext cx="10587209" cy="461665"/>
+          </a:xfrm>
+          <a:prstGeom prst="rect">
+            <a:avLst/>
+          </a:prstGeom>
+          <a:noFill/>
+        </p:spPr>
+        <p:txBody>
+          <a:bodyPr wrap="square" rtlCol="0">
+            <a:spAutoFit/>
+          </a:bodyPr>
+          <a:lstStyle/>
+          <a:p>
+            <a:pPr algn="l"/>
+            <a:r>
+              <a:rPr lang="en-US" sz="2400" b="1" i="0" dirty="0">
+                <a:solidFill>
+                  <a:srgbClr val="171717"/>
+                </a:solidFill>
+                <a:effectLst/>
+                <a:latin typeface="Segoe UI" panose="020B0502040204020203" pitchFamily="34" charset="0"/>
+              </a:rPr>
+              <a:t>Create a new flow using the Azure Data Explorer connector</a:t>
+            </a:r>
+          </a:p>
+        </p:txBody>
+      </p:sp>
+      <p:sp>
+        <p:nvSpPr>
+          <p:cNvPr id="3" name="TextBox 2">
+            <a:extLst>
+              <a:ext uri="{FF2B5EF4-FFF2-40B4-BE49-F238E27FC236}">
+                <a16:creationId xmlns:a16="http://schemas.microsoft.com/office/drawing/2014/main" id="{FD964C3B-F343-49A5-91C6-9A8E53992FB4}"/>
+              </a:ext>
+            </a:extLst>
+          </p:cNvPr>
+          <p:cNvSpPr txBox="1"/>
+          <p:nvPr/>
+        </p:nvSpPr>
+        <p:spPr>
+          <a:xfrm>
+            <a:off x="543498" y="1988657"/>
+            <a:ext cx="11105003" cy="369332"/>
+          </a:xfrm>
+          <a:prstGeom prst="rect">
+            <a:avLst/>
+          </a:prstGeom>
+          <a:noFill/>
+        </p:spPr>
+        <p:txBody>
+          <a:bodyPr wrap="square" rtlCol="0">
+            <a:spAutoFit/>
+          </a:bodyPr>
+          <a:lstStyle/>
+          <a:p>
+            <a:r>
+              <a:rPr lang="en-US" b="0" i="0" dirty="0">
+                <a:solidFill>
+                  <a:srgbClr val="171717"/>
+                </a:solidFill>
+                <a:effectLst/>
+                <a:latin typeface="Segoe UI" panose="020B0502040204020203" pitchFamily="34" charset="0"/>
+              </a:rPr>
+              <a:t>Select </a:t>
+            </a:r>
+            <a:r>
+              <a:rPr lang="en-US" b="1" i="0" dirty="0">
+                <a:solidFill>
+                  <a:srgbClr val="171717"/>
+                </a:solidFill>
+                <a:effectLst/>
+                <a:latin typeface="Segoe UI" panose="020B0502040204020203" pitchFamily="34" charset="0"/>
+              </a:rPr>
+              <a:t>Scheduled cloud flow</a:t>
+            </a:r>
+            <a:r>
+              <a:rPr lang="en-US" b="0" i="0" dirty="0">
+                <a:solidFill>
+                  <a:srgbClr val="171717"/>
+                </a:solidFill>
+                <a:effectLst/>
+                <a:latin typeface="Segoe UI" panose="020B0502040204020203" pitchFamily="34" charset="0"/>
+              </a:rPr>
+              <a:t>.</a:t>
+            </a:r>
+            <a:endParaRPr lang="en-US" dirty="0"/>
+          </a:p>
+        </p:txBody>
+      </p:sp>
+      <p:pic>
+        <p:nvPicPr>
+          <p:cNvPr id="5" name="Picture 4">
+            <a:extLst>
+              <a:ext uri="{FF2B5EF4-FFF2-40B4-BE49-F238E27FC236}">
+                <a16:creationId xmlns:a16="http://schemas.microsoft.com/office/drawing/2014/main" id="{C3A8F21B-0359-4993-9726-8249DF76C04C}"/>
+              </a:ext>
+            </a:extLst>
+          </p:cNvPr>
+          <p:cNvPicPr>
+            <a:picLocks noChangeAspect="1"/>
+          </p:cNvPicPr>
+          <p:nvPr/>
+        </p:nvPicPr>
+        <p:blipFill>
+          <a:blip r:embed="rId2"/>
+          <a:stretch>
+            <a:fillRect/>
+          </a:stretch>
+        </p:blipFill>
+        <p:spPr>
+          <a:xfrm>
+            <a:off x="715924" y="2450322"/>
+            <a:ext cx="3819525" cy="3802402"/>
+          </a:xfrm>
+          <a:prstGeom prst="rect">
+            <a:avLst/>
+          </a:prstGeom>
+        </p:spPr>
+      </p:pic>
+    </p:spTree>
+    <p:extLst>
+      <p:ext uri="{BB962C8B-B14F-4D97-AF65-F5344CB8AC3E}">
+        <p14:creationId xmlns:p14="http://schemas.microsoft.com/office/powerpoint/2010/main" val="4145066780"/>
+      </p:ext>
+    </p:extLst>
+  </p:cSld>
+  <p:clrMapOvr>
+    <a:masterClrMapping/>
+  </p:clrMapOvr>
+  <p:transition/>
+</p:sld>
+</file>
+
+<file path=ppt/slides/slide14.xml><?xml version="1.0" encoding="utf-8"?>
+<p:sld xmlns:a="http://schemas.openxmlformats.org/drawingml/2006/main" xmlns:r="http://schemas.openxmlformats.org/officeDocument/2006/relationships" xmlns:p="http://schemas.openxmlformats.org/presentationml/2006/main">
+  <p:cSld>
+    <p:spTree>
+      <p:nvGrpSpPr>
+        <p:cNvPr id="1" name=""/>
+        <p:cNvGrpSpPr/>
+        <p:nvPr/>
+      </p:nvGrpSpPr>
+      <p:grpSpPr>
+        <a:xfrm>
+          <a:off x="0" y="0"/>
+          <a:ext cx="0" cy="0"/>
+          <a:chOff x="0" y="0"/>
+          <a:chExt cx="0" cy="0"/>
+        </a:xfrm>
+      </p:grpSpPr>
+      <p:sp>
+        <p:nvSpPr>
+          <p:cNvPr id="4" name="TextBox 3">
+            <a:extLst>
+              <a:ext uri="{FF2B5EF4-FFF2-40B4-BE49-F238E27FC236}">
+                <a16:creationId xmlns:a16="http://schemas.microsoft.com/office/drawing/2014/main" id="{FC925FC0-2C98-4A8B-BAC2-23F81A2A97C0}"/>
+              </a:ext>
+            </a:extLst>
+          </p:cNvPr>
+          <p:cNvSpPr txBox="1"/>
+          <p:nvPr/>
+        </p:nvSpPr>
+        <p:spPr>
+          <a:xfrm>
+            <a:off x="930194" y="1391826"/>
+            <a:ext cx="10587209" cy="461665"/>
+          </a:xfrm>
+          <a:prstGeom prst="rect">
+            <a:avLst/>
+          </a:prstGeom>
+          <a:noFill/>
+        </p:spPr>
+        <p:txBody>
+          <a:bodyPr wrap="square" rtlCol="0">
+            <a:spAutoFit/>
+          </a:bodyPr>
+          <a:lstStyle/>
+          <a:p>
+            <a:pPr algn="l"/>
+            <a:r>
+              <a:rPr lang="en-US" sz="2400" b="1" i="0" dirty="0">
+                <a:solidFill>
+                  <a:srgbClr val="171717"/>
+                </a:solidFill>
+                <a:effectLst/>
+                <a:latin typeface="Segoe UI" panose="020B0502040204020203" pitchFamily="34" charset="0"/>
+              </a:rPr>
+              <a:t>Create a new flow using the Azure Data Explorer connector</a:t>
+            </a:r>
+          </a:p>
+        </p:txBody>
+      </p:sp>
+      <p:sp>
+        <p:nvSpPr>
+          <p:cNvPr id="3" name="TextBox 2">
+            <a:extLst>
+              <a:ext uri="{FF2B5EF4-FFF2-40B4-BE49-F238E27FC236}">
+                <a16:creationId xmlns:a16="http://schemas.microsoft.com/office/drawing/2014/main" id="{FD964C3B-F343-49A5-91C6-9A8E53992FB4}"/>
+              </a:ext>
+            </a:extLst>
+          </p:cNvPr>
+          <p:cNvSpPr txBox="1"/>
+          <p:nvPr/>
+        </p:nvSpPr>
+        <p:spPr>
+          <a:xfrm>
+            <a:off x="543498" y="1988657"/>
+            <a:ext cx="11105003" cy="369332"/>
+          </a:xfrm>
+          <a:prstGeom prst="rect">
+            <a:avLst/>
+          </a:prstGeom>
+          <a:noFill/>
+        </p:spPr>
+        <p:txBody>
+          <a:bodyPr wrap="square" rtlCol="0">
+            <a:spAutoFit/>
+          </a:bodyPr>
+          <a:lstStyle/>
+          <a:p>
+            <a:r>
+              <a:rPr lang="en-US" b="0" i="0" dirty="0">
+                <a:solidFill>
+                  <a:srgbClr val="171717"/>
+                </a:solidFill>
+                <a:effectLst/>
+                <a:latin typeface="Segoe UI" panose="020B0502040204020203" pitchFamily="34" charset="0"/>
+              </a:rPr>
+              <a:t>In </a:t>
+            </a:r>
+            <a:r>
+              <a:rPr lang="en-US" b="1" i="0" dirty="0">
+                <a:solidFill>
+                  <a:srgbClr val="171717"/>
+                </a:solidFill>
+                <a:effectLst/>
+                <a:latin typeface="Segoe UI" panose="020B0502040204020203" pitchFamily="34" charset="0"/>
+              </a:rPr>
+              <a:t>Build a scheduled cloud flow</a:t>
+            </a:r>
+            <a:r>
+              <a:rPr lang="en-US" b="0" i="0" dirty="0">
+                <a:solidFill>
+                  <a:srgbClr val="171717"/>
+                </a:solidFill>
+                <a:effectLst/>
+                <a:latin typeface="Segoe UI" panose="020B0502040204020203" pitchFamily="34" charset="0"/>
+              </a:rPr>
+              <a:t>, enter the required information.</a:t>
+            </a:r>
+            <a:endParaRPr lang="en-US" dirty="0"/>
+          </a:p>
+        </p:txBody>
+      </p:sp>
+      <p:pic>
+        <p:nvPicPr>
+          <p:cNvPr id="6" name="Picture 5">
+            <a:extLst>
+              <a:ext uri="{FF2B5EF4-FFF2-40B4-BE49-F238E27FC236}">
+                <a16:creationId xmlns:a16="http://schemas.microsoft.com/office/drawing/2014/main" id="{05C239A2-4DAC-4CEA-B147-2D5E0EB9FA61}"/>
+              </a:ext>
+            </a:extLst>
+          </p:cNvPr>
+          <p:cNvPicPr>
+            <a:picLocks noChangeAspect="1"/>
+          </p:cNvPicPr>
+          <p:nvPr/>
+        </p:nvPicPr>
+        <p:blipFill>
+          <a:blip r:embed="rId2"/>
+          <a:stretch>
+            <a:fillRect/>
+          </a:stretch>
+        </p:blipFill>
+        <p:spPr>
+          <a:xfrm>
+            <a:off x="738990" y="2493155"/>
+            <a:ext cx="8334375" cy="3633236"/>
+          </a:xfrm>
+          <a:prstGeom prst="rect">
+            <a:avLst/>
+          </a:prstGeom>
+        </p:spPr>
+      </p:pic>
+    </p:spTree>
+    <p:extLst>
+      <p:ext uri="{BB962C8B-B14F-4D97-AF65-F5344CB8AC3E}">
+        <p14:creationId xmlns:p14="http://schemas.microsoft.com/office/powerpoint/2010/main" val="802561029"/>
+      </p:ext>
+    </p:extLst>
+  </p:cSld>
+  <p:clrMapOvr>
+    <a:masterClrMapping/>
+  </p:clrMapOvr>
+  <p:transition/>
+</p:sld>
+</file>
+
+<file path=ppt/slides/slide15.xml><?xml version="1.0" encoding="utf-8"?>
+<p:sld xmlns:a="http://schemas.openxmlformats.org/drawingml/2006/main" xmlns:r="http://schemas.openxmlformats.org/officeDocument/2006/relationships" xmlns:p="http://schemas.openxmlformats.org/presentationml/2006/main">
+  <p:cSld>
+    <p:spTree>
+      <p:nvGrpSpPr>
+        <p:cNvPr id="1" name=""/>
+        <p:cNvGrpSpPr/>
+        <p:nvPr/>
+      </p:nvGrpSpPr>
+      <p:grpSpPr>
+        <a:xfrm>
+          <a:off x="0" y="0"/>
+          <a:ext cx="0" cy="0"/>
+          <a:chOff x="0" y="0"/>
+          <a:chExt cx="0" cy="0"/>
+        </a:xfrm>
+      </p:grpSpPr>
+      <p:sp>
+        <p:nvSpPr>
+          <p:cNvPr id="4" name="TextBox 3">
+            <a:extLst>
+              <a:ext uri="{FF2B5EF4-FFF2-40B4-BE49-F238E27FC236}">
+                <a16:creationId xmlns:a16="http://schemas.microsoft.com/office/drawing/2014/main" id="{FC925FC0-2C98-4A8B-BAC2-23F81A2A97C0}"/>
+              </a:ext>
+            </a:extLst>
+          </p:cNvPr>
+          <p:cNvSpPr txBox="1"/>
+          <p:nvPr/>
+        </p:nvSpPr>
+        <p:spPr>
+          <a:xfrm>
+            <a:off x="930194" y="1391826"/>
+            <a:ext cx="10587209" cy="461665"/>
+          </a:xfrm>
+          <a:prstGeom prst="rect">
+            <a:avLst/>
+          </a:prstGeom>
+          <a:noFill/>
+        </p:spPr>
+        <p:txBody>
+          <a:bodyPr wrap="square" rtlCol="0">
+            <a:spAutoFit/>
+          </a:bodyPr>
+          <a:lstStyle/>
+          <a:p>
+            <a:pPr algn="l"/>
+            <a:r>
+              <a:rPr lang="en-US" sz="2400" b="1" i="0" dirty="0">
+                <a:solidFill>
+                  <a:srgbClr val="171717"/>
+                </a:solidFill>
+                <a:effectLst/>
+                <a:latin typeface="Segoe UI" panose="020B0502040204020203" pitchFamily="34" charset="0"/>
+              </a:rPr>
+              <a:t>Create a new flow using the Azure Data Explorer connector</a:t>
+            </a:r>
+          </a:p>
+        </p:txBody>
+      </p:sp>
+      <p:sp>
+        <p:nvSpPr>
+          <p:cNvPr id="3" name="TextBox 2">
+            <a:extLst>
+              <a:ext uri="{FF2B5EF4-FFF2-40B4-BE49-F238E27FC236}">
+                <a16:creationId xmlns:a16="http://schemas.microsoft.com/office/drawing/2014/main" id="{FD964C3B-F343-49A5-91C6-9A8E53992FB4}"/>
+              </a:ext>
+            </a:extLst>
+          </p:cNvPr>
+          <p:cNvSpPr txBox="1"/>
+          <p:nvPr/>
+        </p:nvSpPr>
+        <p:spPr>
+          <a:xfrm>
+            <a:off x="543498" y="1988657"/>
+            <a:ext cx="11105003" cy="646331"/>
+          </a:xfrm>
+          <a:prstGeom prst="rect">
+            <a:avLst/>
+          </a:prstGeom>
+          <a:noFill/>
+        </p:spPr>
+        <p:txBody>
+          <a:bodyPr wrap="square" rtlCol="0">
+            <a:spAutoFit/>
+          </a:bodyPr>
+          <a:lstStyle/>
+          <a:p>
+            <a:pPr algn="l">
+              <a:buFont typeface="+mj-lt"/>
+              <a:buAutoNum type="arabicPeriod"/>
+            </a:pPr>
+            <a:r>
+              <a:rPr lang="en-US" b="0" i="0" dirty="0">
+                <a:solidFill>
+                  <a:srgbClr val="171717"/>
+                </a:solidFill>
+                <a:effectLst/>
+                <a:latin typeface="Segoe UI" panose="020B0502040204020203" pitchFamily="34" charset="0"/>
+              </a:rPr>
+              <a:t>Select </a:t>
+            </a:r>
+            <a:r>
+              <a:rPr lang="en-US" b="1" i="0" dirty="0">
+                <a:solidFill>
+                  <a:srgbClr val="171717"/>
+                </a:solidFill>
+                <a:effectLst/>
+                <a:latin typeface="Segoe UI" panose="020B0502040204020203" pitchFamily="34" charset="0"/>
+              </a:rPr>
+              <a:t>Create</a:t>
+            </a:r>
+            <a:r>
+              <a:rPr lang="en-US" b="0" i="0" dirty="0">
+                <a:solidFill>
+                  <a:srgbClr val="171717"/>
+                </a:solidFill>
+                <a:effectLst/>
+                <a:latin typeface="Segoe UI" panose="020B0502040204020203" pitchFamily="34" charset="0"/>
+              </a:rPr>
+              <a:t> &gt; </a:t>
+            </a:r>
+            <a:r>
+              <a:rPr lang="en-US" b="1" i="0" dirty="0">
+                <a:solidFill>
+                  <a:srgbClr val="171717"/>
+                </a:solidFill>
+                <a:effectLst/>
+                <a:latin typeface="Segoe UI" panose="020B0502040204020203" pitchFamily="34" charset="0"/>
+              </a:rPr>
+              <a:t>+ New step</a:t>
+            </a:r>
+            <a:r>
+              <a:rPr lang="en-US" b="0" i="0" dirty="0">
+                <a:solidFill>
+                  <a:srgbClr val="171717"/>
+                </a:solidFill>
+                <a:effectLst/>
+                <a:latin typeface="Segoe UI" panose="020B0502040204020203" pitchFamily="34" charset="0"/>
+              </a:rPr>
+              <a:t>.</a:t>
+            </a:r>
+          </a:p>
+          <a:p>
+            <a:pPr algn="l">
+              <a:buFont typeface="+mj-lt"/>
+              <a:buAutoNum type="arabicPeriod"/>
+            </a:pPr>
+            <a:r>
+              <a:rPr lang="en-US" b="0" i="0" dirty="0">
+                <a:solidFill>
+                  <a:srgbClr val="171717"/>
+                </a:solidFill>
+                <a:effectLst/>
+                <a:latin typeface="Segoe UI" panose="020B0502040204020203" pitchFamily="34" charset="0"/>
+              </a:rPr>
+              <a:t>In the search box, enter </a:t>
+            </a:r>
+            <a:r>
+              <a:rPr lang="en-US" b="0" i="1" dirty="0">
+                <a:solidFill>
+                  <a:srgbClr val="171717"/>
+                </a:solidFill>
+                <a:effectLst/>
+                <a:latin typeface="Segoe UI" panose="020B0502040204020203" pitchFamily="34" charset="0"/>
+              </a:rPr>
+              <a:t>Kusto</a:t>
+            </a:r>
+            <a:r>
+              <a:rPr lang="en-US" b="0" i="0" dirty="0">
+                <a:solidFill>
+                  <a:srgbClr val="171717"/>
+                </a:solidFill>
+                <a:effectLst/>
+                <a:latin typeface="Segoe UI" panose="020B0502040204020203" pitchFamily="34" charset="0"/>
+              </a:rPr>
+              <a:t> or </a:t>
+            </a:r>
+            <a:r>
+              <a:rPr lang="en-US" b="0" i="1" dirty="0">
+                <a:solidFill>
+                  <a:srgbClr val="171717"/>
+                </a:solidFill>
+                <a:effectLst/>
+                <a:latin typeface="Segoe UI" panose="020B0502040204020203" pitchFamily="34" charset="0"/>
+              </a:rPr>
+              <a:t>Azure Data Explorer</a:t>
+            </a:r>
+            <a:r>
+              <a:rPr lang="en-US" b="0" i="0" dirty="0">
+                <a:solidFill>
+                  <a:srgbClr val="171717"/>
+                </a:solidFill>
+                <a:effectLst/>
+                <a:latin typeface="Segoe UI" panose="020B0502040204020203" pitchFamily="34" charset="0"/>
+              </a:rPr>
+              <a:t>, and select </a:t>
+            </a:r>
+            <a:r>
+              <a:rPr lang="en-US" b="1" i="0" dirty="0">
+                <a:solidFill>
+                  <a:srgbClr val="171717"/>
+                </a:solidFill>
+                <a:effectLst/>
+                <a:latin typeface="Segoe UI" panose="020B0502040204020203" pitchFamily="34" charset="0"/>
+              </a:rPr>
+              <a:t>Azure Data Explorer</a:t>
+            </a:r>
+            <a:r>
+              <a:rPr lang="en-US" b="0" i="0" dirty="0">
+                <a:solidFill>
+                  <a:srgbClr val="171717"/>
+                </a:solidFill>
+                <a:effectLst/>
+                <a:latin typeface="Segoe UI" panose="020B0502040204020203" pitchFamily="34" charset="0"/>
+              </a:rPr>
+              <a:t>.</a:t>
+            </a:r>
+          </a:p>
+        </p:txBody>
+      </p:sp>
+      <p:pic>
+        <p:nvPicPr>
+          <p:cNvPr id="5" name="Picture 4">
+            <a:extLst>
+              <a:ext uri="{FF2B5EF4-FFF2-40B4-BE49-F238E27FC236}">
+                <a16:creationId xmlns:a16="http://schemas.microsoft.com/office/drawing/2014/main" id="{15C00C6B-9CF7-4060-99C2-1E79BD96775E}"/>
+              </a:ext>
+            </a:extLst>
+          </p:cNvPr>
+          <p:cNvPicPr>
+            <a:picLocks noChangeAspect="1"/>
+          </p:cNvPicPr>
+          <p:nvPr/>
+        </p:nvPicPr>
+        <p:blipFill>
+          <a:blip r:embed="rId2"/>
+          <a:stretch>
+            <a:fillRect/>
+          </a:stretch>
+        </p:blipFill>
+        <p:spPr>
+          <a:xfrm>
+            <a:off x="691256" y="2634988"/>
+            <a:ext cx="4971414" cy="4052251"/>
+          </a:xfrm>
+          <a:prstGeom prst="rect">
+            <a:avLst/>
+          </a:prstGeom>
+        </p:spPr>
+      </p:pic>
+    </p:spTree>
+    <p:extLst>
+      <p:ext uri="{BB962C8B-B14F-4D97-AF65-F5344CB8AC3E}">
+        <p14:creationId xmlns:p14="http://schemas.microsoft.com/office/powerpoint/2010/main" val="2819349064"/>
+      </p:ext>
+    </p:extLst>
+  </p:cSld>
+  <p:clrMapOvr>
+    <a:masterClrMapping/>
+  </p:clrMapOvr>
+  <p:transition/>
+</p:sld>
+</file>
+
+<file path=ppt/slides/slide16.xml><?xml version="1.0" encoding="utf-8"?>
+<p:sld xmlns:a="http://schemas.openxmlformats.org/drawingml/2006/main" xmlns:r="http://schemas.openxmlformats.org/officeDocument/2006/relationships" xmlns:p="http://schemas.openxmlformats.org/presentationml/2006/main">
+  <p:cSld>
+    <p:spTree>
+      <p:nvGrpSpPr>
+        <p:cNvPr id="1" name=""/>
+        <p:cNvGrpSpPr/>
+        <p:nvPr/>
+      </p:nvGrpSpPr>
+      <p:grpSpPr>
+        <a:xfrm>
+          <a:off x="0" y="0"/>
+          <a:ext cx="0" cy="0"/>
+          <a:chOff x="0" y="0"/>
+          <a:chExt cx="0" cy="0"/>
+        </a:xfrm>
+      </p:grpSpPr>
+      <p:sp>
+        <p:nvSpPr>
+          <p:cNvPr id="4" name="TextBox 3">
+            <a:extLst>
+              <a:ext uri="{FF2B5EF4-FFF2-40B4-BE49-F238E27FC236}">
+                <a16:creationId xmlns:a16="http://schemas.microsoft.com/office/drawing/2014/main" id="{FC925FC0-2C98-4A8B-BAC2-23F81A2A97C0}"/>
+              </a:ext>
+            </a:extLst>
+          </p:cNvPr>
+          <p:cNvSpPr txBox="1"/>
+          <p:nvPr/>
+        </p:nvSpPr>
+        <p:spPr>
+          <a:xfrm>
+            <a:off x="930194" y="1391826"/>
+            <a:ext cx="10587209" cy="461665"/>
+          </a:xfrm>
+          <a:prstGeom prst="rect">
+            <a:avLst/>
+          </a:prstGeom>
+          <a:noFill/>
+        </p:spPr>
+        <p:txBody>
+          <a:bodyPr wrap="square" rtlCol="0">
+            <a:spAutoFit/>
+          </a:bodyPr>
+          <a:lstStyle/>
+          <a:p>
+            <a:pPr algn="l"/>
+            <a:r>
+              <a:rPr lang="en-US" sz="2400" b="1" i="0" dirty="0">
+                <a:solidFill>
+                  <a:srgbClr val="171717"/>
+                </a:solidFill>
+                <a:effectLst/>
+                <a:latin typeface="Segoe UI" panose="020B0502040204020203" pitchFamily="34" charset="0"/>
+              </a:rPr>
+              <a:t>Create a new flow using the Azure Data Explorer connector</a:t>
+            </a:r>
+          </a:p>
+        </p:txBody>
+      </p:sp>
+      <p:sp>
+        <p:nvSpPr>
+          <p:cNvPr id="3" name="TextBox 2">
+            <a:extLst>
+              <a:ext uri="{FF2B5EF4-FFF2-40B4-BE49-F238E27FC236}">
+                <a16:creationId xmlns:a16="http://schemas.microsoft.com/office/drawing/2014/main" id="{FD964C3B-F343-49A5-91C6-9A8E53992FB4}"/>
+              </a:ext>
+            </a:extLst>
+          </p:cNvPr>
+          <p:cNvSpPr txBox="1"/>
+          <p:nvPr/>
+        </p:nvSpPr>
+        <p:spPr>
+          <a:xfrm>
+            <a:off x="543498" y="1988657"/>
+            <a:ext cx="11105003" cy="369332"/>
+          </a:xfrm>
+          <a:prstGeom prst="rect">
+            <a:avLst/>
+          </a:prstGeom>
+          <a:noFill/>
+        </p:spPr>
+        <p:txBody>
+          <a:bodyPr wrap="square" rtlCol="0">
+            <a:spAutoFit/>
+          </a:bodyPr>
+          <a:lstStyle/>
+          <a:p>
+            <a:pPr algn="l"/>
+            <a:r>
+              <a:rPr lang="en-US" b="0" i="0" dirty="0">
+                <a:solidFill>
+                  <a:srgbClr val="171717"/>
+                </a:solidFill>
+                <a:effectLst/>
+                <a:latin typeface="Segoe UI" panose="020B0502040204020203" pitchFamily="34" charset="0"/>
+              </a:rPr>
+              <a:t>Select an action from the list. For an explanation of each action and how to configure them, see </a:t>
+            </a:r>
+            <a:r>
+              <a:rPr lang="en-US" b="0" i="0" u="none" strike="noStrike" dirty="0">
+                <a:effectLst/>
+                <a:latin typeface="Segoe UI" panose="020B0502040204020203" pitchFamily="34" charset="0"/>
+                <a:hlinkClick r:id="rId2"/>
+              </a:rPr>
+              <a:t>Flow actions</a:t>
+            </a:r>
+            <a:r>
+              <a:rPr lang="en-US" b="0" i="0" dirty="0">
+                <a:solidFill>
+                  <a:srgbClr val="171717"/>
+                </a:solidFill>
+                <a:effectLst/>
+                <a:latin typeface="Segoe UI" panose="020B0502040204020203" pitchFamily="34" charset="0"/>
+              </a:rPr>
+              <a:t>.</a:t>
+            </a:r>
+          </a:p>
+        </p:txBody>
+      </p:sp>
+      <p:pic>
+        <p:nvPicPr>
+          <p:cNvPr id="6" name="Picture 5">
+            <a:extLst>
+              <a:ext uri="{FF2B5EF4-FFF2-40B4-BE49-F238E27FC236}">
+                <a16:creationId xmlns:a16="http://schemas.microsoft.com/office/drawing/2014/main" id="{71B07565-E63C-4CA9-A02E-4C018C86822D}"/>
+              </a:ext>
+            </a:extLst>
+          </p:cNvPr>
+          <p:cNvPicPr>
+            <a:picLocks noChangeAspect="1"/>
+          </p:cNvPicPr>
+          <p:nvPr/>
+        </p:nvPicPr>
+        <p:blipFill>
+          <a:blip r:embed="rId3"/>
+          <a:stretch>
+            <a:fillRect/>
+          </a:stretch>
+        </p:blipFill>
+        <p:spPr>
+          <a:xfrm>
+            <a:off x="930194" y="2683976"/>
+            <a:ext cx="8764649" cy="3756753"/>
+          </a:xfrm>
+          <a:prstGeom prst="rect">
+            <a:avLst/>
+          </a:prstGeom>
+        </p:spPr>
+      </p:pic>
+    </p:spTree>
+    <p:extLst>
+      <p:ext uri="{BB962C8B-B14F-4D97-AF65-F5344CB8AC3E}">
+        <p14:creationId xmlns:p14="http://schemas.microsoft.com/office/powerpoint/2010/main" val="3673067212"/>
+      </p:ext>
+    </p:extLst>
+  </p:cSld>
+  <p:clrMapOvr>
+    <a:masterClrMapping/>
+  </p:clrMapOvr>
+  <p:transition/>
+</p:sld>
+</file>
+
+<file path=ppt/slides/slide17.xml><?xml version="1.0" encoding="utf-8"?>
+<p:sld xmlns:a="http://schemas.openxmlformats.org/drawingml/2006/main" xmlns:r="http://schemas.openxmlformats.org/officeDocument/2006/relationships" xmlns:p="http://schemas.openxmlformats.org/presentationml/2006/main">
+  <p:cSld>
+    <p:spTree>
+      <p:nvGrpSpPr>
+        <p:cNvPr id="1" name=""/>
+        <p:cNvGrpSpPr/>
+        <p:nvPr/>
+      </p:nvGrpSpPr>
+      <p:grpSpPr>
+        <a:xfrm>
+          <a:off x="0" y="0"/>
+          <a:ext cx="0" cy="0"/>
+          <a:chOff x="0" y="0"/>
+          <a:chExt cx="0" cy="0"/>
+        </a:xfrm>
+      </p:grpSpPr>
+      <p:sp>
+        <p:nvSpPr>
+          <p:cNvPr id="4" name="TextBox 3">
+            <a:extLst>
+              <a:ext uri="{FF2B5EF4-FFF2-40B4-BE49-F238E27FC236}">
+                <a16:creationId xmlns:a16="http://schemas.microsoft.com/office/drawing/2014/main" id="{FC925FC0-2C98-4A8B-BAC2-23F81A2A97C0}"/>
+              </a:ext>
+            </a:extLst>
+          </p:cNvPr>
+          <p:cNvSpPr txBox="1"/>
+          <p:nvPr/>
+        </p:nvSpPr>
+        <p:spPr>
+          <a:xfrm>
+            <a:off x="930194" y="1391826"/>
+            <a:ext cx="10587209" cy="461665"/>
+          </a:xfrm>
+          <a:prstGeom prst="rect">
+            <a:avLst/>
+          </a:prstGeom>
+          <a:noFill/>
+        </p:spPr>
+        <p:txBody>
+          <a:bodyPr wrap="square" rtlCol="0">
+            <a:spAutoFit/>
+          </a:bodyPr>
+          <a:lstStyle/>
+          <a:p>
+            <a:pPr algn="l"/>
+            <a:r>
+              <a:rPr lang="en-US" sz="2400" b="1" i="0" dirty="0">
+                <a:solidFill>
+                  <a:srgbClr val="171717"/>
+                </a:solidFill>
+                <a:effectLst/>
+                <a:latin typeface="Segoe UI" panose="020B0502040204020203" pitchFamily="34" charset="0"/>
+              </a:rPr>
+              <a:t>Flow actions</a:t>
+            </a:r>
+          </a:p>
+        </p:txBody>
+      </p:sp>
+      <p:sp>
+        <p:nvSpPr>
+          <p:cNvPr id="3" name="TextBox 2">
+            <a:extLst>
+              <a:ext uri="{FF2B5EF4-FFF2-40B4-BE49-F238E27FC236}">
+                <a16:creationId xmlns:a16="http://schemas.microsoft.com/office/drawing/2014/main" id="{FD964C3B-F343-49A5-91C6-9A8E53992FB4}"/>
+              </a:ext>
+            </a:extLst>
+          </p:cNvPr>
+          <p:cNvSpPr txBox="1"/>
+          <p:nvPr/>
+        </p:nvSpPr>
+        <p:spPr>
+          <a:xfrm>
+            <a:off x="543498" y="1988657"/>
+            <a:ext cx="11105003" cy="4524315"/>
+          </a:xfrm>
+          <a:prstGeom prst="rect">
+            <a:avLst/>
+          </a:prstGeom>
+          <a:noFill/>
+        </p:spPr>
+        <p:txBody>
+          <a:bodyPr wrap="square" rtlCol="0">
+            <a:spAutoFit/>
+          </a:bodyPr>
+          <a:lstStyle/>
+          <a:p>
+            <a:pPr algn="l"/>
+            <a:r>
+              <a:rPr lang="en-US" b="0" i="0" dirty="0">
+                <a:solidFill>
+                  <a:srgbClr val="171717"/>
+                </a:solidFill>
+                <a:effectLst/>
+                <a:latin typeface="Segoe UI" panose="020B0502040204020203" pitchFamily="34" charset="0"/>
+              </a:rPr>
+              <a:t>When you select the Azure Data Explorer connector, you can choose one of the following actions to add to your flow:</a:t>
+            </a:r>
+          </a:p>
+          <a:p>
+            <a:pPr algn="l"/>
+            <a:endParaRPr lang="en-US" dirty="0">
+              <a:solidFill>
+                <a:srgbClr val="171717"/>
+              </a:solidFill>
+              <a:latin typeface="Segoe UI" panose="020B0502040204020203" pitchFamily="34" charset="0"/>
+            </a:endParaRPr>
+          </a:p>
+          <a:p>
+            <a:pPr algn="l">
+              <a:buFont typeface="Arial" panose="020B0604020202020204" pitchFamily="34" charset="0"/>
+              <a:buChar char="•"/>
+            </a:pPr>
+            <a:r>
+              <a:rPr lang="en-US" b="0" i="0" u="none" strike="noStrike" dirty="0">
+                <a:solidFill>
+                  <a:srgbClr val="171717"/>
+                </a:solidFill>
+                <a:effectLst/>
+                <a:latin typeface="Segoe UI" panose="020B0502040204020203" pitchFamily="34" charset="0"/>
+                <a:hlinkClick r:id="rId2"/>
+              </a:rPr>
+              <a:t>Run KQL query</a:t>
+            </a:r>
+            <a:endParaRPr lang="en-US" b="0" i="0" dirty="0">
+              <a:solidFill>
+                <a:srgbClr val="171717"/>
+              </a:solidFill>
+              <a:effectLst/>
+              <a:latin typeface="Segoe UI" panose="020B0502040204020203" pitchFamily="34" charset="0"/>
+            </a:endParaRPr>
+          </a:p>
+          <a:p>
+            <a:pPr algn="l">
+              <a:buFont typeface="Arial" panose="020B0604020202020204" pitchFamily="34" charset="0"/>
+              <a:buChar char="•"/>
+            </a:pPr>
+            <a:r>
+              <a:rPr lang="en-US" b="0" i="0" u="none" strike="noStrike" dirty="0">
+                <a:solidFill>
+                  <a:srgbClr val="171717"/>
+                </a:solidFill>
+                <a:effectLst/>
+                <a:latin typeface="Segoe UI" panose="020B0502040204020203" pitchFamily="34" charset="0"/>
+                <a:hlinkClick r:id="rId3"/>
+              </a:rPr>
+              <a:t>Run KQL query and render a chart</a:t>
+            </a:r>
+            <a:endParaRPr lang="en-US" b="0" i="0" dirty="0">
+              <a:solidFill>
+                <a:srgbClr val="171717"/>
+              </a:solidFill>
+              <a:effectLst/>
+              <a:latin typeface="Segoe UI" panose="020B0502040204020203" pitchFamily="34" charset="0"/>
+            </a:endParaRPr>
+          </a:p>
+          <a:p>
+            <a:pPr algn="l">
+              <a:buFont typeface="Arial" panose="020B0604020202020204" pitchFamily="34" charset="0"/>
+              <a:buChar char="•"/>
+            </a:pPr>
+            <a:r>
+              <a:rPr lang="en-US" b="0" i="0" u="none" strike="noStrike" dirty="0">
+                <a:solidFill>
+                  <a:srgbClr val="171717"/>
+                </a:solidFill>
+                <a:effectLst/>
+                <a:latin typeface="Segoe UI" panose="020B0502040204020203" pitchFamily="34" charset="0"/>
+                <a:hlinkClick r:id="rId4"/>
+              </a:rPr>
+              <a:t>Run async control command</a:t>
+            </a:r>
+            <a:endParaRPr lang="en-US" b="0" i="0" dirty="0">
+              <a:solidFill>
+                <a:srgbClr val="171717"/>
+              </a:solidFill>
+              <a:effectLst/>
+              <a:latin typeface="Segoe UI" panose="020B0502040204020203" pitchFamily="34" charset="0"/>
+            </a:endParaRPr>
+          </a:p>
+          <a:p>
+            <a:pPr algn="l">
+              <a:buFont typeface="Arial" panose="020B0604020202020204" pitchFamily="34" charset="0"/>
+              <a:buChar char="•"/>
+            </a:pPr>
+            <a:r>
+              <a:rPr lang="en-US" b="0" i="0" u="none" strike="noStrike" dirty="0">
+                <a:solidFill>
+                  <a:srgbClr val="171717"/>
+                </a:solidFill>
+                <a:effectLst/>
+                <a:latin typeface="Segoe UI" panose="020B0502040204020203" pitchFamily="34" charset="0"/>
+                <a:hlinkClick r:id="rId5"/>
+              </a:rPr>
+              <a:t>Run control command and render a chart</a:t>
+            </a:r>
+            <a:endParaRPr lang="en-US" b="0" i="0" dirty="0">
+              <a:solidFill>
+                <a:srgbClr val="171717"/>
+              </a:solidFill>
+              <a:effectLst/>
+              <a:latin typeface="Segoe UI" panose="020B0502040204020203" pitchFamily="34" charset="0"/>
+            </a:endParaRPr>
+          </a:p>
+          <a:p>
+            <a:pPr algn="l">
+              <a:buFont typeface="Arial" panose="020B0604020202020204" pitchFamily="34" charset="0"/>
+              <a:buChar char="•"/>
+            </a:pPr>
+            <a:r>
+              <a:rPr lang="en-US" b="0" i="0" u="none" strike="noStrike" dirty="0">
+                <a:solidFill>
+                  <a:srgbClr val="171717"/>
+                </a:solidFill>
+                <a:effectLst/>
+                <a:latin typeface="Segoe UI" panose="020B0502040204020203" pitchFamily="34" charset="0"/>
+                <a:hlinkClick r:id="rId6"/>
+              </a:rPr>
+              <a:t>Run show control command</a:t>
+            </a:r>
+            <a:endParaRPr lang="en-US" b="0" i="0" u="none" strike="noStrike" dirty="0">
+              <a:solidFill>
+                <a:srgbClr val="171717"/>
+              </a:solidFill>
+              <a:effectLst/>
+              <a:latin typeface="Segoe UI" panose="020B0502040204020203" pitchFamily="34" charset="0"/>
+            </a:endParaRPr>
+          </a:p>
+          <a:p>
+            <a:pPr algn="l">
+              <a:buFont typeface="Arial" panose="020B0604020202020204" pitchFamily="34" charset="0"/>
+              <a:buChar char="•"/>
+            </a:pPr>
+            <a:endParaRPr lang="en-US" dirty="0">
+              <a:solidFill>
+                <a:srgbClr val="171717"/>
+              </a:solidFill>
+              <a:latin typeface="Segoe UI" panose="020B0502040204020203" pitchFamily="34" charset="0"/>
+            </a:endParaRPr>
+          </a:p>
+          <a:p>
+            <a:pPr algn="l">
+              <a:buFont typeface="Arial" panose="020B0604020202020204" pitchFamily="34" charset="0"/>
+              <a:buChar char="•"/>
+            </a:pPr>
+            <a:endParaRPr lang="en-US" b="0" i="0" dirty="0">
+              <a:solidFill>
+                <a:srgbClr val="171717"/>
+              </a:solidFill>
+              <a:effectLst/>
+              <a:latin typeface="Segoe UI" panose="020B0502040204020203" pitchFamily="34" charset="0"/>
+            </a:endParaRPr>
+          </a:p>
+          <a:p>
+            <a:pPr algn="l">
+              <a:buFont typeface="Arial" panose="020B0604020202020204" pitchFamily="34" charset="0"/>
+              <a:buChar char="•"/>
+            </a:pPr>
+            <a:endParaRPr lang="en-US" dirty="0">
+              <a:solidFill>
+                <a:srgbClr val="171717"/>
+              </a:solidFill>
+              <a:latin typeface="Segoe UI" panose="020B0502040204020203" pitchFamily="34" charset="0"/>
+            </a:endParaRPr>
+          </a:p>
+          <a:p>
+            <a:pPr algn="l">
+              <a:buFont typeface="Arial" panose="020B0604020202020204" pitchFamily="34" charset="0"/>
+              <a:buChar char="•"/>
+            </a:pPr>
+            <a:endParaRPr lang="en-US" b="0" i="0" dirty="0">
+              <a:solidFill>
+                <a:srgbClr val="171717"/>
+              </a:solidFill>
+              <a:effectLst/>
+              <a:latin typeface="Segoe UI" panose="020B0502040204020203" pitchFamily="34" charset="0"/>
+            </a:endParaRPr>
+          </a:p>
+          <a:p>
+            <a:pPr algn="l"/>
+            <a:endParaRPr lang="en-US" dirty="0">
+              <a:solidFill>
+                <a:srgbClr val="171717"/>
+              </a:solidFill>
+              <a:latin typeface="Segoe UI" panose="020B0502040204020203" pitchFamily="34" charset="0"/>
+            </a:endParaRPr>
+          </a:p>
+          <a:p>
+            <a:pPr algn="l"/>
+            <a:r>
+              <a:rPr lang="en-US" b="0" i="0" dirty="0">
+                <a:solidFill>
+                  <a:srgbClr val="171717"/>
+                </a:solidFill>
+                <a:effectLst/>
+                <a:latin typeface="Segoe UI" panose="020B0502040204020203" pitchFamily="34" charset="0"/>
+              </a:rPr>
+              <a:t>This section describes the capabilities and parameters for each action and provides an example showing how to add an </a:t>
+            </a:r>
+            <a:r>
+              <a:rPr lang="en-US" b="0" i="0" u="none" strike="noStrike" dirty="0">
+                <a:effectLst/>
+                <a:latin typeface="Segoe UI" panose="020B0502040204020203" pitchFamily="34" charset="0"/>
+                <a:hlinkClick r:id="rId7"/>
+              </a:rPr>
+              <a:t>email</a:t>
+            </a:r>
+            <a:r>
+              <a:rPr lang="en-US" b="0" i="0" dirty="0">
+                <a:solidFill>
+                  <a:srgbClr val="171717"/>
+                </a:solidFill>
+                <a:effectLst/>
+                <a:latin typeface="Segoe UI" panose="020B0502040204020203" pitchFamily="34" charset="0"/>
+              </a:rPr>
+              <a:t> action to any flow.</a:t>
+            </a:r>
+          </a:p>
+          <a:p>
+            <a:pPr algn="l"/>
+            <a:endParaRPr lang="en-US" b="0" i="0" dirty="0">
+              <a:solidFill>
+                <a:srgbClr val="171717"/>
+              </a:solidFill>
+              <a:effectLst/>
+              <a:latin typeface="Segoe UI" panose="020B0502040204020203" pitchFamily="34" charset="0"/>
+            </a:endParaRPr>
+          </a:p>
+        </p:txBody>
+      </p:sp>
+    </p:spTree>
+    <p:extLst>
+      <p:ext uri="{BB962C8B-B14F-4D97-AF65-F5344CB8AC3E}">
+        <p14:creationId xmlns:p14="http://schemas.microsoft.com/office/powerpoint/2010/main" val="2299447638"/>
+      </p:ext>
+    </p:extLst>
+  </p:cSld>
+  <p:clrMapOvr>
+    <a:masterClrMapping/>
+  </p:clrMapOvr>
+  <p:transition/>
+</p:sld>
+</file>
+
+<file path=ppt/slides/slide18.xml><?xml version="1.0" encoding="utf-8"?>
+<p:sld xmlns:a="http://schemas.openxmlformats.org/drawingml/2006/main" xmlns:r="http://schemas.openxmlformats.org/officeDocument/2006/relationships" xmlns:p="http://schemas.openxmlformats.org/presentationml/2006/main">
+  <p:cSld>
+    <p:spTree>
+      <p:nvGrpSpPr>
+        <p:cNvPr id="1" name=""/>
+        <p:cNvGrpSpPr/>
+        <p:nvPr/>
+      </p:nvGrpSpPr>
+      <p:grpSpPr>
+        <a:xfrm>
+          <a:off x="0" y="0"/>
+          <a:ext cx="0" cy="0"/>
+          <a:chOff x="0" y="0"/>
+          <a:chExt cx="0" cy="0"/>
+        </a:xfrm>
+      </p:grpSpPr>
+      <p:sp>
+        <p:nvSpPr>
+          <p:cNvPr id="4" name="TextBox 3">
+            <a:extLst>
+              <a:ext uri="{FF2B5EF4-FFF2-40B4-BE49-F238E27FC236}">
+                <a16:creationId xmlns:a16="http://schemas.microsoft.com/office/drawing/2014/main" id="{FC925FC0-2C98-4A8B-BAC2-23F81A2A97C0}"/>
+              </a:ext>
+            </a:extLst>
+          </p:cNvPr>
+          <p:cNvSpPr txBox="1"/>
+          <p:nvPr/>
+        </p:nvSpPr>
+        <p:spPr>
+          <a:xfrm>
+            <a:off x="930194" y="1391826"/>
+            <a:ext cx="10587209" cy="461665"/>
+          </a:xfrm>
+          <a:prstGeom prst="rect">
+            <a:avLst/>
+          </a:prstGeom>
+          <a:noFill/>
+        </p:spPr>
+        <p:txBody>
+          <a:bodyPr wrap="square" rtlCol="0">
+            <a:spAutoFit/>
+          </a:bodyPr>
+          <a:lstStyle/>
+          <a:p>
+            <a:pPr algn="l"/>
+            <a:r>
+              <a:rPr lang="en-US" sz="2400" b="1" i="0" dirty="0">
+                <a:solidFill>
+                  <a:srgbClr val="171717"/>
+                </a:solidFill>
+                <a:effectLst/>
+                <a:latin typeface="Segoe UI" panose="020B0502040204020203" pitchFamily="34" charset="0"/>
+              </a:rPr>
+              <a:t>Flow actions</a:t>
+            </a:r>
+          </a:p>
+        </p:txBody>
+      </p:sp>
+      <p:pic>
+        <p:nvPicPr>
+          <p:cNvPr id="5" name="Picture 4">
+            <a:extLst>
+              <a:ext uri="{FF2B5EF4-FFF2-40B4-BE49-F238E27FC236}">
+                <a16:creationId xmlns:a16="http://schemas.microsoft.com/office/drawing/2014/main" id="{3D80ACBF-ED2C-4E21-9ED9-F03299F271FC}"/>
+              </a:ext>
+            </a:extLst>
+          </p:cNvPr>
+          <p:cNvPicPr>
+            <a:picLocks noChangeAspect="1"/>
+          </p:cNvPicPr>
+          <p:nvPr/>
+        </p:nvPicPr>
+        <p:blipFill>
+          <a:blip r:embed="rId2"/>
+          <a:stretch>
+            <a:fillRect/>
+          </a:stretch>
+        </p:blipFill>
+        <p:spPr>
+          <a:xfrm>
+            <a:off x="930194" y="1961002"/>
+            <a:ext cx="7475676" cy="4390222"/>
+          </a:xfrm>
+          <a:prstGeom prst="rect">
+            <a:avLst/>
+          </a:prstGeom>
+        </p:spPr>
+      </p:pic>
+    </p:spTree>
+    <p:extLst>
+      <p:ext uri="{BB962C8B-B14F-4D97-AF65-F5344CB8AC3E}">
+        <p14:creationId xmlns:p14="http://schemas.microsoft.com/office/powerpoint/2010/main" val="1089548255"/>
+      </p:ext>
+    </p:extLst>
+  </p:cSld>
+  <p:clrMapOvr>
+    <a:masterClrMapping/>
+  </p:clrMapOvr>
+  <p:transition/>
+</p:sld>
+</file>
+
+<file path=ppt/slides/slide19.xml><?xml version="1.0" encoding="utf-8"?>
+<p:sld xmlns:a="http://schemas.openxmlformats.org/drawingml/2006/main" xmlns:r="http://schemas.openxmlformats.org/officeDocument/2006/relationships" xmlns:p="http://schemas.openxmlformats.org/presentationml/2006/main">
+  <p:cSld>
+    <p:spTree>
+      <p:nvGrpSpPr>
+        <p:cNvPr id="1" name=""/>
+        <p:cNvGrpSpPr/>
+        <p:nvPr/>
+      </p:nvGrpSpPr>
+      <p:grpSpPr>
+        <a:xfrm>
+          <a:off x="0" y="0"/>
+          <a:ext cx="0" cy="0"/>
+          <a:chOff x="0" y="0"/>
+          <a:chExt cx="0" cy="0"/>
+        </a:xfrm>
+      </p:grpSpPr>
+      <p:sp>
+        <p:nvSpPr>
+          <p:cNvPr id="4" name="TextBox 3">
+            <a:extLst>
+              <a:ext uri="{FF2B5EF4-FFF2-40B4-BE49-F238E27FC236}">
+                <a16:creationId xmlns:a16="http://schemas.microsoft.com/office/drawing/2014/main" id="{FC925FC0-2C98-4A8B-BAC2-23F81A2A97C0}"/>
+              </a:ext>
+            </a:extLst>
+          </p:cNvPr>
+          <p:cNvSpPr txBox="1"/>
+          <p:nvPr/>
+        </p:nvSpPr>
+        <p:spPr>
+          <a:xfrm>
+            <a:off x="930194" y="1391826"/>
+            <a:ext cx="10587209" cy="461665"/>
+          </a:xfrm>
+          <a:prstGeom prst="rect">
+            <a:avLst/>
+          </a:prstGeom>
+          <a:noFill/>
+        </p:spPr>
+        <p:txBody>
+          <a:bodyPr wrap="square" rtlCol="0">
+            <a:spAutoFit/>
+          </a:bodyPr>
+          <a:lstStyle/>
+          <a:p>
+            <a:pPr algn="l"/>
+            <a:r>
+              <a:rPr lang="en-US" sz="2400" b="1" i="0" dirty="0">
+                <a:solidFill>
+                  <a:srgbClr val="171717"/>
+                </a:solidFill>
+                <a:effectLst/>
+                <a:latin typeface="Segoe UI" panose="020B0502040204020203" pitchFamily="34" charset="0"/>
+              </a:rPr>
+              <a:t>Run KQL query</a:t>
+            </a:r>
+          </a:p>
+        </p:txBody>
+      </p:sp>
+      <p:sp>
+        <p:nvSpPr>
+          <p:cNvPr id="2" name="TextBox 1">
+            <a:extLst>
+              <a:ext uri="{FF2B5EF4-FFF2-40B4-BE49-F238E27FC236}">
+                <a16:creationId xmlns:a16="http://schemas.microsoft.com/office/drawing/2014/main" id="{DA2B4244-E4EB-4C0F-95EB-4F6CABD0B781}"/>
+              </a:ext>
+            </a:extLst>
+          </p:cNvPr>
+          <p:cNvSpPr txBox="1"/>
+          <p:nvPr/>
+        </p:nvSpPr>
+        <p:spPr>
+          <a:xfrm>
+            <a:off x="930195" y="2126255"/>
+            <a:ext cx="10703618" cy="1477328"/>
+          </a:xfrm>
+          <a:prstGeom prst="rect">
+            <a:avLst/>
+          </a:prstGeom>
+          <a:noFill/>
+        </p:spPr>
+        <p:txBody>
+          <a:bodyPr wrap="square" rtlCol="0">
+            <a:spAutoFit/>
+          </a:bodyPr>
+          <a:lstStyle/>
+          <a:p>
+            <a:pPr algn="l"/>
+            <a:r>
+              <a:rPr lang="en-US" b="0" i="0">
+                <a:solidFill>
+                  <a:srgbClr val="171717"/>
+                </a:solidFill>
+                <a:effectLst/>
+                <a:latin typeface="Segoe UI" panose="020B0502040204020203" pitchFamily="34" charset="0"/>
+              </a:rPr>
+              <a:t>This action sends a query to the specified cluster. The actions that are added afterwards iterate over each line of the results of the query.</a:t>
+            </a:r>
+          </a:p>
+          <a:p>
+            <a:pPr algn="l"/>
+            <a:r>
+              <a:rPr lang="en-US" b="0" i="0">
+                <a:solidFill>
+                  <a:srgbClr val="171717"/>
+                </a:solidFill>
+                <a:effectLst/>
+                <a:latin typeface="Segoe UI" panose="020B0502040204020203" pitchFamily="34" charset="0"/>
+              </a:rPr>
+              <a:t>The following example triggers a query every minute, and sends an email based on the query results. The query checks the number of records in the table, and then sends an email only if the number of records is greater than 0.</a:t>
+            </a:r>
+          </a:p>
+        </p:txBody>
+      </p:sp>
+    </p:spTree>
+    <p:extLst>
+      <p:ext uri="{BB962C8B-B14F-4D97-AF65-F5344CB8AC3E}">
+        <p14:creationId xmlns:p14="http://schemas.microsoft.com/office/powerpoint/2010/main" val="943640357"/>
+      </p:ext>
+    </p:extLst>
+  </p:cSld>
+  <p:clrMapOvr>
+    <a:masterClrMapping/>
+  </p:clrMapOvr>
+  <p:transition/>
+</p:sld>
+</file>
+
+<file path=ppt/slides/slide2.xml><?xml version="1.0" encoding="utf-8"?>
+<p:sld xmlns:a="http://schemas.openxmlformats.org/drawingml/2006/main" xmlns:r="http://schemas.openxmlformats.org/officeDocument/2006/relationships" xmlns:p="http://schemas.openxmlformats.org/presentationml/2006/main">
+  <p:cSld>
+    <p:spTree>
+      <p:nvGrpSpPr>
+        <p:cNvPr id="1" name=""/>
+        <p:cNvGrpSpPr/>
+        <p:nvPr/>
+      </p:nvGrpSpPr>
+      <p:grpSpPr>
+        <a:xfrm>
+          <a:off x="0" y="0"/>
+          <a:ext cx="0" cy="0"/>
+          <a:chOff x="0" y="0"/>
+          <a:chExt cx="0" cy="0"/>
+        </a:xfrm>
+      </p:grpSpPr>
+      <p:sp>
+        <p:nvSpPr>
+          <p:cNvPr id="7" name="Oval 6">
+            <a:extLst>
+              <a:ext uri="{FF2B5EF4-FFF2-40B4-BE49-F238E27FC236}">
+                <a16:creationId xmlns:a16="http://schemas.microsoft.com/office/drawing/2014/main" id="{9E5FC835-1E44-474A-A10A-E55C664CBB53}"/>
+              </a:ext>
+            </a:extLst>
+          </p:cNvPr>
+          <p:cNvSpPr/>
+          <p:nvPr/>
+        </p:nvSpPr>
+        <p:spPr>
+          <a:xfrm rot="20292410">
+            <a:off x="5608976" y="2568316"/>
+            <a:ext cx="6616896" cy="1449422"/>
+          </a:xfrm>
+          <a:prstGeom prst="ellipse">
+            <a:avLst/>
+          </a:prstGeom>
+          <a:noFill/>
+          <a:ln>
+            <a:solidFill>
+              <a:schemeClr val="accent1">
+                <a:alpha val="32000"/>
+              </a:schemeClr>
+            </a:solidFill>
+            <a:prstDash val="dash"/>
+          </a:ln>
+        </p:spPr>
+        <p:style>
+          <a:lnRef idx="2">
+            <a:schemeClr val="accent1">
+              <a:shade val="50000"/>
+            </a:schemeClr>
+          </a:lnRef>
+          <a:fillRef idx="1">
+            <a:schemeClr val="accent1"/>
+          </a:fillRef>
+          <a:effectRef idx="0">
+            <a:schemeClr val="accent1"/>
+          </a:effectRef>
+          <a:fontRef idx="minor">
+            <a:schemeClr val="lt1"/>
+          </a:fontRef>
+        </p:style>
+        <p:txBody>
+          <a:bodyPr rtlCol="0" anchor="ctr"/>
+          <a:lstStyle/>
+          <a:p>
+            <a:pPr marL="0" marR="0" lvl="0" indent="0" algn="ctr" defTabSz="914400" rtl="0" eaLnBrk="1" fontAlgn="auto" latinLnBrk="0" hangingPunct="1">
+              <a:lnSpc>
+                <a:spcPct val="100000"/>
+              </a:lnSpc>
+              <a:spcBef>
+                <a:spcPts val="0"/>
+              </a:spcBef>
+              <a:spcAft>
+                <a:spcPts val="0"/>
+              </a:spcAft>
+              <a:buClrTx/>
+              <a:buSzTx/>
+              <a:buFontTx/>
+              <a:buNone/>
+              <a:tabLst/>
+              <a:defRPr/>
+            </a:pPr>
+            <a:endParaRPr kumimoji="0" lang="en-US" sz="1800" b="0" i="0" u="none" strike="noStrike" kern="1200" cap="none" spc="0" normalizeH="0" baseline="0" noProof="0" dirty="0">
+              <a:ln>
+                <a:noFill/>
+              </a:ln>
+              <a:solidFill>
+                <a:srgbClr val="FFFFFF"/>
+              </a:solidFill>
+              <a:effectLst/>
+              <a:uLnTx/>
+              <a:uFillTx/>
+              <a:latin typeface="Open Sans"/>
+              <a:ea typeface="+mn-ea"/>
+              <a:cs typeface="+mn-cs"/>
+            </a:endParaRPr>
+          </a:p>
+        </p:txBody>
+      </p:sp>
+      <p:sp>
+        <p:nvSpPr>
           <p:cNvPr id="12" name="TextBox 11">
             <a:extLst>
               <a:ext uri="{FF2B5EF4-FFF2-40B4-BE49-F238E27FC236}">
@@ -3590,6 +5607,267 @@
     <p:extLst>
       <p:ext uri="{BB962C8B-B14F-4D97-AF65-F5344CB8AC3E}">
         <p14:creationId xmlns:p14="http://schemas.microsoft.com/office/powerpoint/2010/main" val="684573224"/>
+      </p:ext>
+    </p:extLst>
+  </p:cSld>
+  <p:clrMapOvr>
+    <a:masterClrMapping/>
+  </p:clrMapOvr>
+  <p:transition/>
+</p:sld>
+</file>
+
+<file path=ppt/slides/slide20.xml><?xml version="1.0" encoding="utf-8"?>
+<p:sld xmlns:a="http://schemas.openxmlformats.org/drawingml/2006/main" xmlns:r="http://schemas.openxmlformats.org/officeDocument/2006/relationships" xmlns:p="http://schemas.openxmlformats.org/presentationml/2006/main">
+  <p:cSld>
+    <p:spTree>
+      <p:nvGrpSpPr>
+        <p:cNvPr id="1" name=""/>
+        <p:cNvGrpSpPr/>
+        <p:nvPr/>
+      </p:nvGrpSpPr>
+      <p:grpSpPr>
+        <a:xfrm>
+          <a:off x="0" y="0"/>
+          <a:ext cx="0" cy="0"/>
+          <a:chOff x="0" y="0"/>
+          <a:chExt cx="0" cy="0"/>
+        </a:xfrm>
+      </p:grpSpPr>
+      <p:sp>
+        <p:nvSpPr>
+          <p:cNvPr id="4" name="TextBox 3">
+            <a:extLst>
+              <a:ext uri="{FF2B5EF4-FFF2-40B4-BE49-F238E27FC236}">
+                <a16:creationId xmlns:a16="http://schemas.microsoft.com/office/drawing/2014/main" id="{FC925FC0-2C98-4A8B-BAC2-23F81A2A97C0}"/>
+              </a:ext>
+            </a:extLst>
+          </p:cNvPr>
+          <p:cNvSpPr txBox="1"/>
+          <p:nvPr/>
+        </p:nvSpPr>
+        <p:spPr>
+          <a:xfrm>
+            <a:off x="930194" y="1391826"/>
+            <a:ext cx="10587209" cy="461665"/>
+          </a:xfrm>
+          <a:prstGeom prst="rect">
+            <a:avLst/>
+          </a:prstGeom>
+          <a:noFill/>
+        </p:spPr>
+        <p:txBody>
+          <a:bodyPr wrap="square" rtlCol="0">
+            <a:spAutoFit/>
+          </a:bodyPr>
+          <a:lstStyle/>
+          <a:p>
+            <a:pPr algn="l"/>
+            <a:r>
+              <a:rPr lang="en-US" sz="2400" b="1" i="0" dirty="0">
+                <a:solidFill>
+                  <a:srgbClr val="171717"/>
+                </a:solidFill>
+                <a:effectLst/>
+                <a:latin typeface="Segoe UI" panose="020B0502040204020203" pitchFamily="34" charset="0"/>
+              </a:rPr>
+              <a:t>Run KQL query</a:t>
+            </a:r>
+          </a:p>
+        </p:txBody>
+      </p:sp>
+      <p:pic>
+        <p:nvPicPr>
+          <p:cNvPr id="5" name="Picture 4">
+            <a:extLst>
+              <a:ext uri="{FF2B5EF4-FFF2-40B4-BE49-F238E27FC236}">
+                <a16:creationId xmlns:a16="http://schemas.microsoft.com/office/drawing/2014/main" id="{4544FF44-AF01-4B97-B941-53198BB7ABA0}"/>
+              </a:ext>
+            </a:extLst>
+          </p:cNvPr>
+          <p:cNvPicPr>
+            <a:picLocks noChangeAspect="1"/>
+          </p:cNvPicPr>
+          <p:nvPr/>
+        </p:nvPicPr>
+        <p:blipFill>
+          <a:blip r:embed="rId2"/>
+          <a:stretch>
+            <a:fillRect/>
+          </a:stretch>
+        </p:blipFill>
+        <p:spPr>
+          <a:xfrm>
+            <a:off x="575445" y="2016085"/>
+            <a:ext cx="9234814" cy="4337795"/>
+          </a:xfrm>
+          <a:prstGeom prst="rect">
+            <a:avLst/>
+          </a:prstGeom>
+        </p:spPr>
+      </p:pic>
+    </p:spTree>
+    <p:extLst>
+      <p:ext uri="{BB962C8B-B14F-4D97-AF65-F5344CB8AC3E}">
+        <p14:creationId xmlns:p14="http://schemas.microsoft.com/office/powerpoint/2010/main" val="2663778983"/>
+      </p:ext>
+    </p:extLst>
+  </p:cSld>
+  <p:clrMapOvr>
+    <a:masterClrMapping/>
+  </p:clrMapOvr>
+  <p:transition/>
+</p:sld>
+</file>
+
+<file path=ppt/slides/slide21.xml><?xml version="1.0" encoding="utf-8"?>
+<p:sld xmlns:a="http://schemas.openxmlformats.org/drawingml/2006/main" xmlns:r="http://schemas.openxmlformats.org/officeDocument/2006/relationships" xmlns:p="http://schemas.openxmlformats.org/presentationml/2006/main">
+  <p:cSld>
+    <p:spTree>
+      <p:nvGrpSpPr>
+        <p:cNvPr id="1" name=""/>
+        <p:cNvGrpSpPr/>
+        <p:nvPr/>
+      </p:nvGrpSpPr>
+      <p:grpSpPr>
+        <a:xfrm>
+          <a:off x="0" y="0"/>
+          <a:ext cx="0" cy="0"/>
+          <a:chOff x="0" y="0"/>
+          <a:chExt cx="0" cy="0"/>
+        </a:xfrm>
+      </p:grpSpPr>
+      <p:sp>
+        <p:nvSpPr>
+          <p:cNvPr id="4" name="TextBox 3">
+            <a:extLst>
+              <a:ext uri="{FF2B5EF4-FFF2-40B4-BE49-F238E27FC236}">
+                <a16:creationId xmlns:a16="http://schemas.microsoft.com/office/drawing/2014/main" id="{FC925FC0-2C98-4A8B-BAC2-23F81A2A97C0}"/>
+              </a:ext>
+            </a:extLst>
+          </p:cNvPr>
+          <p:cNvSpPr txBox="1"/>
+          <p:nvPr/>
+        </p:nvSpPr>
+        <p:spPr>
+          <a:xfrm>
+            <a:off x="930194" y="1391826"/>
+            <a:ext cx="10587209" cy="461665"/>
+          </a:xfrm>
+          <a:prstGeom prst="rect">
+            <a:avLst/>
+          </a:prstGeom>
+          <a:noFill/>
+        </p:spPr>
+        <p:txBody>
+          <a:bodyPr wrap="square" rtlCol="0">
+            <a:spAutoFit/>
+          </a:bodyPr>
+          <a:lstStyle/>
+          <a:p>
+            <a:pPr algn="l"/>
+            <a:r>
+              <a:rPr lang="en-US" sz="2400" b="1" i="0" dirty="0">
+                <a:solidFill>
+                  <a:srgbClr val="171717"/>
+                </a:solidFill>
+                <a:effectLst/>
+                <a:latin typeface="Segoe UI" panose="020B0502040204020203" pitchFamily="34" charset="0"/>
+              </a:rPr>
+              <a:t>Run KQL query and render a chart</a:t>
+            </a:r>
+          </a:p>
+        </p:txBody>
+      </p:sp>
+      <p:sp>
+        <p:nvSpPr>
+          <p:cNvPr id="2" name="TextBox 1">
+            <a:extLst>
+              <a:ext uri="{FF2B5EF4-FFF2-40B4-BE49-F238E27FC236}">
+                <a16:creationId xmlns:a16="http://schemas.microsoft.com/office/drawing/2014/main" id="{194DFBD7-6002-4E7B-97D7-E23498C241CD}"/>
+              </a:ext>
+            </a:extLst>
+          </p:cNvPr>
+          <p:cNvSpPr txBox="1"/>
+          <p:nvPr/>
+        </p:nvSpPr>
+        <p:spPr>
+          <a:xfrm>
+            <a:off x="1101687" y="2005070"/>
+            <a:ext cx="9430438" cy="923330"/>
+          </a:xfrm>
+          <a:prstGeom prst="rect">
+            <a:avLst/>
+          </a:prstGeom>
+          <a:noFill/>
+        </p:spPr>
+        <p:txBody>
+          <a:bodyPr wrap="square" rtlCol="0">
+            <a:spAutoFit/>
+          </a:bodyPr>
+          <a:lstStyle/>
+          <a:p>
+            <a:pPr algn="l"/>
+            <a:r>
+              <a:rPr lang="en-US" b="0" i="0">
+                <a:solidFill>
+                  <a:srgbClr val="171717"/>
+                </a:solidFill>
+                <a:effectLst/>
+                <a:latin typeface="Segoe UI" panose="020B0502040204020203" pitchFamily="34" charset="0"/>
+              </a:rPr>
+              <a:t>Use this action to visualize a KQL query result as a table or chart. For example, use this flow to receive daily reports by email.</a:t>
+            </a:r>
+          </a:p>
+          <a:p>
+            <a:pPr algn="l"/>
+            <a:r>
+              <a:rPr lang="en-US" b="0" i="0">
+                <a:solidFill>
+                  <a:srgbClr val="171717"/>
+                </a:solidFill>
+                <a:effectLst/>
+                <a:latin typeface="Segoe UI" panose="020B0502040204020203" pitchFamily="34" charset="0"/>
+              </a:rPr>
+              <a:t>In this example, the results of the query are returned as a timechart.</a:t>
+            </a:r>
+          </a:p>
+        </p:txBody>
+      </p:sp>
+      <p:pic>
+        <p:nvPicPr>
+          <p:cNvPr id="6" name="Picture 5">
+            <a:extLst>
+              <a:ext uri="{FF2B5EF4-FFF2-40B4-BE49-F238E27FC236}">
+                <a16:creationId xmlns:a16="http://schemas.microsoft.com/office/drawing/2014/main" id="{AB724264-EAC6-4B39-8E59-82F6C71BA864}"/>
+              </a:ext>
+            </a:extLst>
+          </p:cNvPr>
+          <p:cNvPicPr>
+            <a:picLocks noChangeAspect="1"/>
+          </p:cNvPicPr>
+          <p:nvPr/>
+        </p:nvPicPr>
+        <p:blipFill>
+          <a:blip r:embed="rId2"/>
+          <a:stretch>
+            <a:fillRect/>
+          </a:stretch>
+        </p:blipFill>
+        <p:spPr>
+          <a:xfrm>
+            <a:off x="1013724" y="3079979"/>
+            <a:ext cx="9518401" cy="2948905"/>
+          </a:xfrm>
+          <a:prstGeom prst="rect">
+            <a:avLst/>
+          </a:prstGeom>
+        </p:spPr>
+      </p:pic>
+    </p:spTree>
+    <p:extLst>
+      <p:ext uri="{BB962C8B-B14F-4D97-AF65-F5344CB8AC3E}">
+        <p14:creationId xmlns:p14="http://schemas.microsoft.com/office/powerpoint/2010/main" val="1299178115"/>
       </p:ext>
     </p:extLst>
   </p:cSld>
@@ -6216,6 +8494,21 @@
 </file>
 
 <file path=customXml/item1.xml><?xml version="1.0" encoding="utf-8"?>
+<?mso-contentType ?>
+<FormTemplates xmlns="http://schemas.microsoft.com/sharepoint/v3/contenttype/forms">
+  <Display>DocumentLibraryForm</Display>
+  <Edit>DocumentLibraryForm</Edit>
+  <New>DocumentLibraryForm</New>
+</FormTemplates>
+</file>
+
+<file path=customXml/item2.xml><?xml version="1.0" encoding="utf-8"?>
+<p:properties xmlns:p="http://schemas.microsoft.com/office/2006/metadata/properties" xmlns:xsi="http://www.w3.org/2001/XMLSchema-instance" xmlns:pc="http://schemas.microsoft.com/office/infopath/2007/PartnerControls">
+  <documentManagement/>
+</p:properties>
+</file>
+
+<file path=customXml/item3.xml><?xml version="1.0" encoding="utf-8"?>
 <ct:contentTypeSchema xmlns:ct="http://schemas.microsoft.com/office/2006/metadata/contentType" xmlns:ma="http://schemas.microsoft.com/office/2006/metadata/properties/metaAttributes" ct:_="" ma:_="" ma:contentTypeName="Document" ma:contentTypeID="0x010100A437FC31AEBC6840B44B70FEB3AAA786" ma:contentTypeVersion="6" ma:contentTypeDescription="Create a new document." ma:contentTypeScope="" ma:versionID="72a2cf9732a2790315231187e720a871">
   <xsd:schema xmlns:xsd="http://www.w3.org/2001/XMLSchema" xmlns:xs="http://www.w3.org/2001/XMLSchema" xmlns:p="http://schemas.microsoft.com/office/2006/metadata/properties" xmlns:ns2="f60ec8b1-93d6-4a9c-ac84-531a9be8d76e" xmlns:ns3="84903cf0-74e4-427a-876c-a2673a8560bc" targetNamespace="http://schemas.microsoft.com/office/2006/metadata/properties" ma:root="true" ma:fieldsID="2b4a484de766826cfcaef94375657e0a" ns2:_="" ns3:_="">
     <xsd:import namespace="f60ec8b1-93d6-4a9c-ac84-531a9be8d76e"/>
@@ -6394,36 +8687,10 @@
 </ct:contentTypeSchema>
 </file>
 
-<file path=customXml/item2.xml><?xml version="1.0" encoding="utf-8"?>
-<p:properties xmlns:p="http://schemas.microsoft.com/office/2006/metadata/properties" xmlns:xsi="http://www.w3.org/2001/XMLSchema-instance" xmlns:pc="http://schemas.microsoft.com/office/infopath/2007/PartnerControls">
-  <documentManagement/>
-</p:properties>
-</file>
-
-<file path=customXml/item3.xml><?xml version="1.0" encoding="utf-8"?>
-<?mso-contentType ?>
-<FormTemplates xmlns="http://schemas.microsoft.com/sharepoint/v3/contenttype/forms">
-  <Display>DocumentLibraryForm</Display>
-  <Edit>DocumentLibraryForm</Edit>
-  <New>DocumentLibraryForm</New>
-</FormTemplates>
-</file>
-
 <file path=customXml/itemProps1.xml><?xml version="1.0" encoding="utf-8"?>
-<ds:datastoreItem xmlns:ds="http://schemas.openxmlformats.org/officeDocument/2006/customXml" ds:itemID="{68175443-C836-4533-9ED6-95154BB2432D}">
+<ds:datastoreItem xmlns:ds="http://schemas.openxmlformats.org/officeDocument/2006/customXml" ds:itemID="{33439052-87EE-4983-B5BC-ADEE5288A607}">
   <ds:schemaRefs>
-    <ds:schemaRef ds:uri="http://schemas.microsoft.com/office/2006/metadata/contentType"/>
-    <ds:schemaRef ds:uri="http://schemas.microsoft.com/office/2006/metadata/properties/metaAttributes"/>
-    <ds:schemaRef ds:uri="http://www.w3.org/2001/XMLSchema"/>
-    <ds:schemaRef ds:uri="http://schemas.microsoft.com/office/2006/metadata/properties"/>
-    <ds:schemaRef ds:uri="f60ec8b1-93d6-4a9c-ac84-531a9be8d76e"/>
-    <ds:schemaRef ds:uri="84903cf0-74e4-427a-876c-a2673a8560bc"/>
-    <ds:schemaRef ds:uri="http://schemas.microsoft.com/office/2006/documentManagement/types"/>
-    <ds:schemaRef ds:uri="http://schemas.microsoft.com/office/infopath/2007/PartnerControls"/>
-    <ds:schemaRef ds:uri="http://schemas.openxmlformats.org/package/2006/metadata/core-properties"/>
-    <ds:schemaRef ds:uri="http://purl.org/dc/elements/1.1/"/>
-    <ds:schemaRef ds:uri="http://purl.org/dc/terms/"/>
-    <ds:schemaRef ds:uri="http://schemas.microsoft.com/internal/obd"/>
+    <ds:schemaRef ds:uri="http://schemas.microsoft.com/sharepoint/v3/contenttype/forms"/>
   </ds:schemaRefs>
 </ds:datastoreItem>
 </file>
@@ -6446,9 +8713,20 @@
 </file>
 
 <file path=customXml/itemProps3.xml><?xml version="1.0" encoding="utf-8"?>
-<ds:datastoreItem xmlns:ds="http://schemas.openxmlformats.org/officeDocument/2006/customXml" ds:itemID="{33439052-87EE-4983-B5BC-ADEE5288A607}">
+<ds:datastoreItem xmlns:ds="http://schemas.openxmlformats.org/officeDocument/2006/customXml" ds:itemID="{68175443-C836-4533-9ED6-95154BB2432D}">
   <ds:schemaRefs>
-    <ds:schemaRef ds:uri="http://schemas.microsoft.com/sharepoint/v3/contenttype/forms"/>
+    <ds:schemaRef ds:uri="http://schemas.microsoft.com/office/2006/metadata/contentType"/>
+    <ds:schemaRef ds:uri="http://schemas.microsoft.com/office/2006/metadata/properties/metaAttributes"/>
+    <ds:schemaRef ds:uri="http://www.w3.org/2001/XMLSchema"/>
+    <ds:schemaRef ds:uri="http://schemas.microsoft.com/office/2006/metadata/properties"/>
+    <ds:schemaRef ds:uri="f60ec8b1-93d6-4a9c-ac84-531a9be8d76e"/>
+    <ds:schemaRef ds:uri="84903cf0-74e4-427a-876c-a2673a8560bc"/>
+    <ds:schemaRef ds:uri="http://schemas.microsoft.com/office/2006/documentManagement/types"/>
+    <ds:schemaRef ds:uri="http://schemas.microsoft.com/office/infopath/2007/PartnerControls"/>
+    <ds:schemaRef ds:uri="http://schemas.openxmlformats.org/package/2006/metadata/core-properties"/>
+    <ds:schemaRef ds:uri="http://purl.org/dc/elements/1.1/"/>
+    <ds:schemaRef ds:uri="http://purl.org/dc/terms/"/>
+    <ds:schemaRef ds:uri="http://schemas.microsoft.com/internal/obd"/>
   </ds:schemaRefs>
 </ds:datastoreItem>
 </file>
--- a/Azure Data Explorer.pptx
+++ b/Azure Data Explorer.pptx
@@ -5,7 +5,7 @@
     <p:sldMasterId id="2147483748" r:id="rId4"/>
   </p:sldMasterIdLst>
   <p:notesMasterIdLst>
-    <p:notesMasterId r:id="rId26"/>
+    <p:notesMasterId r:id="rId44"/>
   </p:notesMasterIdLst>
   <p:sldIdLst>
     <p:sldId id="522" r:id="rId5"/>
@@ -29,6 +29,24 @@
     <p:sldId id="540" r:id="rId23"/>
     <p:sldId id="541" r:id="rId24"/>
     <p:sldId id="542" r:id="rId25"/>
+    <p:sldId id="543" r:id="rId26"/>
+    <p:sldId id="544" r:id="rId27"/>
+    <p:sldId id="545" r:id="rId28"/>
+    <p:sldId id="546" r:id="rId29"/>
+    <p:sldId id="547" r:id="rId30"/>
+    <p:sldId id="548" r:id="rId31"/>
+    <p:sldId id="549" r:id="rId32"/>
+    <p:sldId id="550" r:id="rId33"/>
+    <p:sldId id="551" r:id="rId34"/>
+    <p:sldId id="552" r:id="rId35"/>
+    <p:sldId id="553" r:id="rId36"/>
+    <p:sldId id="554" r:id="rId37"/>
+    <p:sldId id="555" r:id="rId38"/>
+    <p:sldId id="556" r:id="rId39"/>
+    <p:sldId id="557" r:id="rId40"/>
+    <p:sldId id="558" r:id="rId41"/>
+    <p:sldId id="559" r:id="rId42"/>
+    <p:sldId id="560" r:id="rId43"/>
   </p:sldIdLst>
   <p:sldSz cx="12192000" cy="6858000"/>
   <p:notesSz cx="6858000" cy="9144000"/>
@@ -157,6 +175,24 @@
             <p14:sldId id="540"/>
             <p14:sldId id="541"/>
             <p14:sldId id="542"/>
+            <p14:sldId id="543"/>
+            <p14:sldId id="544"/>
+            <p14:sldId id="545"/>
+            <p14:sldId id="546"/>
+            <p14:sldId id="547"/>
+            <p14:sldId id="548"/>
+            <p14:sldId id="549"/>
+            <p14:sldId id="550"/>
+            <p14:sldId id="551"/>
+            <p14:sldId id="552"/>
+            <p14:sldId id="553"/>
+            <p14:sldId id="554"/>
+            <p14:sldId id="555"/>
+            <p14:sldId id="556"/>
+            <p14:sldId id="557"/>
+            <p14:sldId id="558"/>
+            <p14:sldId id="559"/>
+            <p14:sldId id="560"/>
           </p14:sldIdLst>
         </p14:section>
       </p14:sectionLst>
@@ -256,7 +292,7 @@
           <a:p>
             <a:fld id="{31033B72-FD55-4593-84F8-30DA33844F22}" type="datetimeFigureOut">
               <a:rPr lang="en-US" smtClean="0"/>
-              <a:t>8/3/2022</a:t>
+              <a:t>8/4/2022</a:t>
             </a:fld>
             <a:endParaRPr lang="en-US"/>
           </a:p>
@@ -5878,6 +5914,2717 @@
 </p:sld>
 </file>
 
+<file path=ppt/slides/slide22.xml><?xml version="1.0" encoding="utf-8"?>
+<p:sld xmlns:a="http://schemas.openxmlformats.org/drawingml/2006/main" xmlns:r="http://schemas.openxmlformats.org/officeDocument/2006/relationships" xmlns:p="http://schemas.openxmlformats.org/presentationml/2006/main">
+  <p:cSld>
+    <p:spTree>
+      <p:nvGrpSpPr>
+        <p:cNvPr id="1" name=""/>
+        <p:cNvGrpSpPr/>
+        <p:nvPr/>
+      </p:nvGrpSpPr>
+      <p:grpSpPr>
+        <a:xfrm>
+          <a:off x="0" y="0"/>
+          <a:ext cx="0" cy="0"/>
+          <a:chOff x="0" y="0"/>
+          <a:chExt cx="0" cy="0"/>
+        </a:xfrm>
+      </p:grpSpPr>
+      <p:sp>
+        <p:nvSpPr>
+          <p:cNvPr id="4" name="TextBox 3">
+            <a:extLst>
+              <a:ext uri="{FF2B5EF4-FFF2-40B4-BE49-F238E27FC236}">
+                <a16:creationId xmlns:a16="http://schemas.microsoft.com/office/drawing/2014/main" id="{FC925FC0-2C98-4A8B-BAC2-23F81A2A97C0}"/>
+              </a:ext>
+            </a:extLst>
+          </p:cNvPr>
+          <p:cNvSpPr txBox="1"/>
+          <p:nvPr/>
+        </p:nvSpPr>
+        <p:spPr>
+          <a:xfrm>
+            <a:off x="930194" y="1391826"/>
+            <a:ext cx="10587209" cy="461665"/>
+          </a:xfrm>
+          <a:prstGeom prst="rect">
+            <a:avLst/>
+          </a:prstGeom>
+          <a:noFill/>
+        </p:spPr>
+        <p:txBody>
+          <a:bodyPr wrap="square" rtlCol="0">
+            <a:spAutoFit/>
+          </a:bodyPr>
+          <a:lstStyle/>
+          <a:p>
+            <a:pPr algn="l"/>
+            <a:r>
+              <a:rPr lang="en-US" sz="2400" b="1" i="0" dirty="0">
+                <a:solidFill>
+                  <a:srgbClr val="171717"/>
+                </a:solidFill>
+                <a:effectLst/>
+                <a:latin typeface="Segoe UI" panose="020B0502040204020203" pitchFamily="34" charset="0"/>
+              </a:rPr>
+              <a:t>Run async control command</a:t>
+            </a:r>
+          </a:p>
+        </p:txBody>
+      </p:sp>
+      <p:sp>
+        <p:nvSpPr>
+          <p:cNvPr id="2" name="TextBox 1">
+            <a:extLst>
+              <a:ext uri="{FF2B5EF4-FFF2-40B4-BE49-F238E27FC236}">
+                <a16:creationId xmlns:a16="http://schemas.microsoft.com/office/drawing/2014/main" id="{194DFBD7-6002-4E7B-97D7-E23498C241CD}"/>
+              </a:ext>
+            </a:extLst>
+          </p:cNvPr>
+          <p:cNvSpPr txBox="1"/>
+          <p:nvPr/>
+        </p:nvSpPr>
+        <p:spPr>
+          <a:xfrm>
+            <a:off x="1101687" y="2005070"/>
+            <a:ext cx="9430438" cy="2585323"/>
+          </a:xfrm>
+          <a:prstGeom prst="rect">
+            <a:avLst/>
+          </a:prstGeom>
+          <a:noFill/>
+        </p:spPr>
+        <p:txBody>
+          <a:bodyPr wrap="square" rtlCol="0">
+            <a:spAutoFit/>
+          </a:bodyPr>
+          <a:lstStyle/>
+          <a:p>
+            <a:pPr algn="l"/>
+            <a:r>
+              <a:rPr lang="en-US" b="0" i="0" dirty="0">
+                <a:solidFill>
+                  <a:srgbClr val="171717"/>
+                </a:solidFill>
+                <a:effectLst/>
+                <a:latin typeface="Segoe UI" panose="020B0502040204020203" pitchFamily="34" charset="0"/>
+              </a:rPr>
+              <a:t>This action runs control command in async mode and returns its ID, state and status on completion. 'async' keyword is mandatory. It's always recommended to execute control commands in async mode so they keep running in the background. KQL commands can run for maximum of 1 hour. Also, you get an operation ID of the async command after execution that can be used with </a:t>
+            </a:r>
+            <a:r>
+              <a:rPr lang="en-US" b="0" i="0" u="none" strike="noStrike" dirty="0">
+                <a:solidFill>
+                  <a:srgbClr val="171717"/>
+                </a:solidFill>
+                <a:effectLst/>
+                <a:latin typeface="Segoe UI" panose="020B0502040204020203" pitchFamily="34" charset="0"/>
+                <a:hlinkClick r:id="rId2"/>
+              </a:rPr>
+              <a:t>.show operations OPERATION_ID_RETURNED_BY_CMD</a:t>
+            </a:r>
+            <a:r>
+              <a:rPr lang="en-US" b="0" i="0" dirty="0">
+                <a:solidFill>
+                  <a:srgbClr val="171717"/>
+                </a:solidFill>
+                <a:effectLst/>
+                <a:latin typeface="Segoe UI" panose="020B0502040204020203" pitchFamily="34" charset="0"/>
+              </a:rPr>
+              <a:t> command to get the status and details of that async command.</a:t>
+            </a:r>
+          </a:p>
+          <a:p>
+            <a:pPr algn="l"/>
+            <a:r>
+              <a:rPr lang="en-US" b="0" i="0" dirty="0">
+                <a:solidFill>
+                  <a:srgbClr val="171717"/>
+                </a:solidFill>
+                <a:effectLst/>
+                <a:latin typeface="Segoe UI" panose="020B0502040204020203" pitchFamily="34" charset="0"/>
+              </a:rPr>
+              <a:t>The following example triggers an async command to copy the sample 10 records from '</a:t>
+            </a:r>
+            <a:r>
+              <a:rPr lang="en-US" b="0" i="0" dirty="0" err="1">
+                <a:solidFill>
+                  <a:srgbClr val="171717"/>
+                </a:solidFill>
+                <a:effectLst/>
+                <a:latin typeface="Segoe UI" panose="020B0502040204020203" pitchFamily="34" charset="0"/>
+              </a:rPr>
+              <a:t>TransformedSysLogs</a:t>
+            </a:r>
+            <a:r>
+              <a:rPr lang="en-US" b="0" i="0" dirty="0">
+                <a:solidFill>
+                  <a:srgbClr val="171717"/>
+                </a:solidFill>
+                <a:effectLst/>
+                <a:latin typeface="Segoe UI" panose="020B0502040204020203" pitchFamily="34" charset="0"/>
+              </a:rPr>
+              <a:t>' table to '</a:t>
+            </a:r>
+            <a:r>
+              <a:rPr lang="en-US" b="0" i="0" dirty="0" err="1">
+                <a:solidFill>
+                  <a:srgbClr val="171717"/>
+                </a:solidFill>
+                <a:effectLst/>
+                <a:latin typeface="Segoe UI" panose="020B0502040204020203" pitchFamily="34" charset="0"/>
+              </a:rPr>
+              <a:t>TargetTable</a:t>
+            </a:r>
+            <a:r>
+              <a:rPr lang="en-US" b="0" i="0" dirty="0">
+                <a:solidFill>
+                  <a:srgbClr val="171717"/>
+                </a:solidFill>
+                <a:effectLst/>
+                <a:latin typeface="Segoe UI" panose="020B0502040204020203" pitchFamily="34" charset="0"/>
+              </a:rPr>
+              <a:t>'.</a:t>
+            </a:r>
+          </a:p>
+        </p:txBody>
+      </p:sp>
+      <p:pic>
+        <p:nvPicPr>
+          <p:cNvPr id="5" name="Picture 4">
+            <a:extLst>
+              <a:ext uri="{FF2B5EF4-FFF2-40B4-BE49-F238E27FC236}">
+                <a16:creationId xmlns:a16="http://schemas.microsoft.com/office/drawing/2014/main" id="{CCA8252C-DB8E-40C5-AD76-F14CEDDDF54A}"/>
+              </a:ext>
+            </a:extLst>
+          </p:cNvPr>
+          <p:cNvPicPr>
+            <a:picLocks noChangeAspect="1"/>
+          </p:cNvPicPr>
+          <p:nvPr/>
+        </p:nvPicPr>
+        <p:blipFill>
+          <a:blip r:embed="rId3"/>
+          <a:stretch>
+            <a:fillRect/>
+          </a:stretch>
+        </p:blipFill>
+        <p:spPr>
+          <a:xfrm>
+            <a:off x="1020146" y="4639469"/>
+            <a:ext cx="7778621" cy="2045647"/>
+          </a:xfrm>
+          <a:prstGeom prst="rect">
+            <a:avLst/>
+          </a:prstGeom>
+        </p:spPr>
+      </p:pic>
+    </p:spTree>
+    <p:extLst>
+      <p:ext uri="{BB962C8B-B14F-4D97-AF65-F5344CB8AC3E}">
+        <p14:creationId xmlns:p14="http://schemas.microsoft.com/office/powerpoint/2010/main" val="3721151011"/>
+      </p:ext>
+    </p:extLst>
+  </p:cSld>
+  <p:clrMapOvr>
+    <a:masterClrMapping/>
+  </p:clrMapOvr>
+  <p:transition/>
+</p:sld>
+</file>
+
+<file path=ppt/slides/slide23.xml><?xml version="1.0" encoding="utf-8"?>
+<p:sld xmlns:a="http://schemas.openxmlformats.org/drawingml/2006/main" xmlns:r="http://schemas.openxmlformats.org/officeDocument/2006/relationships" xmlns:p="http://schemas.openxmlformats.org/presentationml/2006/main">
+  <p:cSld>
+    <p:spTree>
+      <p:nvGrpSpPr>
+        <p:cNvPr id="1" name=""/>
+        <p:cNvGrpSpPr/>
+        <p:nvPr/>
+      </p:nvGrpSpPr>
+      <p:grpSpPr>
+        <a:xfrm>
+          <a:off x="0" y="0"/>
+          <a:ext cx="0" cy="0"/>
+          <a:chOff x="0" y="0"/>
+          <a:chExt cx="0" cy="0"/>
+        </a:xfrm>
+      </p:grpSpPr>
+      <p:sp>
+        <p:nvSpPr>
+          <p:cNvPr id="4" name="TextBox 3">
+            <a:extLst>
+              <a:ext uri="{FF2B5EF4-FFF2-40B4-BE49-F238E27FC236}">
+                <a16:creationId xmlns:a16="http://schemas.microsoft.com/office/drawing/2014/main" id="{FC925FC0-2C98-4A8B-BAC2-23F81A2A97C0}"/>
+              </a:ext>
+            </a:extLst>
+          </p:cNvPr>
+          <p:cNvSpPr txBox="1"/>
+          <p:nvPr/>
+        </p:nvSpPr>
+        <p:spPr>
+          <a:xfrm>
+            <a:off x="930194" y="1391826"/>
+            <a:ext cx="10587209" cy="461665"/>
+          </a:xfrm>
+          <a:prstGeom prst="rect">
+            <a:avLst/>
+          </a:prstGeom>
+          <a:noFill/>
+        </p:spPr>
+        <p:txBody>
+          <a:bodyPr wrap="square" rtlCol="0">
+            <a:spAutoFit/>
+          </a:bodyPr>
+          <a:lstStyle/>
+          <a:p>
+            <a:pPr algn="l"/>
+            <a:r>
+              <a:rPr lang="en-US" sz="2400" b="1" i="0" dirty="0">
+                <a:solidFill>
+                  <a:srgbClr val="171717"/>
+                </a:solidFill>
+                <a:effectLst/>
+                <a:latin typeface="Segoe UI" panose="020B0502040204020203" pitchFamily="34" charset="0"/>
+              </a:rPr>
+              <a:t>Run control command and render a chart</a:t>
+            </a:r>
+          </a:p>
+        </p:txBody>
+      </p:sp>
+      <p:sp>
+        <p:nvSpPr>
+          <p:cNvPr id="2" name="TextBox 1">
+            <a:extLst>
+              <a:ext uri="{FF2B5EF4-FFF2-40B4-BE49-F238E27FC236}">
+                <a16:creationId xmlns:a16="http://schemas.microsoft.com/office/drawing/2014/main" id="{194DFBD7-6002-4E7B-97D7-E23498C241CD}"/>
+              </a:ext>
+            </a:extLst>
+          </p:cNvPr>
+          <p:cNvSpPr txBox="1"/>
+          <p:nvPr/>
+        </p:nvSpPr>
+        <p:spPr>
+          <a:xfrm>
+            <a:off x="930194" y="1898391"/>
+            <a:ext cx="9430438" cy="923330"/>
+          </a:xfrm>
+          <a:prstGeom prst="rect">
+            <a:avLst/>
+          </a:prstGeom>
+          <a:noFill/>
+        </p:spPr>
+        <p:txBody>
+          <a:bodyPr wrap="square" rtlCol="0">
+            <a:spAutoFit/>
+          </a:bodyPr>
+          <a:lstStyle/>
+          <a:p>
+            <a:pPr algn="l"/>
+            <a:r>
+              <a:rPr lang="en-US" b="0" i="0" dirty="0">
+                <a:solidFill>
+                  <a:srgbClr val="171717"/>
+                </a:solidFill>
+                <a:effectLst/>
+                <a:latin typeface="Segoe UI" panose="020B0502040204020203" pitchFamily="34" charset="0"/>
+              </a:rPr>
+              <a:t>Use this action to run a </a:t>
+            </a:r>
+            <a:r>
+              <a:rPr lang="en-US" b="0" i="0" u="none" strike="noStrike" dirty="0">
+                <a:effectLst/>
+                <a:latin typeface="Segoe UI" panose="020B0502040204020203" pitchFamily="34" charset="0"/>
+                <a:hlinkClick r:id="rId2"/>
+              </a:rPr>
+              <a:t>control command</a:t>
+            </a:r>
+            <a:r>
+              <a:rPr lang="en-US" b="0" i="0" dirty="0">
+                <a:solidFill>
+                  <a:srgbClr val="171717"/>
+                </a:solidFill>
+                <a:effectLst/>
+                <a:latin typeface="Segoe UI" panose="020B0502040204020203" pitchFamily="34" charset="0"/>
+              </a:rPr>
+              <a:t> and get the result as a chart of your choice.</a:t>
+            </a:r>
+          </a:p>
+          <a:p>
+            <a:pPr algn="l"/>
+            <a:endParaRPr lang="en-US" dirty="0">
+              <a:solidFill>
+                <a:srgbClr val="171717"/>
+              </a:solidFill>
+              <a:latin typeface="Segoe UI" panose="020B0502040204020203" pitchFamily="34" charset="0"/>
+            </a:endParaRPr>
+          </a:p>
+          <a:p>
+            <a:pPr algn="l"/>
+            <a:endParaRPr lang="en-US" b="0" i="0" dirty="0">
+              <a:solidFill>
+                <a:srgbClr val="171717"/>
+              </a:solidFill>
+              <a:effectLst/>
+              <a:latin typeface="Segoe UI" panose="020B0502040204020203" pitchFamily="34" charset="0"/>
+            </a:endParaRPr>
+          </a:p>
+        </p:txBody>
+      </p:sp>
+      <p:sp>
+        <p:nvSpPr>
+          <p:cNvPr id="8" name="Rectangle 4">
+            <a:extLst>
+              <a:ext uri="{FF2B5EF4-FFF2-40B4-BE49-F238E27FC236}">
+                <a16:creationId xmlns:a16="http://schemas.microsoft.com/office/drawing/2014/main" id="{012800FD-B342-4D6D-A760-A3CE1E4C650D}"/>
+              </a:ext>
+            </a:extLst>
+          </p:cNvPr>
+          <p:cNvSpPr>
+            <a:spLocks noChangeArrowheads="1"/>
+          </p:cNvSpPr>
+          <p:nvPr/>
+        </p:nvSpPr>
+        <p:spPr bwMode="auto">
+          <a:xfrm>
+            <a:off x="827314" y="2244368"/>
+            <a:ext cx="9100457" cy="2605777"/>
+          </a:xfrm>
+          <a:prstGeom prst="rect">
+            <a:avLst/>
+          </a:prstGeom>
+          <a:solidFill>
+            <a:srgbClr val="FFFFFF"/>
+          </a:solidFill>
+          <a:ln>
+            <a:noFill/>
+          </a:ln>
+          <a:effectLst/>
+          <a:extLst>
+            <a:ext uri="{91240B29-F687-4F45-9708-019B960494DF}">
+              <a14:hiddenLine xmlns:a14="http://schemas.microsoft.com/office/drawing/2010/main" w="9525">
+                <a:solidFill>
+                  <a:schemeClr val="tx1"/>
+                </a:solidFill>
+                <a:miter lim="800000"/>
+                <a:headEnd/>
+                <a:tailEnd/>
+              </a14:hiddenLine>
+            </a:ext>
+            <a:ext uri="{AF507438-7753-43E0-B8FC-AC1667EBCBE1}">
+              <a14:hiddenEffects xmlns:a14="http://schemas.microsoft.com/office/drawing/2010/main">
+                <a:effectLst>
+                  <a:outerShdw dist="35921" dir="2700000" algn="ctr" rotWithShape="0">
+                    <a:schemeClr val="bg2"/>
+                  </a:outerShdw>
+                </a:effectLst>
+              </a14:hiddenEffects>
+            </a:ext>
+          </a:extLst>
+        </p:spPr>
+        <p:txBody>
+          <a:bodyPr vert="horz" wrap="square" lIns="241224" tIns="101568" rIns="0" bIns="101568" numCol="1" anchor="ctr" anchorCtr="0" compatLnSpc="1">
+            <a:prstTxWarp prst="textNoShape">
+              <a:avLst/>
+            </a:prstTxWarp>
+            <a:spAutoFit/>
+          </a:bodyPr>
+          <a:lstStyle/>
+          <a:p>
+            <a:pPr marL="0" marR="0" lvl="0" indent="0" algn="l" defTabSz="914400" rtl="0" eaLnBrk="0" fontAlgn="base" latinLnBrk="0" hangingPunct="0">
+              <a:lnSpc>
+                <a:spcPct val="100000"/>
+              </a:lnSpc>
+              <a:spcBef>
+                <a:spcPct val="0"/>
+              </a:spcBef>
+              <a:spcAft>
+                <a:spcPct val="0"/>
+              </a:spcAft>
+              <a:buClrTx/>
+              <a:buSzTx/>
+              <a:buFontTx/>
+              <a:buNone/>
+              <a:tabLst/>
+            </a:pPr>
+            <a:endParaRPr kumimoji="0" lang="en-US" altLang="en-US" sz="1800" b="0" i="0" u="none" strike="noStrike" cap="none" normalizeH="0" baseline="0" dirty="0">
+              <a:ln>
+                <a:noFill/>
+              </a:ln>
+              <a:solidFill>
+                <a:schemeClr val="tx1"/>
+              </a:solidFill>
+              <a:effectLst/>
+              <a:latin typeface="Arial" panose="020B0604020202020204" pitchFamily="34" charset="0"/>
+            </a:endParaRPr>
+          </a:p>
+          <a:p>
+            <a:pPr marL="0" marR="0" lvl="0" indent="0" algn="l" defTabSz="914400" rtl="0" eaLnBrk="0" fontAlgn="base" latinLnBrk="0" hangingPunct="0">
+              <a:lnSpc>
+                <a:spcPct val="100000"/>
+              </a:lnSpc>
+              <a:spcBef>
+                <a:spcPct val="0"/>
+              </a:spcBef>
+              <a:spcAft>
+                <a:spcPct val="0"/>
+              </a:spcAft>
+              <a:buClrTx/>
+              <a:buSzTx/>
+              <a:buFontTx/>
+              <a:buAutoNum type="arabicPeriod"/>
+              <a:tabLst/>
+            </a:pPr>
+            <a:r>
+              <a:rPr kumimoji="0" lang="en-US" altLang="en-US" sz="1200" b="0" i="0" u="none" strike="noStrike" cap="none" normalizeH="0" baseline="0" dirty="0">
+                <a:ln>
+                  <a:noFill/>
+                </a:ln>
+                <a:solidFill>
+                  <a:srgbClr val="171717"/>
+                </a:solidFill>
+                <a:effectLst/>
+                <a:latin typeface="Segoe UI" panose="020B0502040204020203" pitchFamily="34" charset="0"/>
+                <a:cs typeface="Segoe UI" panose="020B0502040204020203" pitchFamily="34" charset="0"/>
+              </a:rPr>
+              <a:t>Specify the cluster URL. For example, </a:t>
+            </a:r>
+            <a:r>
+              <a:rPr kumimoji="0" lang="en-US" altLang="en-US" sz="900" b="0" i="0" u="none" strike="noStrike" cap="none" normalizeH="0" baseline="0" dirty="0">
+                <a:ln>
+                  <a:noFill/>
+                </a:ln>
+                <a:solidFill>
+                  <a:srgbClr val="171717"/>
+                </a:solidFill>
+                <a:effectLst/>
+                <a:latin typeface="SFMono-Regular"/>
+                <a:cs typeface="Segoe UI" panose="020B0502040204020203" pitchFamily="34" charset="0"/>
+              </a:rPr>
+              <a:t>https://clusterName.eastus.kusto.windows.net</a:t>
+            </a:r>
+            <a:r>
+              <a:rPr kumimoji="0" lang="en-US" altLang="en-US" sz="1200" b="0" i="0" u="none" strike="noStrike" cap="none" normalizeH="0" baseline="0" dirty="0">
+                <a:ln>
+                  <a:noFill/>
+                </a:ln>
+                <a:solidFill>
+                  <a:srgbClr val="171717"/>
+                </a:solidFill>
+                <a:effectLst/>
+                <a:latin typeface="Segoe UI" panose="020B0502040204020203" pitchFamily="34" charset="0"/>
+                <a:cs typeface="Segoe UI" panose="020B0502040204020203" pitchFamily="34" charset="0"/>
+              </a:rPr>
+              <a:t>.</a:t>
+            </a:r>
+          </a:p>
+          <a:p>
+            <a:pPr marL="0" marR="0" lvl="0" indent="0" algn="l" defTabSz="914400" rtl="0" eaLnBrk="0" fontAlgn="base" latinLnBrk="0" hangingPunct="0">
+              <a:lnSpc>
+                <a:spcPct val="100000"/>
+              </a:lnSpc>
+              <a:spcBef>
+                <a:spcPct val="0"/>
+              </a:spcBef>
+              <a:spcAft>
+                <a:spcPct val="0"/>
+              </a:spcAft>
+              <a:buClrTx/>
+              <a:buSzTx/>
+              <a:buFontTx/>
+              <a:buAutoNum type="arabicPeriod" startAt="2"/>
+              <a:tabLst/>
+            </a:pPr>
+            <a:r>
+              <a:rPr kumimoji="0" lang="en-US" altLang="en-US" sz="1200" b="0" i="0" u="none" strike="noStrike" cap="none" normalizeH="0" baseline="0" dirty="0">
+                <a:ln>
+                  <a:noFill/>
+                </a:ln>
+                <a:solidFill>
+                  <a:srgbClr val="171717"/>
+                </a:solidFill>
+                <a:effectLst/>
+                <a:latin typeface="Segoe UI" panose="020B0502040204020203" pitchFamily="34" charset="0"/>
+                <a:cs typeface="Segoe UI" panose="020B0502040204020203" pitchFamily="34" charset="0"/>
+              </a:rPr>
+              <a:t>Enter the name of the database.</a:t>
+            </a:r>
+          </a:p>
+          <a:p>
+            <a:pPr marL="0" marR="0" lvl="0" indent="0" algn="l" defTabSz="914400" rtl="0" eaLnBrk="0" fontAlgn="base" latinLnBrk="0" hangingPunct="0">
+              <a:lnSpc>
+                <a:spcPct val="100000"/>
+              </a:lnSpc>
+              <a:spcBef>
+                <a:spcPct val="0"/>
+              </a:spcBef>
+              <a:spcAft>
+                <a:spcPct val="0"/>
+              </a:spcAft>
+              <a:buClrTx/>
+              <a:buSzTx/>
+              <a:buFontTx/>
+              <a:buAutoNum type="arabicPeriod" startAt="3"/>
+              <a:tabLst/>
+            </a:pPr>
+            <a:r>
+              <a:rPr kumimoji="0" lang="en-US" altLang="en-US" sz="1200" b="0" i="0" u="none" strike="noStrike" cap="none" normalizeH="0" baseline="0" dirty="0">
+                <a:ln>
+                  <a:noFill/>
+                </a:ln>
+                <a:solidFill>
+                  <a:srgbClr val="171717"/>
+                </a:solidFill>
+                <a:effectLst/>
+                <a:latin typeface="Segoe UI" panose="020B0502040204020203" pitchFamily="34" charset="0"/>
+                <a:cs typeface="Segoe UI" panose="020B0502040204020203" pitchFamily="34" charset="0"/>
+              </a:rPr>
+              <a:t>Specify the control command:</a:t>
+            </a:r>
+          </a:p>
+          <a:p>
+            <a:pPr marL="457200" marR="0" lvl="1" indent="0" algn="l" defTabSz="914400" rtl="0" eaLnBrk="0" fontAlgn="base" latinLnBrk="0" hangingPunct="0">
+              <a:lnSpc>
+                <a:spcPct val="100000"/>
+              </a:lnSpc>
+              <a:spcBef>
+                <a:spcPct val="0"/>
+              </a:spcBef>
+              <a:spcAft>
+                <a:spcPct val="0"/>
+              </a:spcAft>
+              <a:buClrTx/>
+              <a:buSzTx/>
+              <a:buFontTx/>
+              <a:buChar char="•"/>
+              <a:tabLst/>
+            </a:pPr>
+            <a:r>
+              <a:rPr kumimoji="0" lang="en-US" altLang="en-US" sz="1200" b="0" i="0" u="none" strike="noStrike" cap="none" normalizeH="0" baseline="0" dirty="0">
+                <a:ln>
+                  <a:noFill/>
+                </a:ln>
+                <a:solidFill>
+                  <a:srgbClr val="171717"/>
+                </a:solidFill>
+                <a:effectLst/>
+                <a:latin typeface="Segoe UI" panose="020B0502040204020203" pitchFamily="34" charset="0"/>
+                <a:cs typeface="Segoe UI" panose="020B0502040204020203" pitchFamily="34" charset="0"/>
+              </a:rPr>
+              <a:t>Select dynamic content from the apps and connectors used in the flow.</a:t>
+            </a:r>
+          </a:p>
+          <a:p>
+            <a:pPr marL="457200" marR="0" lvl="1" indent="0" algn="l" defTabSz="914400" rtl="0" eaLnBrk="0" fontAlgn="base" latinLnBrk="0" hangingPunct="0">
+              <a:lnSpc>
+                <a:spcPct val="100000"/>
+              </a:lnSpc>
+              <a:spcBef>
+                <a:spcPct val="0"/>
+              </a:spcBef>
+              <a:spcAft>
+                <a:spcPct val="0"/>
+              </a:spcAft>
+              <a:buClrTx/>
+              <a:buSzTx/>
+              <a:buFontTx/>
+              <a:buChar char="•"/>
+              <a:tabLst/>
+            </a:pPr>
+            <a:r>
+              <a:rPr kumimoji="0" lang="en-US" altLang="en-US" sz="1200" b="0" i="0" u="none" strike="noStrike" cap="none" normalizeH="0" baseline="0" dirty="0">
+                <a:ln>
+                  <a:noFill/>
+                </a:ln>
+                <a:solidFill>
+                  <a:srgbClr val="171717"/>
+                </a:solidFill>
+                <a:effectLst/>
+                <a:latin typeface="Segoe UI" panose="020B0502040204020203" pitchFamily="34" charset="0"/>
+                <a:cs typeface="Segoe UI" panose="020B0502040204020203" pitchFamily="34" charset="0"/>
+              </a:rPr>
+              <a:t>Add an expression to access, convert, and compare values.</a:t>
+            </a:r>
+          </a:p>
+          <a:p>
+            <a:pPr marL="0" marR="0" lvl="0" indent="0" algn="l" defTabSz="914400" rtl="0" eaLnBrk="0" fontAlgn="base" latinLnBrk="0" hangingPunct="0">
+              <a:lnSpc>
+                <a:spcPct val="100000"/>
+              </a:lnSpc>
+              <a:spcBef>
+                <a:spcPct val="0"/>
+              </a:spcBef>
+              <a:spcAft>
+                <a:spcPct val="0"/>
+              </a:spcAft>
+              <a:buClrTx/>
+              <a:buSzTx/>
+              <a:buFontTx/>
+              <a:buAutoNum type="arabicPeriod" startAt="4"/>
+              <a:tabLst/>
+            </a:pPr>
+            <a:r>
+              <a:rPr kumimoji="0" lang="en-US" altLang="en-US" sz="1200" b="0" i="0" u="none" strike="noStrike" cap="none" normalizeH="0" baseline="0" dirty="0">
+                <a:ln>
+                  <a:noFill/>
+                </a:ln>
+                <a:solidFill>
+                  <a:srgbClr val="171717"/>
+                </a:solidFill>
+                <a:effectLst/>
+                <a:latin typeface="Segoe UI" panose="020B0502040204020203" pitchFamily="34" charset="0"/>
+                <a:cs typeface="Segoe UI" panose="020B0502040204020203" pitchFamily="34" charset="0"/>
+              </a:rPr>
+              <a:t>To send the results of this action by email as a table or a chart, specify the chart type. This can be:</a:t>
+            </a:r>
+          </a:p>
+          <a:p>
+            <a:pPr marL="457200" marR="0" lvl="1" indent="0" algn="l" defTabSz="914400" rtl="0" eaLnBrk="0" fontAlgn="base" latinLnBrk="0" hangingPunct="0">
+              <a:lnSpc>
+                <a:spcPct val="100000"/>
+              </a:lnSpc>
+              <a:spcBef>
+                <a:spcPct val="0"/>
+              </a:spcBef>
+              <a:spcAft>
+                <a:spcPct val="0"/>
+              </a:spcAft>
+              <a:buClrTx/>
+              <a:buSzTx/>
+              <a:buFontTx/>
+              <a:buChar char="•"/>
+              <a:tabLst/>
+            </a:pPr>
+            <a:r>
+              <a:rPr kumimoji="0" lang="en-US" altLang="en-US" sz="1200" b="0" i="0" u="none" strike="noStrike" cap="none" normalizeH="0" baseline="0" dirty="0">
+                <a:ln>
+                  <a:noFill/>
+                </a:ln>
+                <a:solidFill>
+                  <a:srgbClr val="171717"/>
+                </a:solidFill>
+                <a:effectLst/>
+                <a:latin typeface="Segoe UI" panose="020B0502040204020203" pitchFamily="34" charset="0"/>
+                <a:cs typeface="Segoe UI" panose="020B0502040204020203" pitchFamily="34" charset="0"/>
+              </a:rPr>
+              <a:t>An HTML table.</a:t>
+            </a:r>
+          </a:p>
+          <a:p>
+            <a:pPr marL="457200" marR="0" lvl="1" indent="0" algn="l" defTabSz="914400" rtl="0" eaLnBrk="0" fontAlgn="base" latinLnBrk="0" hangingPunct="0">
+              <a:lnSpc>
+                <a:spcPct val="100000"/>
+              </a:lnSpc>
+              <a:spcBef>
+                <a:spcPct val="0"/>
+              </a:spcBef>
+              <a:spcAft>
+                <a:spcPct val="0"/>
+              </a:spcAft>
+              <a:buClrTx/>
+              <a:buSzTx/>
+              <a:buFontTx/>
+              <a:buChar char="•"/>
+              <a:tabLst/>
+            </a:pPr>
+            <a:r>
+              <a:rPr kumimoji="0" lang="en-US" altLang="en-US" sz="1200" b="0" i="0" u="none" strike="noStrike" cap="none" normalizeH="0" baseline="0" dirty="0">
+                <a:ln>
+                  <a:noFill/>
+                </a:ln>
+                <a:solidFill>
+                  <a:srgbClr val="171717"/>
+                </a:solidFill>
+                <a:effectLst/>
+                <a:latin typeface="Segoe UI" panose="020B0502040204020203" pitchFamily="34" charset="0"/>
+                <a:cs typeface="Segoe UI" panose="020B0502040204020203" pitchFamily="34" charset="0"/>
+              </a:rPr>
+              <a:t>A pie chart.</a:t>
+            </a:r>
+          </a:p>
+          <a:p>
+            <a:pPr marL="457200" marR="0" lvl="1" indent="0" algn="l" defTabSz="914400" rtl="0" eaLnBrk="0" fontAlgn="base" latinLnBrk="0" hangingPunct="0">
+              <a:lnSpc>
+                <a:spcPct val="100000"/>
+              </a:lnSpc>
+              <a:spcBef>
+                <a:spcPct val="0"/>
+              </a:spcBef>
+              <a:spcAft>
+                <a:spcPct val="0"/>
+              </a:spcAft>
+              <a:buClrTx/>
+              <a:buSzTx/>
+              <a:buFontTx/>
+              <a:buChar char="•"/>
+              <a:tabLst/>
+            </a:pPr>
+            <a:r>
+              <a:rPr kumimoji="0" lang="en-US" altLang="en-US" sz="1200" b="0" i="0" u="none" strike="noStrike" cap="none" normalizeH="0" baseline="0" dirty="0">
+                <a:ln>
+                  <a:noFill/>
+                </a:ln>
+                <a:solidFill>
+                  <a:srgbClr val="171717"/>
+                </a:solidFill>
+                <a:effectLst/>
+                <a:latin typeface="Segoe UI" panose="020B0502040204020203" pitchFamily="34" charset="0"/>
+                <a:cs typeface="Segoe UI" panose="020B0502040204020203" pitchFamily="34" charset="0"/>
+              </a:rPr>
+              <a:t>A time chart.</a:t>
+            </a:r>
+          </a:p>
+          <a:p>
+            <a:pPr marL="457200" marR="0" lvl="1" indent="0" algn="l" defTabSz="914400" rtl="0" eaLnBrk="0" fontAlgn="base" latinLnBrk="0" hangingPunct="0">
+              <a:lnSpc>
+                <a:spcPct val="100000"/>
+              </a:lnSpc>
+              <a:spcBef>
+                <a:spcPct val="0"/>
+              </a:spcBef>
+              <a:spcAft>
+                <a:spcPct val="0"/>
+              </a:spcAft>
+              <a:buClrTx/>
+              <a:buSzTx/>
+              <a:buFontTx/>
+              <a:buChar char="•"/>
+              <a:tabLst/>
+            </a:pPr>
+            <a:r>
+              <a:rPr kumimoji="0" lang="en-US" altLang="en-US" sz="1200" b="0" i="0" u="none" strike="noStrike" cap="none" normalizeH="0" baseline="0" dirty="0">
+                <a:ln>
+                  <a:noFill/>
+                </a:ln>
+                <a:solidFill>
+                  <a:srgbClr val="171717"/>
+                </a:solidFill>
+                <a:effectLst/>
+                <a:latin typeface="Segoe UI" panose="020B0502040204020203" pitchFamily="34" charset="0"/>
+                <a:cs typeface="Segoe UI" panose="020B0502040204020203" pitchFamily="34" charset="0"/>
+              </a:rPr>
+              <a:t>A bar chart.</a:t>
+            </a:r>
+          </a:p>
+          <a:p>
+            <a:pPr marL="0" marR="0" lvl="0" indent="0" algn="l" defTabSz="914400" rtl="0" eaLnBrk="0" fontAlgn="base" latinLnBrk="0" hangingPunct="0">
+              <a:lnSpc>
+                <a:spcPct val="100000"/>
+              </a:lnSpc>
+              <a:spcBef>
+                <a:spcPct val="0"/>
+              </a:spcBef>
+              <a:spcAft>
+                <a:spcPct val="0"/>
+              </a:spcAft>
+              <a:buClrTx/>
+              <a:buSzTx/>
+              <a:buFontTx/>
+              <a:buNone/>
+              <a:tabLst/>
+            </a:pPr>
+            <a:endParaRPr kumimoji="0" lang="en-US" altLang="en-US" sz="1800" b="0" i="0" u="none" strike="noStrike" cap="none" normalizeH="0" baseline="0" dirty="0">
+              <a:ln>
+                <a:noFill/>
+              </a:ln>
+              <a:solidFill>
+                <a:schemeClr val="tx1"/>
+              </a:solidFill>
+              <a:effectLst/>
+              <a:latin typeface="Arial" panose="020B0604020202020204" pitchFamily="34" charset="0"/>
+            </a:endParaRPr>
+          </a:p>
+        </p:txBody>
+      </p:sp>
+      <p:pic>
+        <p:nvPicPr>
+          <p:cNvPr id="10" name="Picture 9">
+            <a:extLst>
+              <a:ext uri="{FF2B5EF4-FFF2-40B4-BE49-F238E27FC236}">
+                <a16:creationId xmlns:a16="http://schemas.microsoft.com/office/drawing/2014/main" id="{A5FEC54E-EDF6-4720-80C6-05CAF8B6A6C6}"/>
+              </a:ext>
+            </a:extLst>
+          </p:cNvPr>
+          <p:cNvPicPr>
+            <a:picLocks noChangeAspect="1"/>
+          </p:cNvPicPr>
+          <p:nvPr/>
+        </p:nvPicPr>
+        <p:blipFill>
+          <a:blip r:embed="rId3"/>
+          <a:stretch>
+            <a:fillRect/>
+          </a:stretch>
+        </p:blipFill>
+        <p:spPr>
+          <a:xfrm>
+            <a:off x="827314" y="4553338"/>
+            <a:ext cx="9324392" cy="1922107"/>
+          </a:xfrm>
+          <a:prstGeom prst="rect">
+            <a:avLst/>
+          </a:prstGeom>
+        </p:spPr>
+      </p:pic>
+    </p:spTree>
+    <p:extLst>
+      <p:ext uri="{BB962C8B-B14F-4D97-AF65-F5344CB8AC3E}">
+        <p14:creationId xmlns:p14="http://schemas.microsoft.com/office/powerpoint/2010/main" val="310156389"/>
+      </p:ext>
+    </p:extLst>
+  </p:cSld>
+  <p:clrMapOvr>
+    <a:masterClrMapping/>
+  </p:clrMapOvr>
+  <p:transition/>
+</p:sld>
+</file>
+
+<file path=ppt/slides/slide24.xml><?xml version="1.0" encoding="utf-8"?>
+<p:sld xmlns:a="http://schemas.openxmlformats.org/drawingml/2006/main" xmlns:r="http://schemas.openxmlformats.org/officeDocument/2006/relationships" xmlns:p="http://schemas.openxmlformats.org/presentationml/2006/main">
+  <p:cSld>
+    <p:spTree>
+      <p:nvGrpSpPr>
+        <p:cNvPr id="1" name=""/>
+        <p:cNvGrpSpPr/>
+        <p:nvPr/>
+      </p:nvGrpSpPr>
+      <p:grpSpPr>
+        <a:xfrm>
+          <a:off x="0" y="0"/>
+          <a:ext cx="0" cy="0"/>
+          <a:chOff x="0" y="0"/>
+          <a:chExt cx="0" cy="0"/>
+        </a:xfrm>
+      </p:grpSpPr>
+      <p:sp>
+        <p:nvSpPr>
+          <p:cNvPr id="4" name="TextBox 3">
+            <a:extLst>
+              <a:ext uri="{FF2B5EF4-FFF2-40B4-BE49-F238E27FC236}">
+                <a16:creationId xmlns:a16="http://schemas.microsoft.com/office/drawing/2014/main" id="{FC925FC0-2C98-4A8B-BAC2-23F81A2A97C0}"/>
+              </a:ext>
+            </a:extLst>
+          </p:cNvPr>
+          <p:cNvSpPr txBox="1"/>
+          <p:nvPr/>
+        </p:nvSpPr>
+        <p:spPr>
+          <a:xfrm>
+            <a:off x="930194" y="1391826"/>
+            <a:ext cx="10587209" cy="461665"/>
+          </a:xfrm>
+          <a:prstGeom prst="rect">
+            <a:avLst/>
+          </a:prstGeom>
+          <a:noFill/>
+        </p:spPr>
+        <p:txBody>
+          <a:bodyPr wrap="square" rtlCol="0">
+            <a:spAutoFit/>
+          </a:bodyPr>
+          <a:lstStyle/>
+          <a:p>
+            <a:pPr algn="l"/>
+            <a:r>
+              <a:rPr lang="en-US" sz="2400" b="1" i="0" dirty="0">
+                <a:solidFill>
+                  <a:srgbClr val="171717"/>
+                </a:solidFill>
+                <a:effectLst/>
+                <a:latin typeface="Segoe UI" panose="020B0502040204020203" pitchFamily="34" charset="0"/>
+              </a:rPr>
+              <a:t>Run show control command</a:t>
+            </a:r>
+          </a:p>
+        </p:txBody>
+      </p:sp>
+      <p:sp>
+        <p:nvSpPr>
+          <p:cNvPr id="2" name="TextBox 1">
+            <a:extLst>
+              <a:ext uri="{FF2B5EF4-FFF2-40B4-BE49-F238E27FC236}">
+                <a16:creationId xmlns:a16="http://schemas.microsoft.com/office/drawing/2014/main" id="{194DFBD7-6002-4E7B-97D7-E23498C241CD}"/>
+              </a:ext>
+            </a:extLst>
+          </p:cNvPr>
+          <p:cNvSpPr txBox="1"/>
+          <p:nvPr/>
+        </p:nvSpPr>
+        <p:spPr>
+          <a:xfrm>
+            <a:off x="930194" y="1898391"/>
+            <a:ext cx="9430438" cy="646331"/>
+          </a:xfrm>
+          <a:prstGeom prst="rect">
+            <a:avLst/>
+          </a:prstGeom>
+          <a:noFill/>
+        </p:spPr>
+        <p:txBody>
+          <a:bodyPr wrap="square" rtlCol="0">
+            <a:spAutoFit/>
+          </a:bodyPr>
+          <a:lstStyle/>
+          <a:p>
+            <a:pPr algn="l"/>
+            <a:r>
+              <a:rPr lang="en-US" b="0" i="0" dirty="0">
+                <a:solidFill>
+                  <a:srgbClr val="171717"/>
+                </a:solidFill>
+                <a:effectLst/>
+                <a:latin typeface="Segoe UI" panose="020B0502040204020203" pitchFamily="34" charset="0"/>
+              </a:rPr>
+              <a:t>This action runs the show control command and returns the result that can be used in the following connectors.</a:t>
+            </a:r>
+          </a:p>
+        </p:txBody>
+      </p:sp>
+      <p:sp>
+        <p:nvSpPr>
+          <p:cNvPr id="3" name="TextBox 2">
+            <a:extLst>
+              <a:ext uri="{FF2B5EF4-FFF2-40B4-BE49-F238E27FC236}">
+                <a16:creationId xmlns:a16="http://schemas.microsoft.com/office/drawing/2014/main" id="{9F94E98E-A9A2-4A4C-BC0B-E03D184B18F7}"/>
+              </a:ext>
+            </a:extLst>
+          </p:cNvPr>
+          <p:cNvSpPr txBox="1"/>
+          <p:nvPr/>
+        </p:nvSpPr>
+        <p:spPr>
+          <a:xfrm>
+            <a:off x="930194" y="2985796"/>
+            <a:ext cx="8997577" cy="584775"/>
+          </a:xfrm>
+          <a:prstGeom prst="rect">
+            <a:avLst/>
+          </a:prstGeom>
+          <a:noFill/>
+        </p:spPr>
+        <p:txBody>
+          <a:bodyPr wrap="square" rtlCol="0">
+            <a:spAutoFit/>
+          </a:bodyPr>
+          <a:lstStyle/>
+          <a:p>
+            <a:r>
+              <a:rPr lang="en-US" sz="1600" b="0" i="0" dirty="0">
+                <a:solidFill>
+                  <a:srgbClr val="171717"/>
+                </a:solidFill>
+                <a:effectLst/>
+                <a:latin typeface="Segoe UI" panose="020B0502040204020203" pitchFamily="34" charset="0"/>
+              </a:rPr>
+              <a:t>The following example executes the </a:t>
+            </a:r>
+            <a:r>
+              <a:rPr lang="en-US" sz="1600" b="1" i="0" dirty="0">
+                <a:solidFill>
+                  <a:srgbClr val="171717"/>
+                </a:solidFill>
+                <a:effectLst/>
+                <a:latin typeface="Segoe UI" panose="020B0502040204020203" pitchFamily="34" charset="0"/>
+              </a:rPr>
+              <a:t>.show operation</a:t>
+            </a:r>
+            <a:r>
+              <a:rPr lang="en-US" sz="1600" b="0" i="0" dirty="0">
+                <a:solidFill>
+                  <a:srgbClr val="171717"/>
+                </a:solidFill>
+                <a:effectLst/>
+                <a:latin typeface="Segoe UI" panose="020B0502040204020203" pitchFamily="34" charset="0"/>
+              </a:rPr>
+              <a:t> command to find the status of an async command using an operation ID returned by an async command execution.</a:t>
+            </a:r>
+            <a:endParaRPr lang="en-US" sz="1600" dirty="0"/>
+          </a:p>
+        </p:txBody>
+      </p:sp>
+      <p:pic>
+        <p:nvPicPr>
+          <p:cNvPr id="6" name="Picture 5">
+            <a:extLst>
+              <a:ext uri="{FF2B5EF4-FFF2-40B4-BE49-F238E27FC236}">
+                <a16:creationId xmlns:a16="http://schemas.microsoft.com/office/drawing/2014/main" id="{57E8C516-47E6-42AF-8849-B85573B304F4}"/>
+              </a:ext>
+            </a:extLst>
+          </p:cNvPr>
+          <p:cNvPicPr>
+            <a:picLocks noChangeAspect="1"/>
+          </p:cNvPicPr>
+          <p:nvPr/>
+        </p:nvPicPr>
+        <p:blipFill>
+          <a:blip r:embed="rId2"/>
+          <a:stretch>
+            <a:fillRect/>
+          </a:stretch>
+        </p:blipFill>
+        <p:spPr>
+          <a:xfrm>
+            <a:off x="632657" y="3570571"/>
+            <a:ext cx="9058275" cy="2953721"/>
+          </a:xfrm>
+          <a:prstGeom prst="rect">
+            <a:avLst/>
+          </a:prstGeom>
+        </p:spPr>
+      </p:pic>
+    </p:spTree>
+    <p:extLst>
+      <p:ext uri="{BB962C8B-B14F-4D97-AF65-F5344CB8AC3E}">
+        <p14:creationId xmlns:p14="http://schemas.microsoft.com/office/powerpoint/2010/main" val="4102197707"/>
+      </p:ext>
+    </p:extLst>
+  </p:cSld>
+  <p:clrMapOvr>
+    <a:masterClrMapping/>
+  </p:clrMapOvr>
+  <p:transition/>
+</p:sld>
+</file>
+
+<file path=ppt/slides/slide25.xml><?xml version="1.0" encoding="utf-8"?>
+<p:sld xmlns:a="http://schemas.openxmlformats.org/drawingml/2006/main" xmlns:r="http://schemas.openxmlformats.org/officeDocument/2006/relationships" xmlns:p="http://schemas.openxmlformats.org/presentationml/2006/main">
+  <p:cSld>
+    <p:spTree>
+      <p:nvGrpSpPr>
+        <p:cNvPr id="1" name=""/>
+        <p:cNvGrpSpPr/>
+        <p:nvPr/>
+      </p:nvGrpSpPr>
+      <p:grpSpPr>
+        <a:xfrm>
+          <a:off x="0" y="0"/>
+          <a:ext cx="0" cy="0"/>
+          <a:chOff x="0" y="0"/>
+          <a:chExt cx="0" cy="0"/>
+        </a:xfrm>
+      </p:grpSpPr>
+      <p:sp>
+        <p:nvSpPr>
+          <p:cNvPr id="4" name="TextBox 3">
+            <a:extLst>
+              <a:ext uri="{FF2B5EF4-FFF2-40B4-BE49-F238E27FC236}">
+                <a16:creationId xmlns:a16="http://schemas.microsoft.com/office/drawing/2014/main" id="{FC925FC0-2C98-4A8B-BAC2-23F81A2A97C0}"/>
+              </a:ext>
+            </a:extLst>
+          </p:cNvPr>
+          <p:cNvSpPr txBox="1"/>
+          <p:nvPr/>
+        </p:nvSpPr>
+        <p:spPr>
+          <a:xfrm>
+            <a:off x="930194" y="1391826"/>
+            <a:ext cx="10587209" cy="461665"/>
+          </a:xfrm>
+          <a:prstGeom prst="rect">
+            <a:avLst/>
+          </a:prstGeom>
+          <a:noFill/>
+        </p:spPr>
+        <p:txBody>
+          <a:bodyPr wrap="square" rtlCol="0">
+            <a:spAutoFit/>
+          </a:bodyPr>
+          <a:lstStyle/>
+          <a:p>
+            <a:pPr algn="l"/>
+            <a:r>
+              <a:rPr lang="en-US" sz="2400" b="1" i="0" dirty="0">
+                <a:solidFill>
+                  <a:srgbClr val="171717"/>
+                </a:solidFill>
+                <a:effectLst/>
+                <a:latin typeface="Segoe UI" panose="020B0502040204020203" pitchFamily="34" charset="0"/>
+              </a:rPr>
+              <a:t>Email Kusto query results</a:t>
+            </a:r>
+          </a:p>
+        </p:txBody>
+      </p:sp>
+      <p:sp>
+        <p:nvSpPr>
+          <p:cNvPr id="7" name="TextBox 6">
+            <a:extLst>
+              <a:ext uri="{FF2B5EF4-FFF2-40B4-BE49-F238E27FC236}">
+                <a16:creationId xmlns:a16="http://schemas.microsoft.com/office/drawing/2014/main" id="{51895C4F-ED05-47FC-9298-E7BC73BB3B7C}"/>
+              </a:ext>
+            </a:extLst>
+          </p:cNvPr>
+          <p:cNvSpPr txBox="1"/>
+          <p:nvPr/>
+        </p:nvSpPr>
+        <p:spPr>
+          <a:xfrm>
+            <a:off x="981658" y="1853491"/>
+            <a:ext cx="10535745" cy="2031325"/>
+          </a:xfrm>
+          <a:prstGeom prst="rect">
+            <a:avLst/>
+          </a:prstGeom>
+          <a:noFill/>
+        </p:spPr>
+        <p:txBody>
+          <a:bodyPr wrap="square">
+            <a:spAutoFit/>
+          </a:bodyPr>
+          <a:lstStyle/>
+          <a:p>
+            <a:pPr algn="l"/>
+            <a:r>
+              <a:rPr lang="en-US" sz="1400" b="0" i="0" dirty="0">
+                <a:solidFill>
+                  <a:srgbClr val="171717"/>
+                </a:solidFill>
+                <a:effectLst/>
+                <a:latin typeface="Segoe UI" panose="020B0502040204020203" pitchFamily="34" charset="0"/>
+              </a:rPr>
+              <a:t>You can include a step in any flow to send reports by email, to any email address.</a:t>
+            </a:r>
+          </a:p>
+          <a:p>
+            <a:pPr algn="l">
+              <a:buFont typeface="+mj-lt"/>
+              <a:buAutoNum type="arabicPeriod"/>
+            </a:pPr>
+            <a:r>
+              <a:rPr lang="en-US" sz="1400" b="0" i="0" dirty="0">
+                <a:solidFill>
+                  <a:srgbClr val="171717"/>
+                </a:solidFill>
+                <a:effectLst/>
+                <a:latin typeface="Segoe UI" panose="020B0502040204020203" pitchFamily="34" charset="0"/>
+              </a:rPr>
+              <a:t>Select </a:t>
+            </a:r>
+            <a:r>
+              <a:rPr lang="en-US" sz="1400" b="1" i="0" dirty="0">
+                <a:solidFill>
+                  <a:srgbClr val="171717"/>
+                </a:solidFill>
+                <a:effectLst/>
+                <a:latin typeface="Segoe UI" panose="020B0502040204020203" pitchFamily="34" charset="0"/>
+              </a:rPr>
+              <a:t>+ New Step</a:t>
+            </a:r>
+            <a:r>
+              <a:rPr lang="en-US" sz="1400" b="0" i="0" dirty="0">
+                <a:solidFill>
+                  <a:srgbClr val="171717"/>
+                </a:solidFill>
+                <a:effectLst/>
+                <a:latin typeface="Segoe UI" panose="020B0502040204020203" pitchFamily="34" charset="0"/>
+              </a:rPr>
+              <a:t> to add a new step to your flow.</a:t>
+            </a:r>
+          </a:p>
+          <a:p>
+            <a:pPr algn="l">
+              <a:buFont typeface="+mj-lt"/>
+              <a:buAutoNum type="arabicPeriod"/>
+            </a:pPr>
+            <a:r>
+              <a:rPr lang="en-US" sz="1400" b="0" i="0" dirty="0">
+                <a:solidFill>
+                  <a:srgbClr val="171717"/>
+                </a:solidFill>
+                <a:effectLst/>
+                <a:latin typeface="Segoe UI" panose="020B0502040204020203" pitchFamily="34" charset="0"/>
+              </a:rPr>
+              <a:t>In the search box, enter </a:t>
+            </a:r>
+            <a:r>
+              <a:rPr lang="en-US" sz="1400" b="0" i="1" dirty="0">
+                <a:solidFill>
+                  <a:srgbClr val="171717"/>
+                </a:solidFill>
+                <a:effectLst/>
+                <a:latin typeface="Segoe UI" panose="020B0502040204020203" pitchFamily="34" charset="0"/>
+              </a:rPr>
+              <a:t>Office 365</a:t>
+            </a:r>
+            <a:r>
+              <a:rPr lang="en-US" sz="1400" b="0" i="0" dirty="0">
+                <a:solidFill>
+                  <a:srgbClr val="171717"/>
+                </a:solidFill>
+                <a:effectLst/>
+                <a:latin typeface="Segoe UI" panose="020B0502040204020203" pitchFamily="34" charset="0"/>
+              </a:rPr>
+              <a:t> and select </a:t>
+            </a:r>
+            <a:r>
+              <a:rPr lang="en-US" sz="1400" b="1" i="0" dirty="0">
+                <a:solidFill>
+                  <a:srgbClr val="171717"/>
+                </a:solidFill>
+                <a:effectLst/>
+                <a:latin typeface="Segoe UI" panose="020B0502040204020203" pitchFamily="34" charset="0"/>
+              </a:rPr>
+              <a:t>Office 365 Outlook</a:t>
+            </a:r>
+            <a:r>
+              <a:rPr lang="en-US" sz="1400" b="0" i="0" dirty="0">
+                <a:solidFill>
+                  <a:srgbClr val="171717"/>
+                </a:solidFill>
+                <a:effectLst/>
+                <a:latin typeface="Segoe UI" panose="020B0502040204020203" pitchFamily="34" charset="0"/>
+              </a:rPr>
+              <a:t>.</a:t>
+            </a:r>
+          </a:p>
+          <a:p>
+            <a:pPr algn="l">
+              <a:buFont typeface="+mj-lt"/>
+              <a:buAutoNum type="arabicPeriod"/>
+            </a:pPr>
+            <a:r>
+              <a:rPr lang="en-US" sz="1400" b="0" i="0" dirty="0">
+                <a:solidFill>
+                  <a:srgbClr val="171717"/>
+                </a:solidFill>
+                <a:effectLst/>
+                <a:latin typeface="Segoe UI" panose="020B0502040204020203" pitchFamily="34" charset="0"/>
+              </a:rPr>
+              <a:t>Select </a:t>
+            </a:r>
+            <a:r>
+              <a:rPr lang="en-US" sz="1400" b="1" i="0" dirty="0">
+                <a:solidFill>
+                  <a:srgbClr val="171717"/>
+                </a:solidFill>
+                <a:effectLst/>
+                <a:latin typeface="Segoe UI" panose="020B0502040204020203" pitchFamily="34" charset="0"/>
+              </a:rPr>
+              <a:t>Send an email (V2)</a:t>
+            </a:r>
+            <a:r>
+              <a:rPr lang="en-US" sz="1400" b="0" i="0" dirty="0">
+                <a:solidFill>
+                  <a:srgbClr val="171717"/>
+                </a:solidFill>
+                <a:effectLst/>
+                <a:latin typeface="Segoe UI" panose="020B0502040204020203" pitchFamily="34" charset="0"/>
+              </a:rPr>
+              <a:t>.</a:t>
+            </a:r>
+          </a:p>
+          <a:p>
+            <a:pPr algn="l">
+              <a:buFont typeface="+mj-lt"/>
+              <a:buAutoNum type="arabicPeriod"/>
+            </a:pPr>
+            <a:r>
+              <a:rPr lang="en-US" sz="1400" b="0" i="0" dirty="0">
+                <a:solidFill>
+                  <a:srgbClr val="171717"/>
+                </a:solidFill>
+                <a:effectLst/>
+                <a:latin typeface="Segoe UI" panose="020B0502040204020203" pitchFamily="34" charset="0"/>
+              </a:rPr>
+              <a:t>Enter the email address to which you want the email report sent.</a:t>
+            </a:r>
+          </a:p>
+          <a:p>
+            <a:pPr algn="l">
+              <a:buFont typeface="+mj-lt"/>
+              <a:buAutoNum type="arabicPeriod"/>
+            </a:pPr>
+            <a:r>
+              <a:rPr lang="en-US" sz="1400" b="0" i="0" dirty="0">
+                <a:solidFill>
+                  <a:srgbClr val="171717"/>
+                </a:solidFill>
+                <a:effectLst/>
+                <a:latin typeface="Segoe UI" panose="020B0502040204020203" pitchFamily="34" charset="0"/>
+              </a:rPr>
+              <a:t>Enter the subject of the email.</a:t>
+            </a:r>
+          </a:p>
+          <a:p>
+            <a:pPr algn="l">
+              <a:buFont typeface="+mj-lt"/>
+              <a:buAutoNum type="arabicPeriod"/>
+            </a:pPr>
+            <a:r>
+              <a:rPr lang="en-US" sz="1400" b="0" i="0" dirty="0">
+                <a:solidFill>
+                  <a:srgbClr val="171717"/>
+                </a:solidFill>
+                <a:effectLst/>
+                <a:latin typeface="Segoe UI" panose="020B0502040204020203" pitchFamily="34" charset="0"/>
+              </a:rPr>
+              <a:t>Select </a:t>
+            </a:r>
+            <a:r>
+              <a:rPr lang="en-US" sz="1400" b="1" i="0" dirty="0">
+                <a:solidFill>
+                  <a:srgbClr val="171717"/>
+                </a:solidFill>
+                <a:effectLst/>
+                <a:latin typeface="Segoe UI" panose="020B0502040204020203" pitchFamily="34" charset="0"/>
+              </a:rPr>
+              <a:t>Code view</a:t>
+            </a:r>
+            <a:r>
+              <a:rPr lang="en-US" sz="1400" b="0" i="0" dirty="0">
+                <a:solidFill>
+                  <a:srgbClr val="171717"/>
+                </a:solidFill>
+                <a:effectLst/>
+                <a:latin typeface="Segoe UI" panose="020B0502040204020203" pitchFamily="34" charset="0"/>
+              </a:rPr>
+              <a:t>.</a:t>
+            </a:r>
+          </a:p>
+          <a:p>
+            <a:pPr algn="l">
+              <a:buFont typeface="+mj-lt"/>
+              <a:buAutoNum type="arabicPeriod"/>
+            </a:pPr>
+            <a:r>
+              <a:rPr lang="en-US" sz="1400" b="0" i="0" dirty="0">
+                <a:solidFill>
+                  <a:srgbClr val="171717"/>
+                </a:solidFill>
+                <a:effectLst/>
+                <a:latin typeface="Segoe UI" panose="020B0502040204020203" pitchFamily="34" charset="0"/>
+              </a:rPr>
+              <a:t>Place your cursor in the </a:t>
+            </a:r>
+            <a:r>
+              <a:rPr lang="en-US" sz="1400" b="1" i="0" dirty="0">
+                <a:solidFill>
+                  <a:srgbClr val="171717"/>
+                </a:solidFill>
+                <a:effectLst/>
+                <a:latin typeface="Segoe UI" panose="020B0502040204020203" pitchFamily="34" charset="0"/>
+              </a:rPr>
+              <a:t>Body</a:t>
+            </a:r>
+            <a:r>
+              <a:rPr lang="en-US" sz="1400" b="0" i="0" dirty="0">
+                <a:solidFill>
+                  <a:srgbClr val="171717"/>
+                </a:solidFill>
+                <a:effectLst/>
+                <a:latin typeface="Segoe UI" panose="020B0502040204020203" pitchFamily="34" charset="0"/>
+              </a:rPr>
+              <a:t> field, and select </a:t>
+            </a:r>
+            <a:r>
+              <a:rPr lang="en-US" sz="1400" b="1" i="0" dirty="0">
+                <a:solidFill>
+                  <a:srgbClr val="171717"/>
+                </a:solidFill>
+                <a:effectLst/>
+                <a:latin typeface="Segoe UI" panose="020B0502040204020203" pitchFamily="34" charset="0"/>
+              </a:rPr>
+              <a:t>Add dynamic content</a:t>
+            </a:r>
+            <a:r>
+              <a:rPr lang="en-US" sz="1400" b="0" i="0" dirty="0">
+                <a:solidFill>
+                  <a:srgbClr val="171717"/>
+                </a:solidFill>
+                <a:effectLst/>
+                <a:latin typeface="Segoe UI" panose="020B0502040204020203" pitchFamily="34" charset="0"/>
+              </a:rPr>
+              <a:t>.</a:t>
+            </a:r>
+          </a:p>
+          <a:p>
+            <a:pPr algn="l">
+              <a:buFont typeface="+mj-lt"/>
+              <a:buAutoNum type="arabicPeriod"/>
+            </a:pPr>
+            <a:r>
+              <a:rPr lang="en-US" sz="1400" b="0" i="0" dirty="0">
+                <a:solidFill>
+                  <a:srgbClr val="171717"/>
+                </a:solidFill>
+                <a:effectLst/>
+                <a:latin typeface="Segoe UI" panose="020B0502040204020203" pitchFamily="34" charset="0"/>
+              </a:rPr>
+              <a:t>Select </a:t>
+            </a:r>
+            <a:r>
+              <a:rPr lang="en-US" sz="1400" b="1" i="0" dirty="0" err="1">
+                <a:solidFill>
+                  <a:srgbClr val="171717"/>
+                </a:solidFill>
+                <a:effectLst/>
+                <a:latin typeface="Segoe UI" panose="020B0502040204020203" pitchFamily="34" charset="0"/>
+              </a:rPr>
+              <a:t>BodyHtml</a:t>
+            </a:r>
+            <a:r>
+              <a:rPr lang="en-US" sz="1400" b="0" i="0" dirty="0">
+                <a:solidFill>
+                  <a:srgbClr val="171717"/>
+                </a:solidFill>
+                <a:effectLst/>
+                <a:latin typeface="Segoe UI" panose="020B0502040204020203" pitchFamily="34" charset="0"/>
+              </a:rPr>
+              <a:t>.</a:t>
+            </a:r>
+          </a:p>
+        </p:txBody>
+      </p:sp>
+      <p:pic>
+        <p:nvPicPr>
+          <p:cNvPr id="9" name="Picture 8">
+            <a:extLst>
+              <a:ext uri="{FF2B5EF4-FFF2-40B4-BE49-F238E27FC236}">
+                <a16:creationId xmlns:a16="http://schemas.microsoft.com/office/drawing/2014/main" id="{94B8184F-3CE8-41B4-88B8-50ED1E35B7B2}"/>
+              </a:ext>
+            </a:extLst>
+          </p:cNvPr>
+          <p:cNvPicPr>
+            <a:picLocks noChangeAspect="1"/>
+          </p:cNvPicPr>
+          <p:nvPr/>
+        </p:nvPicPr>
+        <p:blipFill>
+          <a:blip r:embed="rId2"/>
+          <a:stretch>
+            <a:fillRect/>
+          </a:stretch>
+        </p:blipFill>
+        <p:spPr>
+          <a:xfrm>
+            <a:off x="755781" y="3884816"/>
+            <a:ext cx="9134668" cy="2495744"/>
+          </a:xfrm>
+          <a:prstGeom prst="rect">
+            <a:avLst/>
+          </a:prstGeom>
+        </p:spPr>
+      </p:pic>
+    </p:spTree>
+    <p:extLst>
+      <p:ext uri="{BB962C8B-B14F-4D97-AF65-F5344CB8AC3E}">
+        <p14:creationId xmlns:p14="http://schemas.microsoft.com/office/powerpoint/2010/main" val="3791584056"/>
+      </p:ext>
+    </p:extLst>
+  </p:cSld>
+  <p:clrMapOvr>
+    <a:masterClrMapping/>
+  </p:clrMapOvr>
+  <p:transition/>
+</p:sld>
+</file>
+
+<file path=ppt/slides/slide26.xml><?xml version="1.0" encoding="utf-8"?>
+<p:sld xmlns:a="http://schemas.openxmlformats.org/drawingml/2006/main" xmlns:r="http://schemas.openxmlformats.org/officeDocument/2006/relationships" xmlns:p="http://schemas.openxmlformats.org/presentationml/2006/main">
+  <p:cSld>
+    <p:spTree>
+      <p:nvGrpSpPr>
+        <p:cNvPr id="1" name=""/>
+        <p:cNvGrpSpPr/>
+        <p:nvPr/>
+      </p:nvGrpSpPr>
+      <p:grpSpPr>
+        <a:xfrm>
+          <a:off x="0" y="0"/>
+          <a:ext cx="0" cy="0"/>
+          <a:chOff x="0" y="0"/>
+          <a:chExt cx="0" cy="0"/>
+        </a:xfrm>
+      </p:grpSpPr>
+      <p:sp>
+        <p:nvSpPr>
+          <p:cNvPr id="4" name="TextBox 3">
+            <a:extLst>
+              <a:ext uri="{FF2B5EF4-FFF2-40B4-BE49-F238E27FC236}">
+                <a16:creationId xmlns:a16="http://schemas.microsoft.com/office/drawing/2014/main" id="{FC925FC0-2C98-4A8B-BAC2-23F81A2A97C0}"/>
+              </a:ext>
+            </a:extLst>
+          </p:cNvPr>
+          <p:cNvSpPr txBox="1"/>
+          <p:nvPr/>
+        </p:nvSpPr>
+        <p:spPr>
+          <a:xfrm>
+            <a:off x="930194" y="1391826"/>
+            <a:ext cx="10587209" cy="461665"/>
+          </a:xfrm>
+          <a:prstGeom prst="rect">
+            <a:avLst/>
+          </a:prstGeom>
+          <a:noFill/>
+        </p:spPr>
+        <p:txBody>
+          <a:bodyPr wrap="square" rtlCol="0">
+            <a:spAutoFit/>
+          </a:bodyPr>
+          <a:lstStyle/>
+          <a:p>
+            <a:pPr algn="l"/>
+            <a:r>
+              <a:rPr lang="en-US" sz="2400" b="1" i="0" dirty="0">
+                <a:solidFill>
+                  <a:srgbClr val="171717"/>
+                </a:solidFill>
+                <a:effectLst/>
+                <a:latin typeface="Segoe UI" panose="020B0502040204020203" pitchFamily="34" charset="0"/>
+              </a:rPr>
+              <a:t>Email Kusto query results</a:t>
+            </a:r>
+          </a:p>
+        </p:txBody>
+      </p:sp>
+      <p:sp>
+        <p:nvSpPr>
+          <p:cNvPr id="6" name="TextBox 5">
+            <a:extLst>
+              <a:ext uri="{FF2B5EF4-FFF2-40B4-BE49-F238E27FC236}">
+                <a16:creationId xmlns:a16="http://schemas.microsoft.com/office/drawing/2014/main" id="{102950F6-480E-4E80-85C1-DB923C2E37B2}"/>
+              </a:ext>
+            </a:extLst>
+          </p:cNvPr>
+          <p:cNvSpPr txBox="1"/>
+          <p:nvPr/>
+        </p:nvSpPr>
+        <p:spPr>
+          <a:xfrm>
+            <a:off x="856084" y="1938936"/>
+            <a:ext cx="8987712" cy="1384995"/>
+          </a:xfrm>
+          <a:prstGeom prst="rect">
+            <a:avLst/>
+          </a:prstGeom>
+          <a:noFill/>
+        </p:spPr>
+        <p:txBody>
+          <a:bodyPr wrap="square">
+            <a:spAutoFit/>
+          </a:bodyPr>
+          <a:lstStyle/>
+          <a:p>
+            <a:pPr algn="l">
+              <a:buFont typeface="+mj-lt"/>
+              <a:buAutoNum type="arabicPeriod"/>
+            </a:pPr>
+            <a:r>
+              <a:rPr lang="en-US" sz="1400" b="0" i="0" dirty="0">
+                <a:solidFill>
+                  <a:srgbClr val="171717"/>
+                </a:solidFill>
+                <a:effectLst/>
+                <a:latin typeface="Segoe UI" panose="020B0502040204020203" pitchFamily="34" charset="0"/>
+              </a:rPr>
+              <a:t>Select </a:t>
+            </a:r>
+            <a:r>
+              <a:rPr lang="en-US" sz="1400" b="1" i="0" dirty="0">
+                <a:solidFill>
+                  <a:srgbClr val="171717"/>
+                </a:solidFill>
+                <a:effectLst/>
+                <a:latin typeface="Segoe UI" panose="020B0502040204020203" pitchFamily="34" charset="0"/>
+              </a:rPr>
+              <a:t>Show advanced options</a:t>
+            </a:r>
+            <a:r>
+              <a:rPr lang="en-US" sz="1400" b="0" i="0" dirty="0">
+                <a:solidFill>
+                  <a:srgbClr val="171717"/>
+                </a:solidFill>
+                <a:effectLst/>
+                <a:latin typeface="Segoe UI" panose="020B0502040204020203" pitchFamily="34" charset="0"/>
+              </a:rPr>
+              <a:t>.</a:t>
+            </a:r>
+          </a:p>
+          <a:p>
+            <a:pPr algn="l">
+              <a:buFont typeface="+mj-lt"/>
+              <a:buAutoNum type="arabicPeriod"/>
+            </a:pPr>
+            <a:r>
+              <a:rPr lang="en-US" sz="1400" b="0" i="0" dirty="0">
+                <a:solidFill>
+                  <a:srgbClr val="171717"/>
+                </a:solidFill>
+                <a:effectLst/>
+                <a:latin typeface="Segoe UI" panose="020B0502040204020203" pitchFamily="34" charset="0"/>
+              </a:rPr>
+              <a:t>Under </a:t>
+            </a:r>
+            <a:r>
+              <a:rPr lang="en-US" sz="1400" b="1" i="0" dirty="0">
+                <a:solidFill>
+                  <a:srgbClr val="171717"/>
+                </a:solidFill>
+                <a:effectLst/>
+                <a:latin typeface="Segoe UI" panose="020B0502040204020203" pitchFamily="34" charset="0"/>
+              </a:rPr>
+              <a:t>Attachments Name -1</a:t>
+            </a:r>
+            <a:r>
+              <a:rPr lang="en-US" sz="1400" b="0" i="0" dirty="0">
+                <a:solidFill>
+                  <a:srgbClr val="171717"/>
+                </a:solidFill>
+                <a:effectLst/>
+                <a:latin typeface="Segoe UI" panose="020B0502040204020203" pitchFamily="34" charset="0"/>
+              </a:rPr>
+              <a:t>, select </a:t>
+            </a:r>
+            <a:r>
+              <a:rPr lang="en-US" sz="1400" b="1" i="0" dirty="0">
+                <a:solidFill>
+                  <a:srgbClr val="171717"/>
+                </a:solidFill>
+                <a:effectLst/>
+                <a:latin typeface="Segoe UI" panose="020B0502040204020203" pitchFamily="34" charset="0"/>
+              </a:rPr>
+              <a:t>Attachment Name</a:t>
+            </a:r>
+            <a:r>
+              <a:rPr lang="en-US" sz="1400" b="0" i="0" dirty="0">
+                <a:solidFill>
+                  <a:srgbClr val="171717"/>
+                </a:solidFill>
+                <a:effectLst/>
+                <a:latin typeface="Segoe UI" panose="020B0502040204020203" pitchFamily="34" charset="0"/>
+              </a:rPr>
+              <a:t>.</a:t>
+            </a:r>
+          </a:p>
+          <a:p>
+            <a:pPr algn="l">
+              <a:buFont typeface="+mj-lt"/>
+              <a:buAutoNum type="arabicPeriod"/>
+            </a:pPr>
+            <a:r>
+              <a:rPr lang="en-US" sz="1400" b="0" i="0" dirty="0">
+                <a:solidFill>
+                  <a:srgbClr val="171717"/>
+                </a:solidFill>
+                <a:effectLst/>
+                <a:latin typeface="Segoe UI" panose="020B0502040204020203" pitchFamily="34" charset="0"/>
+              </a:rPr>
+              <a:t>Under </a:t>
+            </a:r>
+            <a:r>
+              <a:rPr lang="en-US" sz="1400" b="1" i="0" dirty="0">
+                <a:solidFill>
+                  <a:srgbClr val="171717"/>
+                </a:solidFill>
+                <a:effectLst/>
+                <a:latin typeface="Segoe UI" panose="020B0502040204020203" pitchFamily="34" charset="0"/>
+              </a:rPr>
+              <a:t>Attachments Content</a:t>
+            </a:r>
+            <a:r>
+              <a:rPr lang="en-US" sz="1400" b="0" i="0" dirty="0">
+                <a:solidFill>
+                  <a:srgbClr val="171717"/>
+                </a:solidFill>
+                <a:effectLst/>
+                <a:latin typeface="Segoe UI" panose="020B0502040204020203" pitchFamily="34" charset="0"/>
+              </a:rPr>
+              <a:t>, select </a:t>
+            </a:r>
+            <a:r>
+              <a:rPr lang="en-US" sz="1400" b="1" i="0" dirty="0">
+                <a:solidFill>
+                  <a:srgbClr val="171717"/>
+                </a:solidFill>
+                <a:effectLst/>
+                <a:latin typeface="Segoe UI" panose="020B0502040204020203" pitchFamily="34" charset="0"/>
+              </a:rPr>
+              <a:t>Attachment Content</a:t>
+            </a:r>
+            <a:r>
+              <a:rPr lang="en-US" sz="1400" b="0" i="0" dirty="0">
+                <a:solidFill>
+                  <a:srgbClr val="171717"/>
+                </a:solidFill>
+                <a:effectLst/>
+                <a:latin typeface="Segoe UI" panose="020B0502040204020203" pitchFamily="34" charset="0"/>
+              </a:rPr>
+              <a:t>.</a:t>
+            </a:r>
+          </a:p>
+          <a:p>
+            <a:pPr algn="l">
+              <a:buFont typeface="+mj-lt"/>
+              <a:buAutoNum type="arabicPeriod"/>
+            </a:pPr>
+            <a:r>
+              <a:rPr lang="en-US" sz="1400" b="0" i="0" dirty="0">
+                <a:solidFill>
+                  <a:srgbClr val="171717"/>
+                </a:solidFill>
+                <a:effectLst/>
+                <a:latin typeface="Segoe UI" panose="020B0502040204020203" pitchFamily="34" charset="0"/>
+              </a:rPr>
+              <a:t>If necessary, add more attachments.</a:t>
+            </a:r>
+          </a:p>
+          <a:p>
+            <a:pPr algn="l">
+              <a:buFont typeface="+mj-lt"/>
+              <a:buAutoNum type="arabicPeriod"/>
+            </a:pPr>
+            <a:r>
+              <a:rPr lang="en-US" sz="1400" b="0" i="0" dirty="0">
+                <a:solidFill>
+                  <a:srgbClr val="171717"/>
+                </a:solidFill>
+                <a:effectLst/>
+                <a:latin typeface="Segoe UI" panose="020B0502040204020203" pitchFamily="34" charset="0"/>
+              </a:rPr>
+              <a:t>If necessary, set the importance level.</a:t>
+            </a:r>
+          </a:p>
+          <a:p>
+            <a:pPr algn="l">
+              <a:buFont typeface="+mj-lt"/>
+              <a:buAutoNum type="arabicPeriod"/>
+            </a:pPr>
+            <a:r>
+              <a:rPr lang="en-US" sz="1400" b="0" i="0" dirty="0">
+                <a:solidFill>
+                  <a:srgbClr val="171717"/>
+                </a:solidFill>
+                <a:effectLst/>
+                <a:latin typeface="Segoe UI" panose="020B0502040204020203" pitchFamily="34" charset="0"/>
+              </a:rPr>
+              <a:t>Select </a:t>
+            </a:r>
+            <a:r>
+              <a:rPr lang="en-US" sz="1400" b="1" i="0" dirty="0">
+                <a:solidFill>
+                  <a:srgbClr val="171717"/>
+                </a:solidFill>
+                <a:effectLst/>
+                <a:latin typeface="Segoe UI" panose="020B0502040204020203" pitchFamily="34" charset="0"/>
+              </a:rPr>
+              <a:t>Save</a:t>
+            </a:r>
+            <a:r>
+              <a:rPr lang="en-US" sz="1400" b="0" i="0" dirty="0">
+                <a:solidFill>
+                  <a:srgbClr val="171717"/>
+                </a:solidFill>
+                <a:effectLst/>
+                <a:latin typeface="Segoe UI" panose="020B0502040204020203" pitchFamily="34" charset="0"/>
+              </a:rPr>
+              <a:t>.</a:t>
+            </a:r>
+          </a:p>
+        </p:txBody>
+      </p:sp>
+      <p:pic>
+        <p:nvPicPr>
+          <p:cNvPr id="5" name="Picture 4">
+            <a:extLst>
+              <a:ext uri="{FF2B5EF4-FFF2-40B4-BE49-F238E27FC236}">
+                <a16:creationId xmlns:a16="http://schemas.microsoft.com/office/drawing/2014/main" id="{1F031C29-7741-43C2-BD35-C2BEE0240DB9}"/>
+              </a:ext>
+            </a:extLst>
+          </p:cNvPr>
+          <p:cNvPicPr>
+            <a:picLocks noChangeAspect="1"/>
+          </p:cNvPicPr>
+          <p:nvPr/>
+        </p:nvPicPr>
+        <p:blipFill>
+          <a:blip r:embed="rId2"/>
+          <a:stretch>
+            <a:fillRect/>
+          </a:stretch>
+        </p:blipFill>
+        <p:spPr>
+          <a:xfrm>
+            <a:off x="930194" y="3337326"/>
+            <a:ext cx="3157883" cy="3470988"/>
+          </a:xfrm>
+          <a:prstGeom prst="rect">
+            <a:avLst/>
+          </a:prstGeom>
+        </p:spPr>
+      </p:pic>
+    </p:spTree>
+    <p:extLst>
+      <p:ext uri="{BB962C8B-B14F-4D97-AF65-F5344CB8AC3E}">
+        <p14:creationId xmlns:p14="http://schemas.microsoft.com/office/powerpoint/2010/main" val="2239741866"/>
+      </p:ext>
+    </p:extLst>
+  </p:cSld>
+  <p:clrMapOvr>
+    <a:masterClrMapping/>
+  </p:clrMapOvr>
+  <p:transition/>
+</p:sld>
+</file>
+
+<file path=ppt/slides/slide27.xml><?xml version="1.0" encoding="utf-8"?>
+<p:sld xmlns:a="http://schemas.openxmlformats.org/drawingml/2006/main" xmlns:r="http://schemas.openxmlformats.org/officeDocument/2006/relationships" xmlns:p="http://schemas.openxmlformats.org/presentationml/2006/main">
+  <p:cSld>
+    <p:spTree>
+      <p:nvGrpSpPr>
+        <p:cNvPr id="1" name=""/>
+        <p:cNvGrpSpPr/>
+        <p:nvPr/>
+      </p:nvGrpSpPr>
+      <p:grpSpPr>
+        <a:xfrm>
+          <a:off x="0" y="0"/>
+          <a:ext cx="0" cy="0"/>
+          <a:chOff x="0" y="0"/>
+          <a:chExt cx="0" cy="0"/>
+        </a:xfrm>
+      </p:grpSpPr>
+      <p:sp>
+        <p:nvSpPr>
+          <p:cNvPr id="4" name="TextBox 3">
+            <a:extLst>
+              <a:ext uri="{FF2B5EF4-FFF2-40B4-BE49-F238E27FC236}">
+                <a16:creationId xmlns:a16="http://schemas.microsoft.com/office/drawing/2014/main" id="{FC925FC0-2C98-4A8B-BAC2-23F81A2A97C0}"/>
+              </a:ext>
+            </a:extLst>
+          </p:cNvPr>
+          <p:cNvSpPr txBox="1"/>
+          <p:nvPr/>
+        </p:nvSpPr>
+        <p:spPr>
+          <a:xfrm>
+            <a:off x="930194" y="1391826"/>
+            <a:ext cx="10587209" cy="461665"/>
+          </a:xfrm>
+          <a:prstGeom prst="rect">
+            <a:avLst/>
+          </a:prstGeom>
+          <a:noFill/>
+        </p:spPr>
+        <p:txBody>
+          <a:bodyPr wrap="square" rtlCol="0">
+            <a:spAutoFit/>
+          </a:bodyPr>
+          <a:lstStyle/>
+          <a:p>
+            <a:pPr algn="l"/>
+            <a:r>
+              <a:rPr lang="en-US" sz="2400" b="1" i="0" dirty="0">
+                <a:solidFill>
+                  <a:srgbClr val="171717"/>
+                </a:solidFill>
+                <a:effectLst/>
+                <a:latin typeface="Segoe UI" panose="020B0502040204020203" pitchFamily="34" charset="0"/>
+              </a:rPr>
+              <a:t>Create an Azure Data Explorer connection</a:t>
+            </a:r>
+          </a:p>
+        </p:txBody>
+      </p:sp>
+      <p:sp>
+        <p:nvSpPr>
+          <p:cNvPr id="6" name="TextBox 5">
+            <a:extLst>
+              <a:ext uri="{FF2B5EF4-FFF2-40B4-BE49-F238E27FC236}">
+                <a16:creationId xmlns:a16="http://schemas.microsoft.com/office/drawing/2014/main" id="{102950F6-480E-4E80-85C1-DB923C2E37B2}"/>
+              </a:ext>
+            </a:extLst>
+          </p:cNvPr>
+          <p:cNvSpPr txBox="1"/>
+          <p:nvPr/>
+        </p:nvSpPr>
+        <p:spPr>
+          <a:xfrm>
+            <a:off x="856084" y="1938936"/>
+            <a:ext cx="8987712" cy="1600438"/>
+          </a:xfrm>
+          <a:prstGeom prst="rect">
+            <a:avLst/>
+          </a:prstGeom>
+          <a:noFill/>
+        </p:spPr>
+        <p:txBody>
+          <a:bodyPr wrap="square">
+            <a:spAutoFit/>
+          </a:bodyPr>
+          <a:lstStyle/>
+          <a:p>
+            <a:pPr algn="l"/>
+            <a:r>
+              <a:rPr lang="en-US" sz="1400" b="0" i="0" dirty="0">
+                <a:solidFill>
+                  <a:srgbClr val="171717"/>
+                </a:solidFill>
+                <a:effectLst/>
+                <a:latin typeface="Segoe UI" panose="020B0502040204020203" pitchFamily="34" charset="0"/>
+              </a:rPr>
+              <a:t>To run a flow that contains an Azure Data Explorer connector, you must use a valid Azure Data Explorer </a:t>
+            </a:r>
+            <a:r>
+              <a:rPr lang="en-US" sz="1400" b="0" i="0" u="none" strike="noStrike" dirty="0">
+                <a:solidFill>
+                  <a:srgbClr val="171717"/>
+                </a:solidFill>
+                <a:effectLst/>
+                <a:latin typeface="Segoe UI" panose="020B0502040204020203" pitchFamily="34" charset="0"/>
+                <a:hlinkClick r:id="rId2"/>
+              </a:rPr>
+              <a:t>connection</a:t>
+            </a:r>
+            <a:r>
+              <a:rPr lang="en-US" sz="1400" b="0" i="0" dirty="0">
+                <a:solidFill>
+                  <a:srgbClr val="171717"/>
+                </a:solidFill>
+                <a:effectLst/>
+                <a:latin typeface="Segoe UI" panose="020B0502040204020203" pitchFamily="34" charset="0"/>
+              </a:rPr>
+              <a:t>. You can create and authenticate a new connection from the Power Automate left pane, select </a:t>
+            </a:r>
+            <a:r>
+              <a:rPr lang="en-US" sz="1400" b="1" i="0" dirty="0">
+                <a:solidFill>
+                  <a:srgbClr val="171717"/>
+                </a:solidFill>
+                <a:effectLst/>
+                <a:latin typeface="Segoe UI" panose="020B0502040204020203" pitchFamily="34" charset="0"/>
+              </a:rPr>
+              <a:t>Data</a:t>
+            </a:r>
+            <a:r>
+              <a:rPr lang="en-US" sz="1400" b="0" i="0" dirty="0">
+                <a:solidFill>
+                  <a:srgbClr val="171717"/>
+                </a:solidFill>
+                <a:effectLst/>
+                <a:latin typeface="Segoe UI" panose="020B0502040204020203" pitchFamily="34" charset="0"/>
+              </a:rPr>
+              <a:t> &gt; </a:t>
+            </a:r>
+            <a:r>
+              <a:rPr lang="en-US" sz="1400" b="0" i="0" u="none" strike="noStrike" dirty="0">
+                <a:solidFill>
+                  <a:srgbClr val="171717"/>
+                </a:solidFill>
+                <a:effectLst/>
+                <a:latin typeface="Segoe UI" panose="020B0502040204020203" pitchFamily="34" charset="0"/>
+                <a:hlinkClick r:id="rId2"/>
+              </a:rPr>
+              <a:t>Connections</a:t>
+            </a:r>
+            <a:r>
+              <a:rPr lang="en-US" sz="1400" b="0" i="0" dirty="0">
+                <a:solidFill>
+                  <a:srgbClr val="171717"/>
+                </a:solidFill>
+                <a:effectLst/>
+                <a:latin typeface="Segoe UI" panose="020B0502040204020203" pitchFamily="34" charset="0"/>
+              </a:rPr>
+              <a:t> or from within the flow, by selecting the Azure Data Explorer connector's menu &gt; </a:t>
+            </a:r>
+            <a:r>
+              <a:rPr lang="en-US" sz="1400" b="1" i="0" dirty="0">
+                <a:solidFill>
+                  <a:srgbClr val="171717"/>
+                </a:solidFill>
+                <a:effectLst/>
+                <a:latin typeface="Segoe UI" panose="020B0502040204020203" pitchFamily="34" charset="0"/>
+              </a:rPr>
+              <a:t>Add new connection</a:t>
+            </a:r>
+            <a:r>
+              <a:rPr lang="en-US" sz="1400" b="0" i="0" dirty="0">
+                <a:solidFill>
+                  <a:srgbClr val="171717"/>
+                </a:solidFill>
+                <a:effectLst/>
+                <a:latin typeface="Segoe UI" panose="020B0502040204020203" pitchFamily="34" charset="0"/>
+              </a:rPr>
+              <a:t>.</a:t>
+            </a:r>
+          </a:p>
+          <a:p>
+            <a:pPr algn="l"/>
+            <a:r>
+              <a:rPr lang="en-US" sz="1400" b="0" i="0" dirty="0">
+                <a:solidFill>
+                  <a:srgbClr val="171717"/>
+                </a:solidFill>
+                <a:effectLst/>
+                <a:latin typeface="Segoe UI" panose="020B0502040204020203" pitchFamily="34" charset="0"/>
+              </a:rPr>
+              <a:t>The following steps show how to create a connection from within a flow.</a:t>
+            </a:r>
+          </a:p>
+          <a:p>
+            <a:br>
+              <a:rPr lang="en-US" sz="1400" b="0" i="0" dirty="0">
+                <a:solidFill>
+                  <a:srgbClr val="171717"/>
+                </a:solidFill>
+                <a:effectLst/>
+                <a:latin typeface="Segoe UI" panose="020B0502040204020203" pitchFamily="34" charset="0"/>
+              </a:rPr>
+            </a:br>
+            <a:endParaRPr lang="en-US" sz="1400" b="0" i="0" dirty="0">
+              <a:solidFill>
+                <a:srgbClr val="171717"/>
+              </a:solidFill>
+              <a:effectLst/>
+              <a:latin typeface="Segoe UI" panose="020B0502040204020203" pitchFamily="34" charset="0"/>
+            </a:endParaRPr>
+          </a:p>
+        </p:txBody>
+      </p:sp>
+      <p:sp>
+        <p:nvSpPr>
+          <p:cNvPr id="2" name="TextBox 1">
+            <a:extLst>
+              <a:ext uri="{FF2B5EF4-FFF2-40B4-BE49-F238E27FC236}">
+                <a16:creationId xmlns:a16="http://schemas.microsoft.com/office/drawing/2014/main" id="{757BE415-E660-4CEA-95D9-7050C3421228}"/>
+              </a:ext>
+            </a:extLst>
+          </p:cNvPr>
+          <p:cNvSpPr txBox="1"/>
+          <p:nvPr/>
+        </p:nvSpPr>
+        <p:spPr>
+          <a:xfrm>
+            <a:off x="930194" y="3317042"/>
+            <a:ext cx="8966719" cy="307777"/>
+          </a:xfrm>
+          <a:prstGeom prst="rect">
+            <a:avLst/>
+          </a:prstGeom>
+          <a:noFill/>
+        </p:spPr>
+        <p:txBody>
+          <a:bodyPr wrap="square" rtlCol="0">
+            <a:spAutoFit/>
+          </a:bodyPr>
+          <a:lstStyle/>
+          <a:p>
+            <a:r>
+              <a:rPr lang="en-US" sz="1400" b="0" i="0" dirty="0">
+                <a:solidFill>
+                  <a:srgbClr val="171717"/>
+                </a:solidFill>
+                <a:effectLst/>
+                <a:latin typeface="Segoe UI" panose="020B0502040204020203" pitchFamily="34" charset="0"/>
+              </a:rPr>
+              <a:t>In </a:t>
+            </a:r>
+            <a:r>
+              <a:rPr lang="en-US" sz="1400" b="1" i="0" dirty="0">
+                <a:solidFill>
+                  <a:srgbClr val="171717"/>
+                </a:solidFill>
+                <a:effectLst/>
+                <a:latin typeface="Segoe UI" panose="020B0502040204020203" pitchFamily="34" charset="0"/>
+              </a:rPr>
+              <a:t>Run KQL query</a:t>
+            </a:r>
+            <a:r>
+              <a:rPr lang="en-US" sz="1400" b="0" i="0" dirty="0">
+                <a:solidFill>
+                  <a:srgbClr val="171717"/>
+                </a:solidFill>
+                <a:effectLst/>
+                <a:latin typeface="Segoe UI" panose="020B0502040204020203" pitchFamily="34" charset="0"/>
+              </a:rPr>
+              <a:t>, select the three dots at the top right of the power automate connector.</a:t>
+            </a:r>
+            <a:endParaRPr lang="en-US" sz="1400" dirty="0"/>
+          </a:p>
+        </p:txBody>
+      </p:sp>
+      <p:pic>
+        <p:nvPicPr>
+          <p:cNvPr id="7" name="Picture 6">
+            <a:extLst>
+              <a:ext uri="{FF2B5EF4-FFF2-40B4-BE49-F238E27FC236}">
+                <a16:creationId xmlns:a16="http://schemas.microsoft.com/office/drawing/2014/main" id="{A0D4B396-34DD-4887-9917-14E76B173DD6}"/>
+              </a:ext>
+            </a:extLst>
+          </p:cNvPr>
+          <p:cNvPicPr>
+            <a:picLocks noChangeAspect="1"/>
+          </p:cNvPicPr>
+          <p:nvPr/>
+        </p:nvPicPr>
+        <p:blipFill>
+          <a:blip r:embed="rId3"/>
+          <a:stretch>
+            <a:fillRect/>
+          </a:stretch>
+        </p:blipFill>
+        <p:spPr>
+          <a:xfrm>
+            <a:off x="606393" y="3784355"/>
+            <a:ext cx="9582636" cy="2608030"/>
+          </a:xfrm>
+          <a:prstGeom prst="rect">
+            <a:avLst/>
+          </a:prstGeom>
+        </p:spPr>
+      </p:pic>
+    </p:spTree>
+    <p:extLst>
+      <p:ext uri="{BB962C8B-B14F-4D97-AF65-F5344CB8AC3E}">
+        <p14:creationId xmlns:p14="http://schemas.microsoft.com/office/powerpoint/2010/main" val="2107357641"/>
+      </p:ext>
+    </p:extLst>
+  </p:cSld>
+  <p:clrMapOvr>
+    <a:masterClrMapping/>
+  </p:clrMapOvr>
+  <p:transition/>
+</p:sld>
+</file>
+
+<file path=ppt/slides/slide28.xml><?xml version="1.0" encoding="utf-8"?>
+<p:sld xmlns:a="http://schemas.openxmlformats.org/drawingml/2006/main" xmlns:r="http://schemas.openxmlformats.org/officeDocument/2006/relationships" xmlns:p="http://schemas.openxmlformats.org/presentationml/2006/main">
+  <p:cSld>
+    <p:spTree>
+      <p:nvGrpSpPr>
+        <p:cNvPr id="1" name=""/>
+        <p:cNvGrpSpPr/>
+        <p:nvPr/>
+      </p:nvGrpSpPr>
+      <p:grpSpPr>
+        <a:xfrm>
+          <a:off x="0" y="0"/>
+          <a:ext cx="0" cy="0"/>
+          <a:chOff x="0" y="0"/>
+          <a:chExt cx="0" cy="0"/>
+        </a:xfrm>
+      </p:grpSpPr>
+      <p:sp>
+        <p:nvSpPr>
+          <p:cNvPr id="4" name="TextBox 3">
+            <a:extLst>
+              <a:ext uri="{FF2B5EF4-FFF2-40B4-BE49-F238E27FC236}">
+                <a16:creationId xmlns:a16="http://schemas.microsoft.com/office/drawing/2014/main" id="{FC925FC0-2C98-4A8B-BAC2-23F81A2A97C0}"/>
+              </a:ext>
+            </a:extLst>
+          </p:cNvPr>
+          <p:cNvSpPr txBox="1"/>
+          <p:nvPr/>
+        </p:nvSpPr>
+        <p:spPr>
+          <a:xfrm>
+            <a:off x="930194" y="1391826"/>
+            <a:ext cx="10587209" cy="461665"/>
+          </a:xfrm>
+          <a:prstGeom prst="rect">
+            <a:avLst/>
+          </a:prstGeom>
+          <a:noFill/>
+        </p:spPr>
+        <p:txBody>
+          <a:bodyPr wrap="square" rtlCol="0">
+            <a:spAutoFit/>
+          </a:bodyPr>
+          <a:lstStyle/>
+          <a:p>
+            <a:pPr algn="l"/>
+            <a:r>
+              <a:rPr lang="en-US" sz="2400" b="1" i="0" dirty="0">
+                <a:solidFill>
+                  <a:srgbClr val="171717"/>
+                </a:solidFill>
+                <a:effectLst/>
+                <a:latin typeface="Segoe UI" panose="020B0502040204020203" pitchFamily="34" charset="0"/>
+              </a:rPr>
+              <a:t>Create an Azure Data Explorer connection</a:t>
+            </a:r>
+          </a:p>
+        </p:txBody>
+      </p:sp>
+      <p:sp>
+        <p:nvSpPr>
+          <p:cNvPr id="8" name="TextBox 7">
+            <a:extLst>
+              <a:ext uri="{FF2B5EF4-FFF2-40B4-BE49-F238E27FC236}">
+                <a16:creationId xmlns:a16="http://schemas.microsoft.com/office/drawing/2014/main" id="{E6189D3B-B044-40A8-AAE7-F2379EAA56BA}"/>
+              </a:ext>
+            </a:extLst>
+          </p:cNvPr>
+          <p:cNvSpPr txBox="1"/>
+          <p:nvPr/>
+        </p:nvSpPr>
+        <p:spPr>
+          <a:xfrm>
+            <a:off x="1210647" y="2015612"/>
+            <a:ext cx="6097554" cy="523220"/>
+          </a:xfrm>
+          <a:prstGeom prst="rect">
+            <a:avLst/>
+          </a:prstGeom>
+          <a:noFill/>
+        </p:spPr>
+        <p:txBody>
+          <a:bodyPr wrap="square">
+            <a:spAutoFit/>
+          </a:bodyPr>
+          <a:lstStyle/>
+          <a:p>
+            <a:r>
+              <a:rPr lang="en-US" sz="1400" b="0" i="0" dirty="0">
+                <a:solidFill>
+                  <a:srgbClr val="171717"/>
+                </a:solidFill>
+                <a:effectLst/>
+                <a:latin typeface="Segoe UI" panose="020B0502040204020203" pitchFamily="34" charset="0"/>
+              </a:rPr>
+              <a:t>Select </a:t>
+            </a:r>
+            <a:r>
+              <a:rPr lang="en-US" sz="1400" b="1" i="0" dirty="0">
+                <a:solidFill>
+                  <a:srgbClr val="171717"/>
+                </a:solidFill>
+                <a:effectLst/>
+                <a:latin typeface="Segoe UI" panose="020B0502040204020203" pitchFamily="34" charset="0"/>
+              </a:rPr>
+              <a:t>Add new connection</a:t>
+            </a:r>
+            <a:r>
+              <a:rPr lang="en-US" sz="1400" b="0" i="0" dirty="0">
+                <a:solidFill>
+                  <a:srgbClr val="171717"/>
+                </a:solidFill>
+                <a:effectLst/>
+                <a:latin typeface="Segoe UI" panose="020B0502040204020203" pitchFamily="34" charset="0"/>
+              </a:rPr>
+              <a:t>. When you connect for the first time, you're prompted to sign in to </a:t>
+            </a:r>
+            <a:r>
+              <a:rPr lang="en-US" sz="1400" b="0" i="0" u="none" strike="noStrike" dirty="0">
+                <a:effectLst/>
+                <a:latin typeface="Segoe UI" panose="020B0502040204020203" pitchFamily="34" charset="0"/>
+                <a:hlinkClick r:id="rId2"/>
+              </a:rPr>
+              <a:t>authenticate the connection</a:t>
+            </a:r>
+            <a:r>
+              <a:rPr lang="en-US" sz="1400" b="0" i="0" dirty="0">
+                <a:solidFill>
+                  <a:srgbClr val="171717"/>
+                </a:solidFill>
+                <a:effectLst/>
+                <a:latin typeface="Segoe UI" panose="020B0502040204020203" pitchFamily="34" charset="0"/>
+              </a:rPr>
+              <a:t>.</a:t>
+            </a:r>
+            <a:endParaRPr lang="en-US" sz="1400" dirty="0"/>
+          </a:p>
+        </p:txBody>
+      </p:sp>
+      <p:pic>
+        <p:nvPicPr>
+          <p:cNvPr id="9" name="Picture 8">
+            <a:extLst>
+              <a:ext uri="{FF2B5EF4-FFF2-40B4-BE49-F238E27FC236}">
+                <a16:creationId xmlns:a16="http://schemas.microsoft.com/office/drawing/2014/main" id="{1D9CB3DB-63B2-46D3-8679-687639A2C04A}"/>
+              </a:ext>
+            </a:extLst>
+          </p:cNvPr>
+          <p:cNvPicPr>
+            <a:picLocks noChangeAspect="1"/>
+          </p:cNvPicPr>
+          <p:nvPr/>
+        </p:nvPicPr>
+        <p:blipFill>
+          <a:blip r:embed="rId3"/>
+          <a:stretch>
+            <a:fillRect/>
+          </a:stretch>
+        </p:blipFill>
+        <p:spPr>
+          <a:xfrm>
+            <a:off x="755002" y="2700953"/>
+            <a:ext cx="7696200" cy="2857500"/>
+          </a:xfrm>
+          <a:prstGeom prst="rect">
+            <a:avLst/>
+          </a:prstGeom>
+        </p:spPr>
+      </p:pic>
+    </p:spTree>
+    <p:extLst>
+      <p:ext uri="{BB962C8B-B14F-4D97-AF65-F5344CB8AC3E}">
+        <p14:creationId xmlns:p14="http://schemas.microsoft.com/office/powerpoint/2010/main" val="3348445689"/>
+      </p:ext>
+    </p:extLst>
+  </p:cSld>
+  <p:clrMapOvr>
+    <a:masterClrMapping/>
+  </p:clrMapOvr>
+  <p:transition/>
+</p:sld>
+</file>
+
+<file path=ppt/slides/slide29.xml><?xml version="1.0" encoding="utf-8"?>
+<p:sld xmlns:a="http://schemas.openxmlformats.org/drawingml/2006/main" xmlns:r="http://schemas.openxmlformats.org/officeDocument/2006/relationships" xmlns:p="http://schemas.openxmlformats.org/presentationml/2006/main">
+  <p:cSld>
+    <p:spTree>
+      <p:nvGrpSpPr>
+        <p:cNvPr id="1" name=""/>
+        <p:cNvGrpSpPr/>
+        <p:nvPr/>
+      </p:nvGrpSpPr>
+      <p:grpSpPr>
+        <a:xfrm>
+          <a:off x="0" y="0"/>
+          <a:ext cx="0" cy="0"/>
+          <a:chOff x="0" y="0"/>
+          <a:chExt cx="0" cy="0"/>
+        </a:xfrm>
+      </p:grpSpPr>
+      <p:sp>
+        <p:nvSpPr>
+          <p:cNvPr id="4" name="TextBox 3">
+            <a:extLst>
+              <a:ext uri="{FF2B5EF4-FFF2-40B4-BE49-F238E27FC236}">
+                <a16:creationId xmlns:a16="http://schemas.microsoft.com/office/drawing/2014/main" id="{FC925FC0-2C98-4A8B-BAC2-23F81A2A97C0}"/>
+              </a:ext>
+            </a:extLst>
+          </p:cNvPr>
+          <p:cNvSpPr txBox="1"/>
+          <p:nvPr/>
+        </p:nvSpPr>
+        <p:spPr>
+          <a:xfrm>
+            <a:off x="930194" y="1391826"/>
+            <a:ext cx="10587209" cy="461665"/>
+          </a:xfrm>
+          <a:prstGeom prst="rect">
+            <a:avLst/>
+          </a:prstGeom>
+          <a:noFill/>
+        </p:spPr>
+        <p:txBody>
+          <a:bodyPr wrap="square" rtlCol="0">
+            <a:spAutoFit/>
+          </a:bodyPr>
+          <a:lstStyle/>
+          <a:p>
+            <a:pPr algn="l"/>
+            <a:r>
+              <a:rPr lang="en-US" sz="2400" b="1" i="0" dirty="0">
+                <a:solidFill>
+                  <a:srgbClr val="171717"/>
+                </a:solidFill>
+                <a:effectLst/>
+                <a:latin typeface="Segoe UI" panose="020B0502040204020203" pitchFamily="34" charset="0"/>
+              </a:rPr>
+              <a:t>Authentication</a:t>
+            </a:r>
+          </a:p>
+        </p:txBody>
+      </p:sp>
+      <p:sp>
+        <p:nvSpPr>
+          <p:cNvPr id="10" name="TextBox 9">
+            <a:extLst>
+              <a:ext uri="{FF2B5EF4-FFF2-40B4-BE49-F238E27FC236}">
+                <a16:creationId xmlns:a16="http://schemas.microsoft.com/office/drawing/2014/main" id="{1A387EA6-1DA9-4B8E-8543-911CA7EF768C}"/>
+              </a:ext>
+            </a:extLst>
+          </p:cNvPr>
+          <p:cNvSpPr txBox="1"/>
+          <p:nvPr/>
+        </p:nvSpPr>
+        <p:spPr>
+          <a:xfrm>
+            <a:off x="809431" y="1853491"/>
+            <a:ext cx="10023410" cy="2246769"/>
+          </a:xfrm>
+          <a:prstGeom prst="rect">
+            <a:avLst/>
+          </a:prstGeom>
+          <a:noFill/>
+        </p:spPr>
+        <p:txBody>
+          <a:bodyPr wrap="square">
+            <a:spAutoFit/>
+          </a:bodyPr>
+          <a:lstStyle/>
+          <a:p>
+            <a:pPr algn="l"/>
+            <a:r>
+              <a:rPr lang="en-US" sz="1400" b="0" i="0" dirty="0">
+                <a:solidFill>
+                  <a:srgbClr val="171717"/>
+                </a:solidFill>
+                <a:effectLst/>
+                <a:latin typeface="Segoe UI" panose="020B0502040204020203" pitchFamily="34" charset="0"/>
+              </a:rPr>
+              <a:t>You can authenticate with user credentials or with an Azure Active Directory (Azure AD) application. To authenticate with credentials, select </a:t>
+            </a:r>
+            <a:r>
+              <a:rPr lang="en-US" sz="1400" b="1" i="0" dirty="0">
+                <a:solidFill>
+                  <a:srgbClr val="171717"/>
+                </a:solidFill>
+                <a:effectLst/>
+                <a:latin typeface="Segoe UI" panose="020B0502040204020203" pitchFamily="34" charset="0"/>
+              </a:rPr>
+              <a:t>Sign in</a:t>
+            </a:r>
+            <a:r>
+              <a:rPr lang="en-US" sz="1400" b="0" i="0" dirty="0">
+                <a:solidFill>
+                  <a:srgbClr val="171717"/>
+                </a:solidFill>
+                <a:effectLst/>
+                <a:latin typeface="Segoe UI" panose="020B0502040204020203" pitchFamily="34" charset="0"/>
+              </a:rPr>
+              <a:t>, and enter your credentials.</a:t>
+            </a:r>
+          </a:p>
+          <a:p>
+            <a:pPr algn="l"/>
+            <a:r>
+              <a:rPr lang="en-US" sz="1400" b="0" i="0" dirty="0">
+                <a:solidFill>
+                  <a:srgbClr val="171717"/>
+                </a:solidFill>
+                <a:effectLst/>
+                <a:latin typeface="Segoe UI" panose="020B0502040204020203" pitchFamily="34" charset="0"/>
+              </a:rPr>
+              <a:t>To authenticate with a Service Principal:</a:t>
+            </a:r>
+          </a:p>
+          <a:p>
+            <a:pPr algn="l">
+              <a:buFont typeface="+mj-lt"/>
+              <a:buAutoNum type="arabicPeriod"/>
+            </a:pPr>
+            <a:r>
+              <a:rPr lang="en-US" sz="1400" b="0" i="0" dirty="0">
+                <a:solidFill>
+                  <a:srgbClr val="171717"/>
+                </a:solidFill>
+                <a:effectLst/>
+                <a:latin typeface="Segoe UI" panose="020B0502040204020203" pitchFamily="34" charset="0"/>
+              </a:rPr>
+              <a:t>Select </a:t>
+            </a:r>
+            <a:r>
+              <a:rPr lang="en-US" sz="1400" b="1" i="0" dirty="0">
+                <a:solidFill>
+                  <a:srgbClr val="171717"/>
+                </a:solidFill>
+                <a:effectLst/>
+                <a:latin typeface="Segoe UI" panose="020B0502040204020203" pitchFamily="34" charset="0"/>
+              </a:rPr>
+              <a:t>Connect with Service Principal</a:t>
+            </a:r>
+            <a:r>
+              <a:rPr lang="en-US" sz="1400" b="0" i="0" dirty="0">
+                <a:solidFill>
+                  <a:srgbClr val="171717"/>
+                </a:solidFill>
+                <a:effectLst/>
+                <a:latin typeface="Segoe UI" panose="020B0502040204020203" pitchFamily="34" charset="0"/>
+              </a:rPr>
+              <a:t>.</a:t>
+            </a:r>
+          </a:p>
+          <a:p>
+            <a:pPr algn="l">
+              <a:buFont typeface="+mj-lt"/>
+              <a:buAutoNum type="arabicPeriod"/>
+            </a:pPr>
+            <a:r>
+              <a:rPr lang="en-US" sz="1400" b="0" i="0" dirty="0">
+                <a:solidFill>
+                  <a:srgbClr val="171717"/>
+                </a:solidFill>
+                <a:effectLst/>
+                <a:latin typeface="Segoe UI" panose="020B0502040204020203" pitchFamily="34" charset="0"/>
+              </a:rPr>
+              <a:t>Fill out the form with the following information:</a:t>
+            </a:r>
+          </a:p>
+          <a:p>
+            <a:pPr marL="742950" lvl="1" indent="-285750" algn="l">
+              <a:buFont typeface="+mj-lt"/>
+              <a:buAutoNum type="arabicPeriod"/>
+            </a:pPr>
+            <a:r>
+              <a:rPr lang="en-US" sz="1400" b="1" i="0" dirty="0">
+                <a:solidFill>
+                  <a:srgbClr val="171717"/>
+                </a:solidFill>
+                <a:effectLst/>
+                <a:latin typeface="Segoe UI" panose="020B0502040204020203" pitchFamily="34" charset="0"/>
+              </a:rPr>
+              <a:t>Connection Name</a:t>
+            </a:r>
+            <a:r>
+              <a:rPr lang="en-US" sz="1400" b="0" i="0" dirty="0">
+                <a:solidFill>
+                  <a:srgbClr val="171717"/>
+                </a:solidFill>
+                <a:effectLst/>
+                <a:latin typeface="Segoe UI" panose="020B0502040204020203" pitchFamily="34" charset="0"/>
+              </a:rPr>
+              <a:t>: A descriptive and meaningful name for the new connection. In this example, we've used "</a:t>
+            </a:r>
+            <a:r>
+              <a:rPr lang="en-US" sz="1400" b="0" i="0" dirty="0" err="1">
+                <a:solidFill>
+                  <a:srgbClr val="171717"/>
+                </a:solidFill>
+                <a:effectLst/>
+                <a:latin typeface="Segoe UI" panose="020B0502040204020203" pitchFamily="34" charset="0"/>
+              </a:rPr>
+              <a:t>MyApplication</a:t>
+            </a:r>
+            <a:r>
+              <a:rPr lang="en-US" sz="1400" b="0" i="0" dirty="0">
+                <a:solidFill>
+                  <a:srgbClr val="171717"/>
+                </a:solidFill>
+                <a:effectLst/>
+                <a:latin typeface="Segoe UI" panose="020B0502040204020203" pitchFamily="34" charset="0"/>
+              </a:rPr>
+              <a:t>".</a:t>
+            </a:r>
+          </a:p>
+          <a:p>
+            <a:pPr marL="742950" lvl="1" indent="-285750" algn="l">
+              <a:buFont typeface="+mj-lt"/>
+              <a:buAutoNum type="arabicPeriod"/>
+            </a:pPr>
+            <a:r>
+              <a:rPr lang="en-US" sz="1400" b="1" i="0" dirty="0">
+                <a:solidFill>
+                  <a:srgbClr val="171717"/>
+                </a:solidFill>
+                <a:effectLst/>
+                <a:latin typeface="Segoe UI" panose="020B0502040204020203" pitchFamily="34" charset="0"/>
+              </a:rPr>
+              <a:t>Client ID</a:t>
+            </a:r>
+            <a:r>
+              <a:rPr lang="en-US" sz="1400" b="0" i="0" dirty="0">
+                <a:solidFill>
+                  <a:srgbClr val="171717"/>
+                </a:solidFill>
+                <a:effectLst/>
+                <a:latin typeface="Segoe UI" panose="020B0502040204020203" pitchFamily="34" charset="0"/>
+              </a:rPr>
+              <a:t>: Your application ID.</a:t>
+            </a:r>
+          </a:p>
+          <a:p>
+            <a:pPr marL="742950" lvl="1" indent="-285750" algn="l">
+              <a:buFont typeface="+mj-lt"/>
+              <a:buAutoNum type="arabicPeriod"/>
+            </a:pPr>
+            <a:r>
+              <a:rPr lang="en-US" sz="1400" b="1" i="0" dirty="0">
+                <a:solidFill>
+                  <a:srgbClr val="171717"/>
+                </a:solidFill>
+                <a:effectLst/>
+                <a:latin typeface="Segoe UI" panose="020B0502040204020203" pitchFamily="34" charset="0"/>
+              </a:rPr>
+              <a:t>Client Secret</a:t>
+            </a:r>
+            <a:r>
+              <a:rPr lang="en-US" sz="1400" b="0" i="0" dirty="0">
+                <a:solidFill>
+                  <a:srgbClr val="171717"/>
+                </a:solidFill>
+                <a:effectLst/>
+                <a:latin typeface="Segoe UI" panose="020B0502040204020203" pitchFamily="34" charset="0"/>
+              </a:rPr>
+              <a:t>: Your application key.</a:t>
+            </a:r>
+          </a:p>
+          <a:p>
+            <a:pPr marL="742950" lvl="1" indent="-285750" algn="l">
+              <a:buFont typeface="+mj-lt"/>
+              <a:buAutoNum type="arabicPeriod"/>
+            </a:pPr>
+            <a:r>
+              <a:rPr lang="en-US" sz="1400" b="1" i="0" dirty="0">
+                <a:solidFill>
+                  <a:srgbClr val="171717"/>
+                </a:solidFill>
+                <a:effectLst/>
+                <a:latin typeface="Segoe UI" panose="020B0502040204020203" pitchFamily="34" charset="0"/>
+              </a:rPr>
+              <a:t>Tenant</a:t>
+            </a:r>
+            <a:r>
+              <a:rPr lang="en-US" sz="1400" b="0" i="0" dirty="0">
+                <a:solidFill>
+                  <a:srgbClr val="171717"/>
+                </a:solidFill>
+                <a:effectLst/>
+                <a:latin typeface="Segoe UI" panose="020B0502040204020203" pitchFamily="34" charset="0"/>
+              </a:rPr>
+              <a:t>: The ID of the Azure AD directory in which you created the application.</a:t>
+            </a:r>
+          </a:p>
+        </p:txBody>
+      </p:sp>
+      <p:pic>
+        <p:nvPicPr>
+          <p:cNvPr id="7" name="Picture 6">
+            <a:extLst>
+              <a:ext uri="{FF2B5EF4-FFF2-40B4-BE49-F238E27FC236}">
+                <a16:creationId xmlns:a16="http://schemas.microsoft.com/office/drawing/2014/main" id="{2220C554-F5D3-491E-A677-C382B1990BE9}"/>
+              </a:ext>
+            </a:extLst>
+          </p:cNvPr>
+          <p:cNvPicPr>
+            <a:picLocks noChangeAspect="1"/>
+          </p:cNvPicPr>
+          <p:nvPr/>
+        </p:nvPicPr>
+        <p:blipFill>
+          <a:blip r:embed="rId2"/>
+          <a:stretch>
+            <a:fillRect/>
+          </a:stretch>
+        </p:blipFill>
+        <p:spPr>
+          <a:xfrm>
+            <a:off x="809431" y="4023059"/>
+            <a:ext cx="7172325" cy="2834941"/>
+          </a:xfrm>
+          <a:prstGeom prst="rect">
+            <a:avLst/>
+          </a:prstGeom>
+        </p:spPr>
+      </p:pic>
+    </p:spTree>
+    <p:extLst>
+      <p:ext uri="{BB962C8B-B14F-4D97-AF65-F5344CB8AC3E}">
+        <p14:creationId xmlns:p14="http://schemas.microsoft.com/office/powerpoint/2010/main" val="1121640297"/>
+      </p:ext>
+    </p:extLst>
+  </p:cSld>
+  <p:clrMapOvr>
+    <a:masterClrMapping/>
+  </p:clrMapOvr>
+  <p:transition/>
+</p:sld>
+</file>
+
 <file path=ppt/slides/slide3.xml><?xml version="1.0" encoding="utf-8"?>
 <p:sld xmlns:a="http://schemas.openxmlformats.org/drawingml/2006/main" xmlns:r="http://schemas.openxmlformats.org/officeDocument/2006/relationships" xmlns:p="http://schemas.openxmlformats.org/presentationml/2006/main">
   <p:cSld>
@@ -6219,6 +8966,1930 @@
     <p:extLst>
       <p:ext uri="{BB962C8B-B14F-4D97-AF65-F5344CB8AC3E}">
         <p14:creationId xmlns:p14="http://schemas.microsoft.com/office/powerpoint/2010/main" val="4275611199"/>
+      </p:ext>
+    </p:extLst>
+  </p:cSld>
+  <p:clrMapOvr>
+    <a:masterClrMapping/>
+  </p:clrMapOvr>
+  <p:transition/>
+</p:sld>
+</file>
+
+<file path=ppt/slides/slide30.xml><?xml version="1.0" encoding="utf-8"?>
+<p:sld xmlns:a="http://schemas.openxmlformats.org/drawingml/2006/main" xmlns:r="http://schemas.openxmlformats.org/officeDocument/2006/relationships" xmlns:p="http://schemas.openxmlformats.org/presentationml/2006/main">
+  <p:cSld>
+    <p:spTree>
+      <p:nvGrpSpPr>
+        <p:cNvPr id="1" name=""/>
+        <p:cNvGrpSpPr/>
+        <p:nvPr/>
+      </p:nvGrpSpPr>
+      <p:grpSpPr>
+        <a:xfrm>
+          <a:off x="0" y="0"/>
+          <a:ext cx="0" cy="0"/>
+          <a:chOff x="0" y="0"/>
+          <a:chExt cx="0" cy="0"/>
+        </a:xfrm>
+      </p:grpSpPr>
+      <p:sp>
+        <p:nvSpPr>
+          <p:cNvPr id="4" name="TextBox 3">
+            <a:extLst>
+              <a:ext uri="{FF2B5EF4-FFF2-40B4-BE49-F238E27FC236}">
+                <a16:creationId xmlns:a16="http://schemas.microsoft.com/office/drawing/2014/main" id="{FC925FC0-2C98-4A8B-BAC2-23F81A2A97C0}"/>
+              </a:ext>
+            </a:extLst>
+          </p:cNvPr>
+          <p:cNvSpPr txBox="1"/>
+          <p:nvPr/>
+        </p:nvSpPr>
+        <p:spPr>
+          <a:xfrm>
+            <a:off x="930194" y="1391826"/>
+            <a:ext cx="10587209" cy="461665"/>
+          </a:xfrm>
+          <a:prstGeom prst="rect">
+            <a:avLst/>
+          </a:prstGeom>
+          <a:noFill/>
+        </p:spPr>
+        <p:txBody>
+          <a:bodyPr wrap="square" rtlCol="0">
+            <a:spAutoFit/>
+          </a:bodyPr>
+          <a:lstStyle/>
+          <a:p>
+            <a:pPr algn="l"/>
+            <a:r>
+              <a:rPr lang="en-US" sz="2400" b="1" i="0" dirty="0">
+                <a:solidFill>
+                  <a:srgbClr val="171717"/>
+                </a:solidFill>
+                <a:effectLst/>
+                <a:latin typeface="Segoe UI" panose="020B0502040204020203" pitchFamily="34" charset="0"/>
+              </a:rPr>
+              <a:t>Authentication</a:t>
+            </a:r>
+          </a:p>
+        </p:txBody>
+      </p:sp>
+      <p:sp>
+        <p:nvSpPr>
+          <p:cNvPr id="10" name="TextBox 9">
+            <a:extLst>
+              <a:ext uri="{FF2B5EF4-FFF2-40B4-BE49-F238E27FC236}">
+                <a16:creationId xmlns:a16="http://schemas.microsoft.com/office/drawing/2014/main" id="{1A387EA6-1DA9-4B8E-8543-911CA7EF768C}"/>
+              </a:ext>
+            </a:extLst>
+          </p:cNvPr>
+          <p:cNvSpPr txBox="1"/>
+          <p:nvPr/>
+        </p:nvSpPr>
+        <p:spPr>
+          <a:xfrm>
+            <a:off x="809431" y="1853491"/>
+            <a:ext cx="10023410" cy="307777"/>
+          </a:xfrm>
+          <a:prstGeom prst="rect">
+            <a:avLst/>
+          </a:prstGeom>
+          <a:noFill/>
+        </p:spPr>
+        <p:txBody>
+          <a:bodyPr wrap="square">
+            <a:spAutoFit/>
+          </a:bodyPr>
+          <a:lstStyle/>
+          <a:p>
+            <a:pPr algn="l"/>
+            <a:r>
+              <a:rPr lang="en-US" sz="1400" b="0" i="0" dirty="0">
+                <a:solidFill>
+                  <a:srgbClr val="171717"/>
+                </a:solidFill>
+                <a:effectLst/>
+                <a:latin typeface="Segoe UI" panose="020B0502040204020203" pitchFamily="34" charset="0"/>
+              </a:rPr>
+              <a:t>When authentication is complete, verify that your flow uses the new connection.</a:t>
+            </a:r>
+          </a:p>
+        </p:txBody>
+      </p:sp>
+      <p:pic>
+        <p:nvPicPr>
+          <p:cNvPr id="3" name="Picture 2">
+            <a:extLst>
+              <a:ext uri="{FF2B5EF4-FFF2-40B4-BE49-F238E27FC236}">
+                <a16:creationId xmlns:a16="http://schemas.microsoft.com/office/drawing/2014/main" id="{549DE88D-FD1A-4329-A8EB-E7B06173267E}"/>
+              </a:ext>
+            </a:extLst>
+          </p:cNvPr>
+          <p:cNvPicPr>
+            <a:picLocks noChangeAspect="1"/>
+          </p:cNvPicPr>
+          <p:nvPr/>
+        </p:nvPicPr>
+        <p:blipFill>
+          <a:blip r:embed="rId2"/>
+          <a:stretch>
+            <a:fillRect/>
+          </a:stretch>
+        </p:blipFill>
+        <p:spPr>
+          <a:xfrm>
+            <a:off x="809431" y="2161268"/>
+            <a:ext cx="8610915" cy="4086808"/>
+          </a:xfrm>
+          <a:prstGeom prst="rect">
+            <a:avLst/>
+          </a:prstGeom>
+        </p:spPr>
+      </p:pic>
+      <p:sp>
+        <p:nvSpPr>
+          <p:cNvPr id="5" name="TextBox 4">
+            <a:extLst>
+              <a:ext uri="{FF2B5EF4-FFF2-40B4-BE49-F238E27FC236}">
+                <a16:creationId xmlns:a16="http://schemas.microsoft.com/office/drawing/2014/main" id="{4542C948-D482-45AC-A0A5-8ABDF17FE360}"/>
+              </a:ext>
+            </a:extLst>
+          </p:cNvPr>
+          <p:cNvSpPr txBox="1"/>
+          <p:nvPr/>
+        </p:nvSpPr>
+        <p:spPr>
+          <a:xfrm>
+            <a:off x="1035697" y="6328101"/>
+            <a:ext cx="8210939" cy="369332"/>
+          </a:xfrm>
+          <a:prstGeom prst="rect">
+            <a:avLst/>
+          </a:prstGeom>
+          <a:noFill/>
+        </p:spPr>
+        <p:txBody>
+          <a:bodyPr wrap="square" rtlCol="0">
+            <a:spAutoFit/>
+          </a:bodyPr>
+          <a:lstStyle/>
+          <a:p>
+            <a:r>
+              <a:rPr lang="en-US" sz="1400" b="0" i="0" dirty="0">
+                <a:solidFill>
+                  <a:srgbClr val="171717"/>
+                </a:solidFill>
+                <a:effectLst/>
+                <a:latin typeface="Segoe UI" panose="020B0502040204020203" pitchFamily="34" charset="0"/>
+              </a:rPr>
+              <a:t>Once the connection is set, the flow runs using the application credentials</a:t>
+            </a:r>
+            <a:r>
+              <a:rPr lang="en-US" b="0" i="0" dirty="0">
+                <a:solidFill>
+                  <a:srgbClr val="171717"/>
+                </a:solidFill>
+                <a:effectLst/>
+                <a:latin typeface="Segoe UI" panose="020B0502040204020203" pitchFamily="34" charset="0"/>
+              </a:rPr>
+              <a:t>.</a:t>
+            </a:r>
+            <a:endParaRPr lang="en-US" dirty="0"/>
+          </a:p>
+        </p:txBody>
+      </p:sp>
+    </p:spTree>
+    <p:extLst>
+      <p:ext uri="{BB962C8B-B14F-4D97-AF65-F5344CB8AC3E}">
+        <p14:creationId xmlns:p14="http://schemas.microsoft.com/office/powerpoint/2010/main" val="3765156138"/>
+      </p:ext>
+    </p:extLst>
+  </p:cSld>
+  <p:clrMapOvr>
+    <a:masterClrMapping/>
+  </p:clrMapOvr>
+  <p:transition/>
+</p:sld>
+</file>
+
+<file path=ppt/slides/slide31.xml><?xml version="1.0" encoding="utf-8"?>
+<p:sld xmlns:a="http://schemas.openxmlformats.org/drawingml/2006/main" xmlns:r="http://schemas.openxmlformats.org/officeDocument/2006/relationships" xmlns:p="http://schemas.openxmlformats.org/presentationml/2006/main">
+  <p:cSld>
+    <p:spTree>
+      <p:nvGrpSpPr>
+        <p:cNvPr id="1" name=""/>
+        <p:cNvGrpSpPr/>
+        <p:nvPr/>
+      </p:nvGrpSpPr>
+      <p:grpSpPr>
+        <a:xfrm>
+          <a:off x="0" y="0"/>
+          <a:ext cx="0" cy="0"/>
+          <a:chOff x="0" y="0"/>
+          <a:chExt cx="0" cy="0"/>
+        </a:xfrm>
+      </p:grpSpPr>
+      <p:sp>
+        <p:nvSpPr>
+          <p:cNvPr id="4" name="TextBox 3">
+            <a:extLst>
+              <a:ext uri="{FF2B5EF4-FFF2-40B4-BE49-F238E27FC236}">
+                <a16:creationId xmlns:a16="http://schemas.microsoft.com/office/drawing/2014/main" id="{FC925FC0-2C98-4A8B-BAC2-23F81A2A97C0}"/>
+              </a:ext>
+            </a:extLst>
+          </p:cNvPr>
+          <p:cNvSpPr txBox="1"/>
+          <p:nvPr/>
+        </p:nvSpPr>
+        <p:spPr>
+          <a:xfrm>
+            <a:off x="930194" y="1391826"/>
+            <a:ext cx="10587209" cy="830997"/>
+          </a:xfrm>
+          <a:prstGeom prst="rect">
+            <a:avLst/>
+          </a:prstGeom>
+          <a:noFill/>
+        </p:spPr>
+        <p:txBody>
+          <a:bodyPr wrap="square" rtlCol="0">
+            <a:spAutoFit/>
+          </a:bodyPr>
+          <a:lstStyle/>
+          <a:p>
+            <a:r>
+              <a:rPr lang="en-US" sz="2400" b="1" i="0" dirty="0">
+                <a:solidFill>
+                  <a:srgbClr val="171717"/>
+                </a:solidFill>
+                <a:effectLst/>
+                <a:latin typeface="Segoe UI" panose="020B0502040204020203" pitchFamily="34" charset="0"/>
+              </a:rPr>
+              <a:t>Test the flow</a:t>
+            </a:r>
+          </a:p>
+          <a:p>
+            <a:pPr algn="l"/>
+            <a:endParaRPr lang="en-US" sz="2400" b="1" i="0" dirty="0">
+              <a:solidFill>
+                <a:srgbClr val="171717"/>
+              </a:solidFill>
+              <a:effectLst/>
+              <a:latin typeface="Segoe UI" panose="020B0502040204020203" pitchFamily="34" charset="0"/>
+            </a:endParaRPr>
+          </a:p>
+        </p:txBody>
+      </p:sp>
+      <p:sp>
+        <p:nvSpPr>
+          <p:cNvPr id="7" name="TextBox 6">
+            <a:extLst>
+              <a:ext uri="{FF2B5EF4-FFF2-40B4-BE49-F238E27FC236}">
+                <a16:creationId xmlns:a16="http://schemas.microsoft.com/office/drawing/2014/main" id="{760F333A-13F4-449F-8FEB-9216B57CADB5}"/>
+              </a:ext>
+            </a:extLst>
+          </p:cNvPr>
+          <p:cNvSpPr txBox="1"/>
+          <p:nvPr/>
+        </p:nvSpPr>
+        <p:spPr>
+          <a:xfrm>
+            <a:off x="930194" y="2034273"/>
+            <a:ext cx="10587208" cy="738664"/>
+          </a:xfrm>
+          <a:prstGeom prst="rect">
+            <a:avLst/>
+          </a:prstGeom>
+          <a:noFill/>
+        </p:spPr>
+        <p:txBody>
+          <a:bodyPr wrap="square">
+            <a:spAutoFit/>
+          </a:bodyPr>
+          <a:lstStyle/>
+          <a:p>
+            <a:pPr algn="l"/>
+            <a:r>
+              <a:rPr lang="en-US" sz="1400" b="0" i="0" dirty="0">
+                <a:solidFill>
+                  <a:srgbClr val="171717"/>
+                </a:solidFill>
+                <a:effectLst/>
+                <a:latin typeface="Segoe UI" panose="020B0502040204020203" pitchFamily="34" charset="0"/>
+              </a:rPr>
+              <a:t>To check if your flow works, check the flow's run history:</a:t>
+            </a:r>
+          </a:p>
+          <a:p>
+            <a:pPr algn="l">
+              <a:buFont typeface="+mj-lt"/>
+              <a:buAutoNum type="arabicPeriod"/>
+            </a:pPr>
+            <a:r>
+              <a:rPr lang="en-US" sz="1400" b="0" i="0" dirty="0">
+                <a:solidFill>
+                  <a:srgbClr val="171717"/>
+                </a:solidFill>
+                <a:effectLst/>
+                <a:latin typeface="Segoe UI" panose="020B0502040204020203" pitchFamily="34" charset="0"/>
+              </a:rPr>
+              <a:t>Go to the </a:t>
+            </a:r>
+            <a:r>
+              <a:rPr lang="en-US" sz="1400" b="0" i="0" u="sng" dirty="0">
+                <a:solidFill>
+                  <a:srgbClr val="171717"/>
+                </a:solidFill>
+                <a:effectLst/>
+                <a:latin typeface="Segoe UI" panose="020B0502040204020203" pitchFamily="34" charset="0"/>
+                <a:hlinkClick r:id="rId2"/>
+              </a:rPr>
+              <a:t>Power Automate home page</a:t>
+            </a:r>
+            <a:r>
+              <a:rPr lang="en-US" sz="1400" b="0" i="0" dirty="0">
+                <a:solidFill>
+                  <a:srgbClr val="171717"/>
+                </a:solidFill>
+                <a:effectLst/>
+                <a:latin typeface="Segoe UI" panose="020B0502040204020203" pitchFamily="34" charset="0"/>
+              </a:rPr>
+              <a:t>.</a:t>
+            </a:r>
+          </a:p>
+          <a:p>
+            <a:pPr algn="l">
+              <a:buFont typeface="+mj-lt"/>
+              <a:buAutoNum type="arabicPeriod"/>
+            </a:pPr>
+            <a:r>
+              <a:rPr lang="en-US" sz="1400" b="0" i="0" dirty="0">
+                <a:solidFill>
+                  <a:srgbClr val="171717"/>
+                </a:solidFill>
+                <a:effectLst/>
+                <a:latin typeface="Segoe UI" panose="020B0502040204020203" pitchFamily="34" charset="0"/>
+              </a:rPr>
+              <a:t>From the main menu, select </a:t>
+            </a:r>
+            <a:r>
+              <a:rPr lang="en-US" sz="1400" b="0" i="0" u="none" strike="noStrike" dirty="0">
+                <a:solidFill>
+                  <a:srgbClr val="171717"/>
+                </a:solidFill>
+                <a:effectLst/>
+                <a:latin typeface="Segoe UI" panose="020B0502040204020203" pitchFamily="34" charset="0"/>
+                <a:hlinkClick r:id="rId3"/>
+              </a:rPr>
+              <a:t>My flows</a:t>
+            </a:r>
+            <a:r>
+              <a:rPr lang="en-US" sz="1400" b="0" i="0" dirty="0">
+                <a:solidFill>
+                  <a:srgbClr val="171717"/>
+                </a:solidFill>
+                <a:effectLst/>
+                <a:latin typeface="Segoe UI" panose="020B0502040204020203" pitchFamily="34" charset="0"/>
+              </a:rPr>
+              <a:t>.</a:t>
+            </a:r>
+          </a:p>
+        </p:txBody>
+      </p:sp>
+      <p:pic>
+        <p:nvPicPr>
+          <p:cNvPr id="8" name="Picture 7">
+            <a:extLst>
+              <a:ext uri="{FF2B5EF4-FFF2-40B4-BE49-F238E27FC236}">
+                <a16:creationId xmlns:a16="http://schemas.microsoft.com/office/drawing/2014/main" id="{90F56505-A464-49F9-AFBC-A0C8BA0FB43B}"/>
+              </a:ext>
+            </a:extLst>
+          </p:cNvPr>
+          <p:cNvPicPr>
+            <a:picLocks noChangeAspect="1"/>
+          </p:cNvPicPr>
+          <p:nvPr/>
+        </p:nvPicPr>
+        <p:blipFill>
+          <a:blip r:embed="rId4"/>
+          <a:stretch>
+            <a:fillRect/>
+          </a:stretch>
+        </p:blipFill>
+        <p:spPr>
+          <a:xfrm>
+            <a:off x="1006830" y="2902792"/>
+            <a:ext cx="8162925" cy="3486150"/>
+          </a:xfrm>
+          <a:prstGeom prst="rect">
+            <a:avLst/>
+          </a:prstGeom>
+        </p:spPr>
+      </p:pic>
+    </p:spTree>
+    <p:extLst>
+      <p:ext uri="{BB962C8B-B14F-4D97-AF65-F5344CB8AC3E}">
+        <p14:creationId xmlns:p14="http://schemas.microsoft.com/office/powerpoint/2010/main" val="524586084"/>
+      </p:ext>
+    </p:extLst>
+  </p:cSld>
+  <p:clrMapOvr>
+    <a:masterClrMapping/>
+  </p:clrMapOvr>
+  <p:transition/>
+</p:sld>
+</file>
+
+<file path=ppt/slides/slide32.xml><?xml version="1.0" encoding="utf-8"?>
+<p:sld xmlns:a="http://schemas.openxmlformats.org/drawingml/2006/main" xmlns:r="http://schemas.openxmlformats.org/officeDocument/2006/relationships" xmlns:p="http://schemas.openxmlformats.org/presentationml/2006/main">
+  <p:cSld>
+    <p:spTree>
+      <p:nvGrpSpPr>
+        <p:cNvPr id="1" name=""/>
+        <p:cNvGrpSpPr/>
+        <p:nvPr/>
+      </p:nvGrpSpPr>
+      <p:grpSpPr>
+        <a:xfrm>
+          <a:off x="0" y="0"/>
+          <a:ext cx="0" cy="0"/>
+          <a:chOff x="0" y="0"/>
+          <a:chExt cx="0" cy="0"/>
+        </a:xfrm>
+      </p:grpSpPr>
+      <p:sp>
+        <p:nvSpPr>
+          <p:cNvPr id="4" name="TextBox 3">
+            <a:extLst>
+              <a:ext uri="{FF2B5EF4-FFF2-40B4-BE49-F238E27FC236}">
+                <a16:creationId xmlns:a16="http://schemas.microsoft.com/office/drawing/2014/main" id="{FC925FC0-2C98-4A8B-BAC2-23F81A2A97C0}"/>
+              </a:ext>
+            </a:extLst>
+          </p:cNvPr>
+          <p:cNvSpPr txBox="1"/>
+          <p:nvPr/>
+        </p:nvSpPr>
+        <p:spPr>
+          <a:xfrm>
+            <a:off x="930194" y="1391826"/>
+            <a:ext cx="10587209" cy="830997"/>
+          </a:xfrm>
+          <a:prstGeom prst="rect">
+            <a:avLst/>
+          </a:prstGeom>
+          <a:noFill/>
+        </p:spPr>
+        <p:txBody>
+          <a:bodyPr wrap="square" rtlCol="0">
+            <a:spAutoFit/>
+          </a:bodyPr>
+          <a:lstStyle/>
+          <a:p>
+            <a:r>
+              <a:rPr lang="en-US" sz="2400" b="1" i="0" dirty="0">
+                <a:solidFill>
+                  <a:srgbClr val="171717"/>
+                </a:solidFill>
+                <a:effectLst/>
+                <a:latin typeface="Segoe UI" panose="020B0502040204020203" pitchFamily="34" charset="0"/>
+              </a:rPr>
+              <a:t>Test the flow</a:t>
+            </a:r>
+          </a:p>
+          <a:p>
+            <a:pPr algn="l"/>
+            <a:endParaRPr lang="en-US" sz="2400" b="1" i="0" dirty="0">
+              <a:solidFill>
+                <a:srgbClr val="171717"/>
+              </a:solidFill>
+              <a:effectLst/>
+              <a:latin typeface="Segoe UI" panose="020B0502040204020203" pitchFamily="34" charset="0"/>
+            </a:endParaRPr>
+          </a:p>
+        </p:txBody>
+      </p:sp>
+      <p:sp>
+        <p:nvSpPr>
+          <p:cNvPr id="7" name="TextBox 6">
+            <a:extLst>
+              <a:ext uri="{FF2B5EF4-FFF2-40B4-BE49-F238E27FC236}">
+                <a16:creationId xmlns:a16="http://schemas.microsoft.com/office/drawing/2014/main" id="{760F333A-13F4-449F-8FEB-9216B57CADB5}"/>
+              </a:ext>
+            </a:extLst>
+          </p:cNvPr>
+          <p:cNvSpPr txBox="1"/>
+          <p:nvPr/>
+        </p:nvSpPr>
+        <p:spPr>
+          <a:xfrm>
+            <a:off x="930194" y="2034273"/>
+            <a:ext cx="10587208" cy="307777"/>
+          </a:xfrm>
+          <a:prstGeom prst="rect">
+            <a:avLst/>
+          </a:prstGeom>
+          <a:noFill/>
+        </p:spPr>
+        <p:txBody>
+          <a:bodyPr wrap="square">
+            <a:spAutoFit/>
+          </a:bodyPr>
+          <a:lstStyle/>
+          <a:p>
+            <a:pPr algn="l"/>
+            <a:r>
+              <a:rPr lang="en-US" sz="1400" b="0" i="0" dirty="0">
+                <a:solidFill>
+                  <a:srgbClr val="171717"/>
+                </a:solidFill>
+                <a:effectLst/>
+                <a:latin typeface="Segoe UI" panose="020B0502040204020203" pitchFamily="34" charset="0"/>
+              </a:rPr>
+              <a:t>On the row of the flow you want to investigate, select the more commands icon, and then select </a:t>
+            </a:r>
+            <a:r>
+              <a:rPr lang="en-US" sz="1400" b="1" i="0" dirty="0">
+                <a:solidFill>
+                  <a:srgbClr val="171717"/>
+                </a:solidFill>
+                <a:effectLst/>
+                <a:latin typeface="Segoe UI" panose="020B0502040204020203" pitchFamily="34" charset="0"/>
+              </a:rPr>
+              <a:t>Run history</a:t>
+            </a:r>
+            <a:r>
+              <a:rPr lang="en-US" sz="1400" b="0" i="0" dirty="0">
+                <a:solidFill>
+                  <a:srgbClr val="171717"/>
+                </a:solidFill>
+                <a:effectLst/>
+                <a:latin typeface="Segoe UI" panose="020B0502040204020203" pitchFamily="34" charset="0"/>
+              </a:rPr>
+              <a:t>.</a:t>
+            </a:r>
+          </a:p>
+        </p:txBody>
+      </p:sp>
+      <p:pic>
+        <p:nvPicPr>
+          <p:cNvPr id="3" name="Picture 2">
+            <a:extLst>
+              <a:ext uri="{FF2B5EF4-FFF2-40B4-BE49-F238E27FC236}">
+                <a16:creationId xmlns:a16="http://schemas.microsoft.com/office/drawing/2014/main" id="{C6582DA9-7166-404E-8034-05DE2B593809}"/>
+              </a:ext>
+            </a:extLst>
+          </p:cNvPr>
+          <p:cNvPicPr>
+            <a:picLocks noChangeAspect="1"/>
+          </p:cNvPicPr>
+          <p:nvPr/>
+        </p:nvPicPr>
+        <p:blipFill>
+          <a:blip r:embed="rId2"/>
+          <a:stretch>
+            <a:fillRect/>
+          </a:stretch>
+        </p:blipFill>
+        <p:spPr>
+          <a:xfrm>
+            <a:off x="930193" y="2342050"/>
+            <a:ext cx="8372475" cy="4170717"/>
+          </a:xfrm>
+          <a:prstGeom prst="rect">
+            <a:avLst/>
+          </a:prstGeom>
+        </p:spPr>
+      </p:pic>
+    </p:spTree>
+    <p:extLst>
+      <p:ext uri="{BB962C8B-B14F-4D97-AF65-F5344CB8AC3E}">
+        <p14:creationId xmlns:p14="http://schemas.microsoft.com/office/powerpoint/2010/main" val="4181580781"/>
+      </p:ext>
+    </p:extLst>
+  </p:cSld>
+  <p:clrMapOvr>
+    <a:masterClrMapping/>
+  </p:clrMapOvr>
+  <p:transition/>
+</p:sld>
+</file>
+
+<file path=ppt/slides/slide33.xml><?xml version="1.0" encoding="utf-8"?>
+<p:sld xmlns:a="http://schemas.openxmlformats.org/drawingml/2006/main" xmlns:r="http://schemas.openxmlformats.org/officeDocument/2006/relationships" xmlns:p="http://schemas.openxmlformats.org/presentationml/2006/main">
+  <p:cSld>
+    <p:spTree>
+      <p:nvGrpSpPr>
+        <p:cNvPr id="1" name=""/>
+        <p:cNvGrpSpPr/>
+        <p:nvPr/>
+      </p:nvGrpSpPr>
+      <p:grpSpPr>
+        <a:xfrm>
+          <a:off x="0" y="0"/>
+          <a:ext cx="0" cy="0"/>
+          <a:chOff x="0" y="0"/>
+          <a:chExt cx="0" cy="0"/>
+        </a:xfrm>
+      </p:grpSpPr>
+      <p:sp>
+        <p:nvSpPr>
+          <p:cNvPr id="4" name="TextBox 3">
+            <a:extLst>
+              <a:ext uri="{FF2B5EF4-FFF2-40B4-BE49-F238E27FC236}">
+                <a16:creationId xmlns:a16="http://schemas.microsoft.com/office/drawing/2014/main" id="{FC925FC0-2C98-4A8B-BAC2-23F81A2A97C0}"/>
+              </a:ext>
+            </a:extLst>
+          </p:cNvPr>
+          <p:cNvSpPr txBox="1"/>
+          <p:nvPr/>
+        </p:nvSpPr>
+        <p:spPr>
+          <a:xfrm>
+            <a:off x="930194" y="1391826"/>
+            <a:ext cx="10587209" cy="830997"/>
+          </a:xfrm>
+          <a:prstGeom prst="rect">
+            <a:avLst/>
+          </a:prstGeom>
+          <a:noFill/>
+        </p:spPr>
+        <p:txBody>
+          <a:bodyPr wrap="square" rtlCol="0">
+            <a:spAutoFit/>
+          </a:bodyPr>
+          <a:lstStyle/>
+          <a:p>
+            <a:r>
+              <a:rPr lang="en-US" sz="2400" b="1" i="0" dirty="0">
+                <a:solidFill>
+                  <a:srgbClr val="171717"/>
+                </a:solidFill>
+                <a:effectLst/>
+                <a:latin typeface="Segoe UI" panose="020B0502040204020203" pitchFamily="34" charset="0"/>
+              </a:rPr>
+              <a:t>Test the flow</a:t>
+            </a:r>
+          </a:p>
+          <a:p>
+            <a:pPr algn="l"/>
+            <a:endParaRPr lang="en-US" sz="2400" b="1" i="0" dirty="0">
+              <a:solidFill>
+                <a:srgbClr val="171717"/>
+              </a:solidFill>
+              <a:effectLst/>
+              <a:latin typeface="Segoe UI" panose="020B0502040204020203" pitchFamily="34" charset="0"/>
+            </a:endParaRPr>
+          </a:p>
+        </p:txBody>
+      </p:sp>
+      <p:sp>
+        <p:nvSpPr>
+          <p:cNvPr id="7" name="TextBox 6">
+            <a:extLst>
+              <a:ext uri="{FF2B5EF4-FFF2-40B4-BE49-F238E27FC236}">
+                <a16:creationId xmlns:a16="http://schemas.microsoft.com/office/drawing/2014/main" id="{760F333A-13F4-449F-8FEB-9216B57CADB5}"/>
+              </a:ext>
+            </a:extLst>
+          </p:cNvPr>
+          <p:cNvSpPr txBox="1"/>
+          <p:nvPr/>
+        </p:nvSpPr>
+        <p:spPr>
+          <a:xfrm>
+            <a:off x="930194" y="2034273"/>
+            <a:ext cx="10587208" cy="307777"/>
+          </a:xfrm>
+          <a:prstGeom prst="rect">
+            <a:avLst/>
+          </a:prstGeom>
+          <a:noFill/>
+        </p:spPr>
+        <p:txBody>
+          <a:bodyPr wrap="square">
+            <a:spAutoFit/>
+          </a:bodyPr>
+          <a:lstStyle/>
+          <a:p>
+            <a:pPr algn="l"/>
+            <a:r>
+              <a:rPr lang="en-US" sz="1400" b="0" i="0" dirty="0">
+                <a:solidFill>
+                  <a:srgbClr val="171717"/>
+                </a:solidFill>
+                <a:effectLst/>
+                <a:latin typeface="Segoe UI" panose="020B0502040204020203" pitchFamily="34" charset="0"/>
+              </a:rPr>
+              <a:t>All flow runs are listed, with information about start time, duration, and status.</a:t>
+            </a:r>
+          </a:p>
+        </p:txBody>
+      </p:sp>
+      <p:pic>
+        <p:nvPicPr>
+          <p:cNvPr id="5" name="Picture 4">
+            <a:extLst>
+              <a:ext uri="{FF2B5EF4-FFF2-40B4-BE49-F238E27FC236}">
+                <a16:creationId xmlns:a16="http://schemas.microsoft.com/office/drawing/2014/main" id="{3386CA5D-BC7B-44ED-B0C0-7DBF4CF5FB82}"/>
+              </a:ext>
+            </a:extLst>
+          </p:cNvPr>
+          <p:cNvPicPr>
+            <a:picLocks noChangeAspect="1"/>
+          </p:cNvPicPr>
+          <p:nvPr/>
+        </p:nvPicPr>
+        <p:blipFill>
+          <a:blip r:embed="rId2"/>
+          <a:stretch>
+            <a:fillRect/>
+          </a:stretch>
+        </p:blipFill>
+        <p:spPr>
+          <a:xfrm>
+            <a:off x="820122" y="2370549"/>
+            <a:ext cx="8629650" cy="3095625"/>
+          </a:xfrm>
+          <a:prstGeom prst="rect">
+            <a:avLst/>
+          </a:prstGeom>
+        </p:spPr>
+      </p:pic>
+    </p:spTree>
+    <p:extLst>
+      <p:ext uri="{BB962C8B-B14F-4D97-AF65-F5344CB8AC3E}">
+        <p14:creationId xmlns:p14="http://schemas.microsoft.com/office/powerpoint/2010/main" val="3048548634"/>
+      </p:ext>
+    </p:extLst>
+  </p:cSld>
+  <p:clrMapOvr>
+    <a:masterClrMapping/>
+  </p:clrMapOvr>
+  <p:transition/>
+</p:sld>
+</file>
+
+<file path=ppt/slides/slide34.xml><?xml version="1.0" encoding="utf-8"?>
+<p:sld xmlns:a="http://schemas.openxmlformats.org/drawingml/2006/main" xmlns:r="http://schemas.openxmlformats.org/officeDocument/2006/relationships" xmlns:p="http://schemas.openxmlformats.org/presentationml/2006/main">
+  <p:cSld>
+    <p:spTree>
+      <p:nvGrpSpPr>
+        <p:cNvPr id="1" name=""/>
+        <p:cNvGrpSpPr/>
+        <p:nvPr/>
+      </p:nvGrpSpPr>
+      <p:grpSpPr>
+        <a:xfrm>
+          <a:off x="0" y="0"/>
+          <a:ext cx="0" cy="0"/>
+          <a:chOff x="0" y="0"/>
+          <a:chExt cx="0" cy="0"/>
+        </a:xfrm>
+      </p:grpSpPr>
+      <p:sp>
+        <p:nvSpPr>
+          <p:cNvPr id="4" name="TextBox 3">
+            <a:extLst>
+              <a:ext uri="{FF2B5EF4-FFF2-40B4-BE49-F238E27FC236}">
+                <a16:creationId xmlns:a16="http://schemas.microsoft.com/office/drawing/2014/main" id="{FC925FC0-2C98-4A8B-BAC2-23F81A2A97C0}"/>
+              </a:ext>
+            </a:extLst>
+          </p:cNvPr>
+          <p:cNvSpPr txBox="1"/>
+          <p:nvPr/>
+        </p:nvSpPr>
+        <p:spPr>
+          <a:xfrm>
+            <a:off x="930194" y="1391826"/>
+            <a:ext cx="10587209" cy="830997"/>
+          </a:xfrm>
+          <a:prstGeom prst="rect">
+            <a:avLst/>
+          </a:prstGeom>
+          <a:noFill/>
+        </p:spPr>
+        <p:txBody>
+          <a:bodyPr wrap="square" rtlCol="0">
+            <a:spAutoFit/>
+          </a:bodyPr>
+          <a:lstStyle/>
+          <a:p>
+            <a:r>
+              <a:rPr lang="en-US" sz="2400" b="1" i="0" dirty="0">
+                <a:solidFill>
+                  <a:srgbClr val="171717"/>
+                </a:solidFill>
+                <a:effectLst/>
+                <a:latin typeface="Segoe UI" panose="020B0502040204020203" pitchFamily="34" charset="0"/>
+              </a:rPr>
+              <a:t>Test the flow</a:t>
+            </a:r>
+          </a:p>
+          <a:p>
+            <a:pPr algn="l"/>
+            <a:endParaRPr lang="en-US" sz="2400" b="1" i="0" dirty="0">
+              <a:solidFill>
+                <a:srgbClr val="171717"/>
+              </a:solidFill>
+              <a:effectLst/>
+              <a:latin typeface="Segoe UI" panose="020B0502040204020203" pitchFamily="34" charset="0"/>
+            </a:endParaRPr>
+          </a:p>
+        </p:txBody>
+      </p:sp>
+      <p:sp>
+        <p:nvSpPr>
+          <p:cNvPr id="7" name="TextBox 6">
+            <a:extLst>
+              <a:ext uri="{FF2B5EF4-FFF2-40B4-BE49-F238E27FC236}">
+                <a16:creationId xmlns:a16="http://schemas.microsoft.com/office/drawing/2014/main" id="{760F333A-13F4-449F-8FEB-9216B57CADB5}"/>
+              </a:ext>
+            </a:extLst>
+          </p:cNvPr>
+          <p:cNvSpPr txBox="1"/>
+          <p:nvPr/>
+        </p:nvSpPr>
+        <p:spPr>
+          <a:xfrm>
+            <a:off x="930194" y="2034273"/>
+            <a:ext cx="10587208" cy="738664"/>
+          </a:xfrm>
+          <a:prstGeom prst="rect">
+            <a:avLst/>
+          </a:prstGeom>
+          <a:noFill/>
+        </p:spPr>
+        <p:txBody>
+          <a:bodyPr wrap="square">
+            <a:spAutoFit/>
+          </a:bodyPr>
+          <a:lstStyle/>
+          <a:p>
+            <a:pPr algn="l"/>
+            <a:r>
+              <a:rPr lang="en-US" sz="1400" b="0" i="0" dirty="0">
+                <a:solidFill>
+                  <a:srgbClr val="171717"/>
+                </a:solidFill>
+                <a:effectLst/>
+                <a:latin typeface="Segoe UI" panose="020B0502040204020203" pitchFamily="34" charset="0"/>
+              </a:rPr>
+              <a:t>For full details about the flow, on </a:t>
+            </a:r>
+            <a:r>
+              <a:rPr lang="en-US" sz="1400" b="1" i="0" u="none" strike="noStrike" dirty="0">
+                <a:solidFill>
+                  <a:srgbClr val="171717"/>
+                </a:solidFill>
+                <a:effectLst/>
+                <a:latin typeface="Segoe UI" panose="020B0502040204020203" pitchFamily="34" charset="0"/>
+                <a:hlinkClick r:id="rId2"/>
+              </a:rPr>
+              <a:t>My flows</a:t>
+            </a:r>
+            <a:r>
+              <a:rPr lang="en-US" sz="1400" b="0" i="0" dirty="0">
+                <a:solidFill>
+                  <a:srgbClr val="171717"/>
+                </a:solidFill>
+                <a:effectLst/>
+                <a:latin typeface="Segoe UI" panose="020B0502040204020203" pitchFamily="34" charset="0"/>
+              </a:rPr>
+              <a:t>, select the flow you want to investigate.</a:t>
+            </a:r>
+          </a:p>
+          <a:p>
+            <a:br>
+              <a:rPr lang="en-US" sz="1400" dirty="0"/>
+            </a:br>
+            <a:endParaRPr lang="en-US" sz="1400" b="0" i="0" dirty="0">
+              <a:solidFill>
+                <a:srgbClr val="171717"/>
+              </a:solidFill>
+              <a:effectLst/>
+              <a:latin typeface="Segoe UI" panose="020B0502040204020203" pitchFamily="34" charset="0"/>
+            </a:endParaRPr>
+          </a:p>
+        </p:txBody>
+      </p:sp>
+      <p:pic>
+        <p:nvPicPr>
+          <p:cNvPr id="3" name="Picture 2">
+            <a:extLst>
+              <a:ext uri="{FF2B5EF4-FFF2-40B4-BE49-F238E27FC236}">
+                <a16:creationId xmlns:a16="http://schemas.microsoft.com/office/drawing/2014/main" id="{EE91DEBB-BF12-4838-8216-D07E1717655A}"/>
+              </a:ext>
+            </a:extLst>
+          </p:cNvPr>
+          <p:cNvPicPr>
+            <a:picLocks noChangeAspect="1"/>
+          </p:cNvPicPr>
+          <p:nvPr/>
+        </p:nvPicPr>
+        <p:blipFill>
+          <a:blip r:embed="rId3"/>
+          <a:stretch>
+            <a:fillRect/>
+          </a:stretch>
+        </p:blipFill>
+        <p:spPr>
+          <a:xfrm>
+            <a:off x="930193" y="2403605"/>
+            <a:ext cx="8286750" cy="3857625"/>
+          </a:xfrm>
+          <a:prstGeom prst="rect">
+            <a:avLst/>
+          </a:prstGeom>
+        </p:spPr>
+      </p:pic>
+    </p:spTree>
+    <p:extLst>
+      <p:ext uri="{BB962C8B-B14F-4D97-AF65-F5344CB8AC3E}">
+        <p14:creationId xmlns:p14="http://schemas.microsoft.com/office/powerpoint/2010/main" val="2615659345"/>
+      </p:ext>
+    </p:extLst>
+  </p:cSld>
+  <p:clrMapOvr>
+    <a:masterClrMapping/>
+  </p:clrMapOvr>
+  <p:transition/>
+</p:sld>
+</file>
+
+<file path=ppt/slides/slide35.xml><?xml version="1.0" encoding="utf-8"?>
+<p:sld xmlns:a="http://schemas.openxmlformats.org/drawingml/2006/main" xmlns:r="http://schemas.openxmlformats.org/officeDocument/2006/relationships" xmlns:p="http://schemas.openxmlformats.org/presentationml/2006/main">
+  <p:cSld>
+    <p:spTree>
+      <p:nvGrpSpPr>
+        <p:cNvPr id="1" name=""/>
+        <p:cNvGrpSpPr/>
+        <p:nvPr/>
+      </p:nvGrpSpPr>
+      <p:grpSpPr>
+        <a:xfrm>
+          <a:off x="0" y="0"/>
+          <a:ext cx="0" cy="0"/>
+          <a:chOff x="0" y="0"/>
+          <a:chExt cx="0" cy="0"/>
+        </a:xfrm>
+      </p:grpSpPr>
+      <p:sp>
+        <p:nvSpPr>
+          <p:cNvPr id="4" name="TextBox 3">
+            <a:extLst>
+              <a:ext uri="{FF2B5EF4-FFF2-40B4-BE49-F238E27FC236}">
+                <a16:creationId xmlns:a16="http://schemas.microsoft.com/office/drawing/2014/main" id="{FC925FC0-2C98-4A8B-BAC2-23F81A2A97C0}"/>
+              </a:ext>
+            </a:extLst>
+          </p:cNvPr>
+          <p:cNvSpPr txBox="1"/>
+          <p:nvPr/>
+        </p:nvSpPr>
+        <p:spPr>
+          <a:xfrm>
+            <a:off x="930194" y="1391826"/>
+            <a:ext cx="10587209" cy="830997"/>
+          </a:xfrm>
+          <a:prstGeom prst="rect">
+            <a:avLst/>
+          </a:prstGeom>
+          <a:noFill/>
+        </p:spPr>
+        <p:txBody>
+          <a:bodyPr wrap="square" rtlCol="0">
+            <a:spAutoFit/>
+          </a:bodyPr>
+          <a:lstStyle/>
+          <a:p>
+            <a:r>
+              <a:rPr lang="en-US" sz="2400" b="1" i="0" dirty="0">
+                <a:solidFill>
+                  <a:srgbClr val="171717"/>
+                </a:solidFill>
+                <a:effectLst/>
+                <a:latin typeface="Segoe UI" panose="020B0502040204020203" pitchFamily="34" charset="0"/>
+              </a:rPr>
+              <a:t>Test the flow</a:t>
+            </a:r>
+          </a:p>
+          <a:p>
+            <a:pPr algn="l"/>
+            <a:endParaRPr lang="en-US" sz="2400" b="1" i="0" dirty="0">
+              <a:solidFill>
+                <a:srgbClr val="171717"/>
+              </a:solidFill>
+              <a:effectLst/>
+              <a:latin typeface="Segoe UI" panose="020B0502040204020203" pitchFamily="34" charset="0"/>
+            </a:endParaRPr>
+          </a:p>
+        </p:txBody>
+      </p:sp>
+      <p:sp>
+        <p:nvSpPr>
+          <p:cNvPr id="7" name="TextBox 6">
+            <a:extLst>
+              <a:ext uri="{FF2B5EF4-FFF2-40B4-BE49-F238E27FC236}">
+                <a16:creationId xmlns:a16="http://schemas.microsoft.com/office/drawing/2014/main" id="{760F333A-13F4-449F-8FEB-9216B57CADB5}"/>
+              </a:ext>
+            </a:extLst>
+          </p:cNvPr>
+          <p:cNvSpPr txBox="1"/>
+          <p:nvPr/>
+        </p:nvSpPr>
+        <p:spPr>
+          <a:xfrm>
+            <a:off x="930194" y="2034273"/>
+            <a:ext cx="10587208" cy="1169551"/>
+          </a:xfrm>
+          <a:prstGeom prst="rect">
+            <a:avLst/>
+          </a:prstGeom>
+          <a:noFill/>
+        </p:spPr>
+        <p:txBody>
+          <a:bodyPr wrap="square">
+            <a:spAutoFit/>
+          </a:bodyPr>
+          <a:lstStyle/>
+          <a:p>
+            <a:pPr algn="l"/>
+            <a:r>
+              <a:rPr lang="en-US" sz="1400" b="0" i="0" dirty="0">
+                <a:solidFill>
+                  <a:srgbClr val="171717"/>
+                </a:solidFill>
+                <a:effectLst/>
+                <a:latin typeface="Segoe UI" panose="020B0502040204020203" pitchFamily="34" charset="0"/>
+              </a:rPr>
+              <a:t>To see why a run failed, select the run start time. The flow appears, and the step of the flow that failed is indicated by a red exclamation point. Expand the failed step to view its details. The </a:t>
+            </a:r>
+            <a:r>
+              <a:rPr lang="en-US" sz="1400" b="1" i="0" dirty="0">
+                <a:solidFill>
+                  <a:srgbClr val="171717"/>
+                </a:solidFill>
+                <a:effectLst/>
+                <a:latin typeface="Segoe UI" panose="020B0502040204020203" pitchFamily="34" charset="0"/>
+              </a:rPr>
+              <a:t>Details</a:t>
+            </a:r>
+            <a:r>
+              <a:rPr lang="en-US" sz="1400" b="0" i="0" dirty="0">
+                <a:solidFill>
+                  <a:srgbClr val="171717"/>
+                </a:solidFill>
+                <a:effectLst/>
+                <a:latin typeface="Segoe UI" panose="020B0502040204020203" pitchFamily="34" charset="0"/>
+              </a:rPr>
+              <a:t> pane on the right contains information about the failure so that you can troubleshoot it.</a:t>
+            </a:r>
+          </a:p>
+          <a:p>
+            <a:br>
+              <a:rPr lang="en-US" sz="1400" dirty="0"/>
+            </a:br>
+            <a:endParaRPr lang="en-US" sz="1400" b="0" i="0" dirty="0">
+              <a:solidFill>
+                <a:srgbClr val="171717"/>
+              </a:solidFill>
+              <a:effectLst/>
+              <a:latin typeface="Segoe UI" panose="020B0502040204020203" pitchFamily="34" charset="0"/>
+            </a:endParaRPr>
+          </a:p>
+        </p:txBody>
+      </p:sp>
+      <p:pic>
+        <p:nvPicPr>
+          <p:cNvPr id="5" name="Picture 4">
+            <a:extLst>
+              <a:ext uri="{FF2B5EF4-FFF2-40B4-BE49-F238E27FC236}">
+                <a16:creationId xmlns:a16="http://schemas.microsoft.com/office/drawing/2014/main" id="{8F6EEA4F-DCCE-4469-95B4-73379EC9B893}"/>
+              </a:ext>
+            </a:extLst>
+          </p:cNvPr>
+          <p:cNvPicPr>
+            <a:picLocks noChangeAspect="1"/>
+          </p:cNvPicPr>
+          <p:nvPr/>
+        </p:nvPicPr>
+        <p:blipFill>
+          <a:blip r:embed="rId2"/>
+          <a:stretch>
+            <a:fillRect/>
+          </a:stretch>
+        </p:blipFill>
+        <p:spPr>
+          <a:xfrm>
+            <a:off x="850251" y="2789853"/>
+            <a:ext cx="7883201" cy="3654746"/>
+          </a:xfrm>
+          <a:prstGeom prst="rect">
+            <a:avLst/>
+          </a:prstGeom>
+        </p:spPr>
+      </p:pic>
+    </p:spTree>
+    <p:extLst>
+      <p:ext uri="{BB962C8B-B14F-4D97-AF65-F5344CB8AC3E}">
+        <p14:creationId xmlns:p14="http://schemas.microsoft.com/office/powerpoint/2010/main" val="913477126"/>
+      </p:ext>
+    </p:extLst>
+  </p:cSld>
+  <p:clrMapOvr>
+    <a:masterClrMapping/>
+  </p:clrMapOvr>
+  <p:transition/>
+</p:sld>
+</file>
+
+<file path=ppt/slides/slide36.xml><?xml version="1.0" encoding="utf-8"?>
+<p:sld xmlns:a="http://schemas.openxmlformats.org/drawingml/2006/main" xmlns:r="http://schemas.openxmlformats.org/officeDocument/2006/relationships" xmlns:p="http://schemas.openxmlformats.org/presentationml/2006/main">
+  <p:cSld>
+    <p:spTree>
+      <p:nvGrpSpPr>
+        <p:cNvPr id="1" name=""/>
+        <p:cNvGrpSpPr/>
+        <p:nvPr/>
+      </p:nvGrpSpPr>
+      <p:grpSpPr>
+        <a:xfrm>
+          <a:off x="0" y="0"/>
+          <a:ext cx="0" cy="0"/>
+          <a:chOff x="0" y="0"/>
+          <a:chExt cx="0" cy="0"/>
+        </a:xfrm>
+      </p:grpSpPr>
+      <p:sp>
+        <p:nvSpPr>
+          <p:cNvPr id="4" name="TextBox 3">
+            <a:extLst>
+              <a:ext uri="{FF2B5EF4-FFF2-40B4-BE49-F238E27FC236}">
+                <a16:creationId xmlns:a16="http://schemas.microsoft.com/office/drawing/2014/main" id="{FC925FC0-2C98-4A8B-BAC2-23F81A2A97C0}"/>
+              </a:ext>
+            </a:extLst>
+          </p:cNvPr>
+          <p:cNvSpPr txBox="1"/>
+          <p:nvPr/>
+        </p:nvSpPr>
+        <p:spPr>
+          <a:xfrm>
+            <a:off x="930194" y="1391826"/>
+            <a:ext cx="10587209" cy="461665"/>
+          </a:xfrm>
+          <a:prstGeom prst="rect">
+            <a:avLst/>
+          </a:prstGeom>
+          <a:noFill/>
+        </p:spPr>
+        <p:txBody>
+          <a:bodyPr wrap="square" rtlCol="0">
+            <a:spAutoFit/>
+          </a:bodyPr>
+          <a:lstStyle/>
+          <a:p>
+            <a:pPr algn="l"/>
+            <a:r>
+              <a:rPr lang="en-US" sz="2400" b="1" i="0" dirty="0">
+                <a:solidFill>
+                  <a:srgbClr val="171717"/>
+                </a:solidFill>
+                <a:effectLst/>
+                <a:latin typeface="Segoe UI" panose="020B0502040204020203" pitchFamily="34" charset="0"/>
+              </a:rPr>
+              <a:t>Timeout exceptions</a:t>
+            </a:r>
+          </a:p>
+        </p:txBody>
+      </p:sp>
+      <p:sp>
+        <p:nvSpPr>
+          <p:cNvPr id="7" name="TextBox 6">
+            <a:extLst>
+              <a:ext uri="{FF2B5EF4-FFF2-40B4-BE49-F238E27FC236}">
+                <a16:creationId xmlns:a16="http://schemas.microsoft.com/office/drawing/2014/main" id="{760F333A-13F4-449F-8FEB-9216B57CADB5}"/>
+              </a:ext>
+            </a:extLst>
+          </p:cNvPr>
+          <p:cNvSpPr txBox="1"/>
+          <p:nvPr/>
+        </p:nvSpPr>
+        <p:spPr>
+          <a:xfrm>
+            <a:off x="930194" y="2034273"/>
+            <a:ext cx="10587208" cy="307777"/>
+          </a:xfrm>
+          <a:prstGeom prst="rect">
+            <a:avLst/>
+          </a:prstGeom>
+          <a:noFill/>
+        </p:spPr>
+        <p:txBody>
+          <a:bodyPr wrap="square">
+            <a:spAutoFit/>
+          </a:bodyPr>
+          <a:lstStyle/>
+          <a:p>
+            <a:pPr algn="l"/>
+            <a:r>
+              <a:rPr lang="en-US" sz="1400" b="0" i="0" dirty="0">
+                <a:solidFill>
+                  <a:srgbClr val="171717"/>
+                </a:solidFill>
+                <a:effectLst/>
+                <a:latin typeface="Segoe UI" panose="020B0502040204020203" pitchFamily="34" charset="0"/>
+              </a:rPr>
+              <a:t>Your flow can fail and return a "</a:t>
+            </a:r>
+            <a:r>
+              <a:rPr lang="en-US" sz="1400" b="0" i="0" dirty="0" err="1">
+                <a:solidFill>
+                  <a:srgbClr val="171717"/>
+                </a:solidFill>
+                <a:effectLst/>
+                <a:latin typeface="Segoe UI" panose="020B0502040204020203" pitchFamily="34" charset="0"/>
+              </a:rPr>
+              <a:t>RequestTimeout</a:t>
+            </a:r>
+            <a:r>
+              <a:rPr lang="en-US" sz="1400" b="0" i="0" dirty="0">
+                <a:solidFill>
+                  <a:srgbClr val="171717"/>
+                </a:solidFill>
+                <a:effectLst/>
+                <a:latin typeface="Segoe UI" panose="020B0502040204020203" pitchFamily="34" charset="0"/>
+              </a:rPr>
+              <a:t>" exception if it runs for more than 90 seconds.</a:t>
+            </a:r>
+          </a:p>
+        </p:txBody>
+      </p:sp>
+      <p:pic>
+        <p:nvPicPr>
+          <p:cNvPr id="3" name="Picture 2">
+            <a:extLst>
+              <a:ext uri="{FF2B5EF4-FFF2-40B4-BE49-F238E27FC236}">
+                <a16:creationId xmlns:a16="http://schemas.microsoft.com/office/drawing/2014/main" id="{46B34D69-A52C-4501-8414-9F06B0321CBC}"/>
+              </a:ext>
+            </a:extLst>
+          </p:cNvPr>
+          <p:cNvPicPr>
+            <a:picLocks noChangeAspect="1"/>
+          </p:cNvPicPr>
+          <p:nvPr/>
+        </p:nvPicPr>
+        <p:blipFill>
+          <a:blip r:embed="rId2"/>
+          <a:stretch>
+            <a:fillRect/>
+          </a:stretch>
+        </p:blipFill>
+        <p:spPr>
+          <a:xfrm>
+            <a:off x="930194" y="2348367"/>
+            <a:ext cx="4256690" cy="4335168"/>
+          </a:xfrm>
+          <a:prstGeom prst="rect">
+            <a:avLst/>
+          </a:prstGeom>
+        </p:spPr>
+      </p:pic>
+    </p:spTree>
+    <p:extLst>
+      <p:ext uri="{BB962C8B-B14F-4D97-AF65-F5344CB8AC3E}">
+        <p14:creationId xmlns:p14="http://schemas.microsoft.com/office/powerpoint/2010/main" val="455426695"/>
+      </p:ext>
+    </p:extLst>
+  </p:cSld>
+  <p:clrMapOvr>
+    <a:masterClrMapping/>
+  </p:clrMapOvr>
+  <p:transition/>
+</p:sld>
+</file>
+
+<file path=ppt/slides/slide37.xml><?xml version="1.0" encoding="utf-8"?>
+<p:sld xmlns:a="http://schemas.openxmlformats.org/drawingml/2006/main" xmlns:r="http://schemas.openxmlformats.org/officeDocument/2006/relationships" xmlns:p="http://schemas.openxmlformats.org/presentationml/2006/main">
+  <p:cSld>
+    <p:spTree>
+      <p:nvGrpSpPr>
+        <p:cNvPr id="1" name=""/>
+        <p:cNvGrpSpPr/>
+        <p:nvPr/>
+      </p:nvGrpSpPr>
+      <p:grpSpPr>
+        <a:xfrm>
+          <a:off x="0" y="0"/>
+          <a:ext cx="0" cy="0"/>
+          <a:chOff x="0" y="0"/>
+          <a:chExt cx="0" cy="0"/>
+        </a:xfrm>
+      </p:grpSpPr>
+      <p:sp>
+        <p:nvSpPr>
+          <p:cNvPr id="4" name="TextBox 3">
+            <a:extLst>
+              <a:ext uri="{FF2B5EF4-FFF2-40B4-BE49-F238E27FC236}">
+                <a16:creationId xmlns:a16="http://schemas.microsoft.com/office/drawing/2014/main" id="{FC925FC0-2C98-4A8B-BAC2-23F81A2A97C0}"/>
+              </a:ext>
+            </a:extLst>
+          </p:cNvPr>
+          <p:cNvSpPr txBox="1"/>
+          <p:nvPr/>
+        </p:nvSpPr>
+        <p:spPr>
+          <a:xfrm>
+            <a:off x="930194" y="1391826"/>
+            <a:ext cx="10587209" cy="461665"/>
+          </a:xfrm>
+          <a:prstGeom prst="rect">
+            <a:avLst/>
+          </a:prstGeom>
+          <a:noFill/>
+        </p:spPr>
+        <p:txBody>
+          <a:bodyPr wrap="square" rtlCol="0">
+            <a:spAutoFit/>
+          </a:bodyPr>
+          <a:lstStyle/>
+          <a:p>
+            <a:pPr algn="l"/>
+            <a:r>
+              <a:rPr lang="en-US" sz="2400" b="1" i="0" dirty="0">
+                <a:solidFill>
+                  <a:srgbClr val="171717"/>
+                </a:solidFill>
+                <a:effectLst/>
+                <a:latin typeface="Segoe UI" panose="020B0502040204020203" pitchFamily="34" charset="0"/>
+              </a:rPr>
+              <a:t>Timeout exceptions</a:t>
+            </a:r>
+          </a:p>
+        </p:txBody>
+      </p:sp>
+      <p:sp>
+        <p:nvSpPr>
+          <p:cNvPr id="7" name="TextBox 6">
+            <a:extLst>
+              <a:ext uri="{FF2B5EF4-FFF2-40B4-BE49-F238E27FC236}">
+                <a16:creationId xmlns:a16="http://schemas.microsoft.com/office/drawing/2014/main" id="{760F333A-13F4-449F-8FEB-9216B57CADB5}"/>
+              </a:ext>
+            </a:extLst>
+          </p:cNvPr>
+          <p:cNvSpPr txBox="1"/>
+          <p:nvPr/>
+        </p:nvSpPr>
+        <p:spPr>
+          <a:xfrm>
+            <a:off x="930194" y="2034273"/>
+            <a:ext cx="10587208" cy="738664"/>
+          </a:xfrm>
+          <a:prstGeom prst="rect">
+            <a:avLst/>
+          </a:prstGeom>
+          <a:noFill/>
+        </p:spPr>
+        <p:txBody>
+          <a:bodyPr wrap="square">
+            <a:spAutoFit/>
+          </a:bodyPr>
+          <a:lstStyle/>
+          <a:p>
+            <a:pPr algn="l"/>
+            <a:r>
+              <a:rPr lang="en-US" sz="1400" b="0" i="0" dirty="0">
+                <a:solidFill>
+                  <a:srgbClr val="171717"/>
+                </a:solidFill>
+                <a:effectLst/>
+                <a:latin typeface="Segoe UI" panose="020B0502040204020203" pitchFamily="34" charset="0"/>
+              </a:rPr>
+              <a:t>To fix a timeout issue, make your query more efficient so that it runs faster, or separate it into chunks. Each chunk can run on a different part of the query. For more information, see </a:t>
+            </a:r>
+            <a:r>
+              <a:rPr lang="en-US" sz="1400" b="0" i="0" u="none" strike="noStrike" dirty="0">
+                <a:solidFill>
+                  <a:srgbClr val="171717"/>
+                </a:solidFill>
+                <a:effectLst/>
+                <a:latin typeface="Segoe UI" panose="020B0502040204020203" pitchFamily="34" charset="0"/>
+                <a:hlinkClick r:id="rId2"/>
+              </a:rPr>
+              <a:t>Query best practices</a:t>
+            </a:r>
+            <a:r>
+              <a:rPr lang="en-US" sz="1400" b="0" i="0" dirty="0">
+                <a:solidFill>
+                  <a:srgbClr val="171717"/>
+                </a:solidFill>
+                <a:effectLst/>
+                <a:latin typeface="Segoe UI" panose="020B0502040204020203" pitchFamily="34" charset="0"/>
+              </a:rPr>
+              <a:t>.</a:t>
+            </a:r>
+          </a:p>
+          <a:p>
+            <a:pPr algn="l"/>
+            <a:r>
+              <a:rPr lang="en-US" sz="1400" b="0" i="0" dirty="0">
+                <a:solidFill>
+                  <a:srgbClr val="171717"/>
+                </a:solidFill>
+                <a:effectLst/>
+                <a:latin typeface="Segoe UI" panose="020B0502040204020203" pitchFamily="34" charset="0"/>
+              </a:rPr>
+              <a:t>The same query might run successfully in Azure Data Explorer, where the time isn't limited and can be changed.</a:t>
+            </a:r>
+          </a:p>
+        </p:txBody>
+      </p:sp>
+    </p:spTree>
+    <p:extLst>
+      <p:ext uri="{BB962C8B-B14F-4D97-AF65-F5344CB8AC3E}">
+        <p14:creationId xmlns:p14="http://schemas.microsoft.com/office/powerpoint/2010/main" val="3014412385"/>
+      </p:ext>
+    </p:extLst>
+  </p:cSld>
+  <p:clrMapOvr>
+    <a:masterClrMapping/>
+  </p:clrMapOvr>
+  <p:transition/>
+</p:sld>
+</file>
+
+<file path=ppt/slides/slide38.xml><?xml version="1.0" encoding="utf-8"?>
+<p:sld xmlns:a="http://schemas.openxmlformats.org/drawingml/2006/main" xmlns:r="http://schemas.openxmlformats.org/officeDocument/2006/relationships" xmlns:p="http://schemas.openxmlformats.org/presentationml/2006/main">
+  <p:cSld>
+    <p:spTree>
+      <p:nvGrpSpPr>
+        <p:cNvPr id="1" name=""/>
+        <p:cNvGrpSpPr/>
+        <p:nvPr/>
+      </p:nvGrpSpPr>
+      <p:grpSpPr>
+        <a:xfrm>
+          <a:off x="0" y="0"/>
+          <a:ext cx="0" cy="0"/>
+          <a:chOff x="0" y="0"/>
+          <a:chExt cx="0" cy="0"/>
+        </a:xfrm>
+      </p:grpSpPr>
+      <p:sp>
+        <p:nvSpPr>
+          <p:cNvPr id="4" name="TextBox 3">
+            <a:extLst>
+              <a:ext uri="{FF2B5EF4-FFF2-40B4-BE49-F238E27FC236}">
+                <a16:creationId xmlns:a16="http://schemas.microsoft.com/office/drawing/2014/main" id="{FC925FC0-2C98-4A8B-BAC2-23F81A2A97C0}"/>
+              </a:ext>
+            </a:extLst>
+          </p:cNvPr>
+          <p:cNvSpPr txBox="1"/>
+          <p:nvPr/>
+        </p:nvSpPr>
+        <p:spPr>
+          <a:xfrm>
+            <a:off x="930194" y="1419818"/>
+            <a:ext cx="10587209" cy="461665"/>
+          </a:xfrm>
+          <a:prstGeom prst="rect">
+            <a:avLst/>
+          </a:prstGeom>
+          <a:noFill/>
+        </p:spPr>
+        <p:txBody>
+          <a:bodyPr wrap="square" rtlCol="0">
+            <a:spAutoFit/>
+          </a:bodyPr>
+          <a:lstStyle/>
+          <a:p>
+            <a:pPr algn="l"/>
+            <a:r>
+              <a:rPr lang="en-US" sz="2400" b="1" i="0" dirty="0">
+                <a:solidFill>
+                  <a:srgbClr val="171717"/>
+                </a:solidFill>
+                <a:effectLst/>
+                <a:latin typeface="Segoe UI" panose="020B0502040204020203" pitchFamily="34" charset="0"/>
+              </a:rPr>
+              <a:t>Limitations</a:t>
+            </a:r>
+          </a:p>
+        </p:txBody>
+      </p:sp>
+      <p:sp>
+        <p:nvSpPr>
+          <p:cNvPr id="5" name="Rectangle 3">
+            <a:extLst>
+              <a:ext uri="{FF2B5EF4-FFF2-40B4-BE49-F238E27FC236}">
+                <a16:creationId xmlns:a16="http://schemas.microsoft.com/office/drawing/2014/main" id="{97B43469-EF15-4493-8637-B607AA55844A}"/>
+              </a:ext>
+            </a:extLst>
+          </p:cNvPr>
+          <p:cNvSpPr>
+            <a:spLocks noChangeArrowheads="1"/>
+          </p:cNvSpPr>
+          <p:nvPr/>
+        </p:nvSpPr>
+        <p:spPr bwMode="auto">
+          <a:xfrm>
+            <a:off x="531845" y="2640563"/>
+            <a:ext cx="12192000" cy="0"/>
+          </a:xfrm>
+          <a:prstGeom prst="rect">
+            <a:avLst/>
+          </a:prstGeom>
+          <a:solidFill>
+            <a:srgbClr val="FFFFFF"/>
+          </a:solidFill>
+          <a:ln>
+            <a:noFill/>
+          </a:ln>
+          <a:effectLst/>
+          <a:extLst>
+            <a:ext uri="{91240B29-F687-4F45-9708-019B960494DF}">
+              <a14:hiddenLine xmlns:a14="http://schemas.microsoft.com/office/drawing/2010/main" w="9525">
+                <a:solidFill>
+                  <a:schemeClr val="tx1"/>
+                </a:solidFill>
+                <a:miter lim="800000"/>
+                <a:headEnd/>
+                <a:tailEnd/>
+              </a14:hiddenLine>
+            </a:ext>
+            <a:ext uri="{AF507438-7753-43E0-B8FC-AC1667EBCBE1}">
+              <a14:hiddenEffects xmlns:a14="http://schemas.microsoft.com/office/drawing/2010/main">
+                <a:effectLst>
+                  <a:outerShdw dist="35921" dir="2700000" algn="ctr" rotWithShape="0">
+                    <a:schemeClr val="bg2"/>
+                  </a:outerShdw>
+                </a:effectLst>
+              </a14:hiddenEffects>
+            </a:ext>
+          </a:extLst>
+        </p:spPr>
+        <p:txBody>
+          <a:bodyPr vert="horz" wrap="none" lIns="241224" tIns="101568" rIns="0" bIns="101568" numCol="1" anchor="ctr" anchorCtr="0" compatLnSpc="1">
+            <a:prstTxWarp prst="textNoShape">
+              <a:avLst/>
+            </a:prstTxWarp>
+            <a:spAutoFit/>
+          </a:bodyPr>
+          <a:lstStyle/>
+          <a:p>
+            <a:pPr marL="0" marR="0" lvl="0" indent="0" algn="l" defTabSz="914400" rtl="0" eaLnBrk="0" fontAlgn="base" latinLnBrk="0" hangingPunct="0">
+              <a:lnSpc>
+                <a:spcPct val="100000"/>
+              </a:lnSpc>
+              <a:spcBef>
+                <a:spcPct val="0"/>
+              </a:spcBef>
+              <a:spcAft>
+                <a:spcPct val="0"/>
+              </a:spcAft>
+              <a:buClrTx/>
+              <a:buSzTx/>
+              <a:buFontTx/>
+              <a:buNone/>
+              <a:tabLst/>
+            </a:pPr>
+            <a:endParaRPr kumimoji="0" lang="en-US" altLang="en-US" sz="1800" b="0" i="0" u="none" strike="noStrike" cap="none" normalizeH="0" baseline="0" dirty="0">
+              <a:ln>
+                <a:noFill/>
+              </a:ln>
+              <a:solidFill>
+                <a:schemeClr val="tx1"/>
+              </a:solidFill>
+              <a:effectLst/>
+              <a:latin typeface="Arial" panose="020B0604020202020204" pitchFamily="34" charset="0"/>
+            </a:endParaRPr>
+          </a:p>
+          <a:p>
+            <a:pPr marL="0" marR="0" lvl="0" indent="0" algn="l" defTabSz="914400" rtl="0" eaLnBrk="0" fontAlgn="base" latinLnBrk="0" hangingPunct="0">
+              <a:lnSpc>
+                <a:spcPct val="100000"/>
+              </a:lnSpc>
+              <a:spcBef>
+                <a:spcPct val="0"/>
+              </a:spcBef>
+              <a:spcAft>
+                <a:spcPct val="0"/>
+              </a:spcAft>
+              <a:buClrTx/>
+              <a:buSzTx/>
+              <a:buFontTx/>
+              <a:buChar char="•"/>
+              <a:tabLst/>
+            </a:pPr>
+            <a:r>
+              <a:rPr kumimoji="0" lang="en-US" altLang="en-US" sz="1200" b="0" i="0" u="none" strike="noStrike" cap="none" normalizeH="0" baseline="0" dirty="0">
+                <a:ln>
+                  <a:noFill/>
+                </a:ln>
+                <a:solidFill>
+                  <a:srgbClr val="171717"/>
+                </a:solidFill>
+                <a:effectLst/>
+                <a:latin typeface="Segoe UI" panose="020B0502040204020203" pitchFamily="34" charset="0"/>
+                <a:cs typeface="Segoe UI" panose="020B0502040204020203" pitchFamily="34" charset="0"/>
+              </a:rPr>
+              <a:t>Results returned to the client are limited to 500,000 records. The overall memory for those records can't exceed 64 MB and a time of 90 seconds to run.</a:t>
+            </a:r>
+          </a:p>
+          <a:p>
+            <a:pPr marL="0" marR="0" lvl="0" indent="0" algn="l" defTabSz="914400" rtl="0" eaLnBrk="0" fontAlgn="base" latinLnBrk="0" hangingPunct="0">
+              <a:lnSpc>
+                <a:spcPct val="100000"/>
+              </a:lnSpc>
+              <a:spcBef>
+                <a:spcPct val="0"/>
+              </a:spcBef>
+              <a:spcAft>
+                <a:spcPct val="0"/>
+              </a:spcAft>
+              <a:buClrTx/>
+              <a:buSzTx/>
+              <a:buFontTx/>
+              <a:buChar char="•"/>
+              <a:tabLst/>
+            </a:pPr>
+            <a:r>
+              <a:rPr kumimoji="0" lang="en-US" altLang="en-US" sz="1200" b="0" i="0" u="none" strike="noStrike" cap="none" normalizeH="0" baseline="0" dirty="0">
+                <a:ln>
+                  <a:noFill/>
+                </a:ln>
+                <a:solidFill>
+                  <a:srgbClr val="171717"/>
+                </a:solidFill>
+                <a:effectLst/>
+                <a:latin typeface="Segoe UI" panose="020B0502040204020203" pitchFamily="34" charset="0"/>
+                <a:cs typeface="Segoe UI" panose="020B0502040204020203" pitchFamily="34" charset="0"/>
+              </a:rPr>
+              <a:t>The connector doesn't support operators that aren't supported by the </a:t>
+            </a:r>
+            <a:r>
+              <a:rPr kumimoji="0" lang="en-US" altLang="en-US" sz="1000" b="0" i="0" u="none" strike="noStrike" cap="none" normalizeH="0" baseline="0" dirty="0" err="1">
+                <a:ln>
+                  <a:noFill/>
+                </a:ln>
+                <a:solidFill>
+                  <a:srgbClr val="171717"/>
+                </a:solidFill>
+                <a:effectLst/>
+                <a:latin typeface="Segoe UI" panose="020B0502040204020203" pitchFamily="34" charset="0"/>
+                <a:cs typeface="Segoe UI" panose="020B0502040204020203" pitchFamily="34" charset="0"/>
+                <a:hlinkClick r:id="rId2"/>
+              </a:rPr>
+              <a:t>getschema</a:t>
+            </a:r>
+            <a:r>
+              <a:rPr kumimoji="0" lang="en-US" altLang="en-US" sz="1200" b="0" i="0" u="none" strike="noStrike" cap="none" normalizeH="0" baseline="0" dirty="0">
+                <a:ln>
+                  <a:noFill/>
+                </a:ln>
+                <a:solidFill>
+                  <a:srgbClr val="171717"/>
+                </a:solidFill>
+                <a:effectLst/>
+                <a:latin typeface="Segoe UI" panose="020B0502040204020203" pitchFamily="34" charset="0"/>
+                <a:cs typeface="Segoe UI" panose="020B0502040204020203" pitchFamily="34" charset="0"/>
+                <a:hlinkClick r:id="rId2"/>
+              </a:rPr>
+              <a:t> operator</a:t>
+            </a:r>
+            <a:r>
+              <a:rPr kumimoji="0" lang="en-US" altLang="en-US" sz="1200" b="0" i="0" u="none" strike="noStrike" cap="none" normalizeH="0" baseline="0" dirty="0">
+                <a:ln>
+                  <a:noFill/>
+                </a:ln>
+                <a:solidFill>
+                  <a:srgbClr val="171717"/>
+                </a:solidFill>
+                <a:effectLst/>
+                <a:latin typeface="Segoe UI" panose="020B0502040204020203" pitchFamily="34" charset="0"/>
+                <a:cs typeface="Segoe UI" panose="020B0502040204020203" pitchFamily="34" charset="0"/>
+              </a:rPr>
+              <a:t>. For example, the </a:t>
+            </a:r>
+            <a:r>
+              <a:rPr kumimoji="0" lang="en-US" altLang="en-US" sz="1200" b="0" i="0" u="none" strike="noStrike" cap="none" normalizeH="0" baseline="0" dirty="0">
+                <a:ln>
+                  <a:noFill/>
+                </a:ln>
+                <a:solidFill>
+                  <a:srgbClr val="171717"/>
+                </a:solidFill>
+                <a:effectLst/>
+                <a:latin typeface="Segoe UI" panose="020B0502040204020203" pitchFamily="34" charset="0"/>
+                <a:cs typeface="Segoe UI" panose="020B0502040204020203" pitchFamily="34" charset="0"/>
+                <a:hlinkClick r:id="rId3"/>
+              </a:rPr>
+              <a:t>fork</a:t>
+            </a:r>
+            <a:r>
+              <a:rPr kumimoji="0" lang="en-US" altLang="en-US" sz="1200" b="0" i="0" u="none" strike="noStrike" cap="none" normalizeH="0" baseline="0" dirty="0">
+                <a:ln>
+                  <a:noFill/>
+                </a:ln>
+                <a:solidFill>
+                  <a:srgbClr val="171717"/>
+                </a:solidFill>
+                <a:effectLst/>
+                <a:latin typeface="Segoe UI" panose="020B0502040204020203" pitchFamily="34" charset="0"/>
+                <a:cs typeface="Segoe UI" panose="020B0502040204020203" pitchFamily="34" charset="0"/>
+              </a:rPr>
+              <a:t>, </a:t>
+            </a:r>
+            <a:r>
+              <a:rPr kumimoji="0" lang="en-US" altLang="en-US" sz="1200" b="0" i="0" u="none" strike="noStrike" cap="none" normalizeH="0" baseline="0" dirty="0">
+                <a:ln>
+                  <a:noFill/>
+                </a:ln>
+                <a:solidFill>
+                  <a:srgbClr val="171717"/>
+                </a:solidFill>
+                <a:effectLst/>
+                <a:latin typeface="Segoe UI" panose="020B0502040204020203" pitchFamily="34" charset="0"/>
+                <a:cs typeface="Segoe UI" panose="020B0502040204020203" pitchFamily="34" charset="0"/>
+                <a:hlinkClick r:id="rId4"/>
+              </a:rPr>
+              <a:t>facet</a:t>
+            </a:r>
+            <a:r>
+              <a:rPr kumimoji="0" lang="en-US" altLang="en-US" sz="1200" b="0" i="0" u="none" strike="noStrike" cap="none" normalizeH="0" baseline="0" dirty="0">
+                <a:ln>
+                  <a:noFill/>
+                </a:ln>
+                <a:solidFill>
+                  <a:srgbClr val="171717"/>
+                </a:solidFill>
+                <a:effectLst/>
+                <a:latin typeface="Segoe UI" panose="020B0502040204020203" pitchFamily="34" charset="0"/>
+                <a:cs typeface="Segoe UI" panose="020B0502040204020203" pitchFamily="34" charset="0"/>
+              </a:rPr>
+              <a:t>, and </a:t>
+            </a:r>
+            <a:r>
+              <a:rPr kumimoji="0" lang="en-US" altLang="en-US" sz="1200" b="0" i="0" u="none" strike="noStrike" cap="none" normalizeH="0" baseline="0" dirty="0">
+                <a:ln>
+                  <a:noFill/>
+                </a:ln>
+                <a:solidFill>
+                  <a:srgbClr val="171717"/>
+                </a:solidFill>
+                <a:effectLst/>
+                <a:latin typeface="Segoe UI" panose="020B0502040204020203" pitchFamily="34" charset="0"/>
+                <a:cs typeface="Segoe UI" panose="020B0502040204020203" pitchFamily="34" charset="0"/>
+                <a:hlinkClick r:id="rId5"/>
+              </a:rPr>
+              <a:t>evaluate</a:t>
+            </a:r>
+            <a:r>
+              <a:rPr kumimoji="0" lang="en-US" altLang="en-US" sz="1200" b="0" i="0" u="none" strike="noStrike" cap="none" normalizeH="0" baseline="0" dirty="0">
+                <a:ln>
+                  <a:noFill/>
+                </a:ln>
+                <a:solidFill>
+                  <a:srgbClr val="171717"/>
+                </a:solidFill>
+                <a:effectLst/>
+                <a:latin typeface="Segoe UI" panose="020B0502040204020203" pitchFamily="34" charset="0"/>
+                <a:cs typeface="Segoe UI" panose="020B0502040204020203" pitchFamily="34" charset="0"/>
+              </a:rPr>
+              <a:t> operators aren't supported.</a:t>
+            </a:r>
+          </a:p>
+          <a:p>
+            <a:pPr marL="0" marR="0" lvl="0" indent="0" algn="l" defTabSz="914400" rtl="0" eaLnBrk="0" fontAlgn="base" latinLnBrk="0" hangingPunct="0">
+              <a:lnSpc>
+                <a:spcPct val="100000"/>
+              </a:lnSpc>
+              <a:spcBef>
+                <a:spcPct val="0"/>
+              </a:spcBef>
+              <a:spcAft>
+                <a:spcPct val="0"/>
+              </a:spcAft>
+              <a:buClrTx/>
+              <a:buSzTx/>
+              <a:buFontTx/>
+              <a:buChar char="•"/>
+              <a:tabLst/>
+            </a:pPr>
+            <a:r>
+              <a:rPr kumimoji="0" lang="en-US" altLang="en-US" sz="1200" b="0" i="0" u="none" strike="noStrike" cap="none" normalizeH="0" baseline="0" dirty="0">
+                <a:ln>
+                  <a:noFill/>
+                </a:ln>
+                <a:solidFill>
+                  <a:srgbClr val="171717"/>
+                </a:solidFill>
+                <a:effectLst/>
+                <a:latin typeface="Segoe UI" panose="020B0502040204020203" pitchFamily="34" charset="0"/>
+                <a:cs typeface="Segoe UI" panose="020B0502040204020203" pitchFamily="34" charset="0"/>
+              </a:rPr>
+              <a:t>Flows work best on Microsoft Edge and Google Chrome.</a:t>
+            </a:r>
+          </a:p>
+          <a:p>
+            <a:pPr marL="0" marR="0" lvl="0" indent="0" algn="l" defTabSz="914400" rtl="0" eaLnBrk="0" fontAlgn="base" latinLnBrk="0" hangingPunct="0">
+              <a:lnSpc>
+                <a:spcPct val="100000"/>
+              </a:lnSpc>
+              <a:spcBef>
+                <a:spcPct val="0"/>
+              </a:spcBef>
+              <a:spcAft>
+                <a:spcPct val="0"/>
+              </a:spcAft>
+              <a:buClrTx/>
+              <a:buSzTx/>
+              <a:buFontTx/>
+              <a:buNone/>
+              <a:tabLst/>
+            </a:pPr>
+            <a:endParaRPr kumimoji="0" lang="en-US" altLang="en-US" sz="1800" b="0" i="0" u="none" strike="noStrike" cap="none" normalizeH="0" baseline="0" dirty="0">
+              <a:ln>
+                <a:noFill/>
+              </a:ln>
+              <a:solidFill>
+                <a:schemeClr val="tx1"/>
+              </a:solidFill>
+              <a:effectLst/>
+              <a:latin typeface="Arial" panose="020B0604020202020204" pitchFamily="34" charset="0"/>
+            </a:endParaRPr>
+          </a:p>
+        </p:txBody>
+      </p:sp>
+    </p:spTree>
+    <p:extLst>
+      <p:ext uri="{BB962C8B-B14F-4D97-AF65-F5344CB8AC3E}">
+        <p14:creationId xmlns:p14="http://schemas.microsoft.com/office/powerpoint/2010/main" val="1790534271"/>
+      </p:ext>
+    </p:extLst>
+  </p:cSld>
+  <p:clrMapOvr>
+    <a:masterClrMapping/>
+  </p:clrMapOvr>
+  <p:transition/>
+</p:sld>
+</file>
+
+<file path=ppt/slides/slide39.xml><?xml version="1.0" encoding="utf-8"?>
+<p:sld xmlns:a="http://schemas.openxmlformats.org/drawingml/2006/main" xmlns:r="http://schemas.openxmlformats.org/officeDocument/2006/relationships" xmlns:p="http://schemas.openxmlformats.org/presentationml/2006/main">
+  <p:cSld>
+    <p:spTree>
+      <p:nvGrpSpPr>
+        <p:cNvPr id="1" name=""/>
+        <p:cNvGrpSpPr/>
+        <p:nvPr/>
+      </p:nvGrpSpPr>
+      <p:grpSpPr>
+        <a:xfrm>
+          <a:off x="0" y="0"/>
+          <a:ext cx="0" cy="0"/>
+          <a:chOff x="0" y="0"/>
+          <a:chExt cx="0" cy="0"/>
+        </a:xfrm>
+      </p:grpSpPr>
+      <p:sp>
+        <p:nvSpPr>
+          <p:cNvPr id="2" name="TextBox 1">
+            <a:extLst>
+              <a:ext uri="{FF2B5EF4-FFF2-40B4-BE49-F238E27FC236}">
+                <a16:creationId xmlns:a16="http://schemas.microsoft.com/office/drawing/2014/main" id="{D9BDF3E4-5B41-4B32-BEBB-6043B0FCC68D}"/>
+              </a:ext>
+            </a:extLst>
+          </p:cNvPr>
+          <p:cNvSpPr txBox="1"/>
+          <p:nvPr/>
+        </p:nvSpPr>
+        <p:spPr>
+          <a:xfrm>
+            <a:off x="3732245" y="5859624"/>
+            <a:ext cx="5187820" cy="246221"/>
+          </a:xfrm>
+          <a:prstGeom prst="rect">
+            <a:avLst/>
+          </a:prstGeom>
+          <a:noFill/>
+        </p:spPr>
+        <p:txBody>
+          <a:bodyPr wrap="square" rtlCol="0">
+            <a:spAutoFit/>
+          </a:bodyPr>
+          <a:lstStyle/>
+          <a:p>
+            <a:pPr algn="ctr"/>
+            <a:r>
+              <a:rPr lang="en-US" sz="1000" dirty="0"/>
+              <a:t>End of Slide</a:t>
+            </a:r>
+          </a:p>
+        </p:txBody>
+      </p:sp>
+    </p:spTree>
+    <p:extLst>
+      <p:ext uri="{BB962C8B-B14F-4D97-AF65-F5344CB8AC3E}">
+        <p14:creationId xmlns:p14="http://schemas.microsoft.com/office/powerpoint/2010/main" val="819929661"/>
       </p:ext>
     </p:extLst>
   </p:cSld>
@@ -8494,18 +13165,18 @@
 </file>
 
 <file path=customXml/item1.xml><?xml version="1.0" encoding="utf-8"?>
+<p:properties xmlns:p="http://schemas.microsoft.com/office/2006/metadata/properties" xmlns:xsi="http://www.w3.org/2001/XMLSchema-instance" xmlns:pc="http://schemas.microsoft.com/office/infopath/2007/PartnerControls">
+  <documentManagement/>
+</p:properties>
+</file>
+
+<file path=customXml/item2.xml><?xml version="1.0" encoding="utf-8"?>
 <?mso-contentType ?>
 <FormTemplates xmlns="http://schemas.microsoft.com/sharepoint/v3/contenttype/forms">
   <Display>DocumentLibraryForm</Display>
   <Edit>DocumentLibraryForm</Edit>
   <New>DocumentLibraryForm</New>
 </FormTemplates>
-</file>
-
-<file path=customXml/item2.xml><?xml version="1.0" encoding="utf-8"?>
-<p:properties xmlns:p="http://schemas.microsoft.com/office/2006/metadata/properties" xmlns:xsi="http://www.w3.org/2001/XMLSchema-instance" xmlns:pc="http://schemas.microsoft.com/office/infopath/2007/PartnerControls">
-  <documentManagement/>
-</p:properties>
 </file>
 
 <file path=customXml/item3.xml><?xml version="1.0" encoding="utf-8"?>
@@ -8688,14 +13359,6 @@
 </file>
 
 <file path=customXml/itemProps1.xml><?xml version="1.0" encoding="utf-8"?>
-<ds:datastoreItem xmlns:ds="http://schemas.openxmlformats.org/officeDocument/2006/customXml" ds:itemID="{33439052-87EE-4983-B5BC-ADEE5288A607}">
-  <ds:schemaRefs>
-    <ds:schemaRef ds:uri="http://schemas.microsoft.com/sharepoint/v3/contenttype/forms"/>
-  </ds:schemaRefs>
-</ds:datastoreItem>
-</file>
-
-<file path=customXml/itemProps2.xml><?xml version="1.0" encoding="utf-8"?>
 <ds:datastoreItem xmlns:ds="http://schemas.openxmlformats.org/officeDocument/2006/customXml" ds:itemID="{350713AD-7B46-49DB-81AF-BCBDC3F232C9}">
   <ds:schemaRefs>
     <ds:schemaRef ds:uri="http://purl.org/dc/elements/1.1/"/>
@@ -8708,6 +13371,14 @@
     <ds:schemaRef ds:uri="http://schemas.microsoft.com/office/infopath/2007/PartnerControls"/>
     <ds:schemaRef ds:uri="84903cf0-74e4-427a-876c-a2673a8560bc"/>
     <ds:schemaRef ds:uri="http://purl.org/dc/terms/"/>
+  </ds:schemaRefs>
+</ds:datastoreItem>
+</file>
+
+<file path=customXml/itemProps2.xml><?xml version="1.0" encoding="utf-8"?>
+<ds:datastoreItem xmlns:ds="http://schemas.openxmlformats.org/officeDocument/2006/customXml" ds:itemID="{33439052-87EE-4983-B5BC-ADEE5288A607}">
+  <ds:schemaRefs>
+    <ds:schemaRef ds:uri="http://schemas.microsoft.com/sharepoint/v3/contenttype/forms"/>
   </ds:schemaRefs>
 </ds:datastoreItem>
 </file>
